--- a/Micro services Design Pattern.pptx
+++ b/Micro services Design Pattern.pptx
@@ -4,6 +4,9 @@
   <p:sldMasterIdLst>
     <p:sldMasterId id="2147483648" r:id="rId1"/>
   </p:sldMasterIdLst>
+  <p:notesMasterIdLst>
+    <p:notesMasterId r:id="rId39"/>
+  </p:notesMasterIdLst>
   <p:sldIdLst>
     <p:sldId id="256" r:id="rId2"/>
     <p:sldId id="257" r:id="rId3"/>
@@ -21,16 +24,27 @@
     <p:sldId id="269" r:id="rId15"/>
     <p:sldId id="270" r:id="rId16"/>
     <p:sldId id="271" r:id="rId17"/>
-    <p:sldId id="272" r:id="rId18"/>
-    <p:sldId id="273" r:id="rId19"/>
-    <p:sldId id="274" r:id="rId20"/>
-    <p:sldId id="275" r:id="rId21"/>
-    <p:sldId id="276" r:id="rId22"/>
-    <p:sldId id="277" r:id="rId23"/>
-    <p:sldId id="278" r:id="rId24"/>
-    <p:sldId id="279" r:id="rId25"/>
-    <p:sldId id="280" r:id="rId26"/>
-    <p:sldId id="281" r:id="rId27"/>
+    <p:sldId id="282" r:id="rId18"/>
+    <p:sldId id="283" r:id="rId19"/>
+    <p:sldId id="284" r:id="rId20"/>
+    <p:sldId id="285" r:id="rId21"/>
+    <p:sldId id="286" r:id="rId22"/>
+    <p:sldId id="287" r:id="rId23"/>
+    <p:sldId id="288" r:id="rId24"/>
+    <p:sldId id="289" r:id="rId25"/>
+    <p:sldId id="290" r:id="rId26"/>
+    <p:sldId id="291" r:id="rId27"/>
+    <p:sldId id="292" r:id="rId28"/>
+    <p:sldId id="272" r:id="rId29"/>
+    <p:sldId id="273" r:id="rId30"/>
+    <p:sldId id="274" r:id="rId31"/>
+    <p:sldId id="275" r:id="rId32"/>
+    <p:sldId id="276" r:id="rId33"/>
+    <p:sldId id="277" r:id="rId34"/>
+    <p:sldId id="278" r:id="rId35"/>
+    <p:sldId id="279" r:id="rId36"/>
+    <p:sldId id="280" r:id="rId37"/>
+    <p:sldId id="281" r:id="rId38"/>
   </p:sldIdLst>
   <p:sldSz cx="9144000" cy="6858000" type="screen4x3"/>
   <p:notesSz cx="6858000" cy="9144000"/>
@@ -129,7 +143,1484 @@
       </a:defRPr>
     </a:lvl9pPr>
   </p:defaultTextStyle>
+  <p:extLst>
+    <p:ext uri="{EFAFB233-063F-42B5-8137-9DF3F51BA10A}">
+      <p15:sldGuideLst xmlns:p15="http://schemas.microsoft.com/office/powerpoint/2012/main">
+        <p15:guide id="1" orient="horz" pos="2160">
+          <p15:clr>
+            <a:srgbClr val="A4A3A4"/>
+          </p15:clr>
+        </p15:guide>
+        <p15:guide id="2" pos="2880">
+          <p15:clr>
+            <a:srgbClr val="A4A3A4"/>
+          </p15:clr>
+        </p15:guide>
+      </p15:sldGuideLst>
+    </p:ext>
+  </p:extLst>
 </p:presentation>
+</file>
+
+<file path=ppt/notesMasters/notesMaster1.xml><?xml version="1.0" encoding="utf-8"?>
+<p:notesMaster xmlns:a="http://schemas.openxmlformats.org/drawingml/2006/main" xmlns:r="http://schemas.openxmlformats.org/officeDocument/2006/relationships" xmlns:p="http://schemas.openxmlformats.org/presentationml/2006/main">
+  <p:cSld>
+    <p:bg>
+      <p:bgRef idx="1001">
+        <a:schemeClr val="bg1"/>
+      </p:bgRef>
+    </p:bg>
+    <p:spTree>
+      <p:nvGrpSpPr>
+        <p:cNvPr id="1" name=""/>
+        <p:cNvGrpSpPr/>
+        <p:nvPr/>
+      </p:nvGrpSpPr>
+      <p:grpSpPr>
+        <a:xfrm>
+          <a:off x="0" y="0"/>
+          <a:ext cx="0" cy="0"/>
+          <a:chOff x="0" y="0"/>
+          <a:chExt cx="0" cy="0"/>
+        </a:xfrm>
+      </p:grpSpPr>
+      <p:sp>
+        <p:nvSpPr>
+          <p:cNvPr id="2" name="Header Placeholder 1"/>
+          <p:cNvSpPr>
+            <a:spLocks noGrp="1"/>
+          </p:cNvSpPr>
+          <p:nvPr>
+            <p:ph type="hdr" sz="quarter"/>
+          </p:nvPr>
+        </p:nvSpPr>
+        <p:spPr>
+          <a:xfrm>
+            <a:off x="0" y="0"/>
+            <a:ext cx="2971800" cy="458788"/>
+          </a:xfrm>
+          <a:prstGeom prst="rect">
+            <a:avLst/>
+          </a:prstGeom>
+        </p:spPr>
+        <p:txBody>
+          <a:bodyPr vert="horz" lIns="91440" tIns="45720" rIns="91440" bIns="45720" rtlCol="0"/>
+          <a:lstStyle>
+            <a:lvl1pPr algn="l">
+              <a:defRPr sz="1200"/>
+            </a:lvl1pPr>
+          </a:lstStyle>
+          <a:p>
+            <a:endParaRPr lang="en-IN"/>
+          </a:p>
+        </p:txBody>
+      </p:sp>
+      <p:sp>
+        <p:nvSpPr>
+          <p:cNvPr id="3" name="Date Placeholder 2"/>
+          <p:cNvSpPr>
+            <a:spLocks noGrp="1"/>
+          </p:cNvSpPr>
+          <p:nvPr>
+            <p:ph type="dt" idx="1"/>
+          </p:nvPr>
+        </p:nvSpPr>
+        <p:spPr>
+          <a:xfrm>
+            <a:off x="3884613" y="0"/>
+            <a:ext cx="2971800" cy="458788"/>
+          </a:xfrm>
+          <a:prstGeom prst="rect">
+            <a:avLst/>
+          </a:prstGeom>
+        </p:spPr>
+        <p:txBody>
+          <a:bodyPr vert="horz" lIns="91440" tIns="45720" rIns="91440" bIns="45720" rtlCol="0"/>
+          <a:lstStyle>
+            <a:lvl1pPr algn="r">
+              <a:defRPr sz="1200"/>
+            </a:lvl1pPr>
+          </a:lstStyle>
+          <a:p>
+            <a:fld id="{9361661B-EA32-4140-B0F1-A19F0F4DBBC8}" type="datetimeFigureOut">
+              <a:rPr lang="en-IN" smtClean="0"/>
+              <a:t>23-05-2023</a:t>
+            </a:fld>
+            <a:endParaRPr lang="en-IN"/>
+          </a:p>
+        </p:txBody>
+      </p:sp>
+      <p:sp>
+        <p:nvSpPr>
+          <p:cNvPr id="4" name="Slide Image Placeholder 3"/>
+          <p:cNvSpPr>
+            <a:spLocks noGrp="1" noRot="1" noChangeAspect="1"/>
+          </p:cNvSpPr>
+          <p:nvPr>
+            <p:ph type="sldImg" idx="2"/>
+          </p:nvPr>
+        </p:nvSpPr>
+        <p:spPr>
+          <a:xfrm>
+            <a:off x="1371600" y="1143000"/>
+            <a:ext cx="4114800" cy="3086100"/>
+          </a:xfrm>
+          <a:prstGeom prst="rect">
+            <a:avLst/>
+          </a:prstGeom>
+          <a:noFill/>
+          <a:ln w="12700">
+            <a:solidFill>
+              <a:prstClr val="black"/>
+            </a:solidFill>
+          </a:ln>
+        </p:spPr>
+        <p:txBody>
+          <a:bodyPr vert="horz" lIns="91440" tIns="45720" rIns="91440" bIns="45720" rtlCol="0" anchor="ctr"/>
+          <a:lstStyle/>
+          <a:p>
+            <a:endParaRPr lang="en-IN"/>
+          </a:p>
+        </p:txBody>
+      </p:sp>
+      <p:sp>
+        <p:nvSpPr>
+          <p:cNvPr id="5" name="Notes Placeholder 4"/>
+          <p:cNvSpPr>
+            <a:spLocks noGrp="1"/>
+          </p:cNvSpPr>
+          <p:nvPr>
+            <p:ph type="body" sz="quarter" idx="3"/>
+          </p:nvPr>
+        </p:nvSpPr>
+        <p:spPr>
+          <a:xfrm>
+            <a:off x="685800" y="4400550"/>
+            <a:ext cx="5486400" cy="3600450"/>
+          </a:xfrm>
+          <a:prstGeom prst="rect">
+            <a:avLst/>
+          </a:prstGeom>
+        </p:spPr>
+        <p:txBody>
+          <a:bodyPr vert="horz" lIns="91440" tIns="45720" rIns="91440" bIns="45720" rtlCol="0"/>
+          <a:lstStyle/>
+          <a:p>
+            <a:pPr lvl="0"/>
+            <a:r>
+              <a:rPr lang="en-US"/>
+              <a:t>Click to edit Master text styles</a:t>
+            </a:r>
+          </a:p>
+          <a:p>
+            <a:pPr lvl="1"/>
+            <a:r>
+              <a:rPr lang="en-US"/>
+              <a:t>Second level</a:t>
+            </a:r>
+          </a:p>
+          <a:p>
+            <a:pPr lvl="2"/>
+            <a:r>
+              <a:rPr lang="en-US"/>
+              <a:t>Third level</a:t>
+            </a:r>
+          </a:p>
+          <a:p>
+            <a:pPr lvl="3"/>
+            <a:r>
+              <a:rPr lang="en-US"/>
+              <a:t>Fourth level</a:t>
+            </a:r>
+          </a:p>
+          <a:p>
+            <a:pPr lvl="4"/>
+            <a:r>
+              <a:rPr lang="en-US"/>
+              <a:t>Fifth level</a:t>
+            </a:r>
+            <a:endParaRPr lang="en-IN"/>
+          </a:p>
+        </p:txBody>
+      </p:sp>
+      <p:sp>
+        <p:nvSpPr>
+          <p:cNvPr id="6" name="Footer Placeholder 5"/>
+          <p:cNvSpPr>
+            <a:spLocks noGrp="1"/>
+          </p:cNvSpPr>
+          <p:nvPr>
+            <p:ph type="ftr" sz="quarter" idx="4"/>
+          </p:nvPr>
+        </p:nvSpPr>
+        <p:spPr>
+          <a:xfrm>
+            <a:off x="0" y="8685213"/>
+            <a:ext cx="2971800" cy="458787"/>
+          </a:xfrm>
+          <a:prstGeom prst="rect">
+            <a:avLst/>
+          </a:prstGeom>
+        </p:spPr>
+        <p:txBody>
+          <a:bodyPr vert="horz" lIns="91440" tIns="45720" rIns="91440" bIns="45720" rtlCol="0" anchor="b"/>
+          <a:lstStyle>
+            <a:lvl1pPr algn="l">
+              <a:defRPr sz="1200"/>
+            </a:lvl1pPr>
+          </a:lstStyle>
+          <a:p>
+            <a:endParaRPr lang="en-IN"/>
+          </a:p>
+        </p:txBody>
+      </p:sp>
+      <p:sp>
+        <p:nvSpPr>
+          <p:cNvPr id="7" name="Slide Number Placeholder 6"/>
+          <p:cNvSpPr>
+            <a:spLocks noGrp="1"/>
+          </p:cNvSpPr>
+          <p:nvPr>
+            <p:ph type="sldNum" sz="quarter" idx="5"/>
+          </p:nvPr>
+        </p:nvSpPr>
+        <p:spPr>
+          <a:xfrm>
+            <a:off x="3884613" y="8685213"/>
+            <a:ext cx="2971800" cy="458787"/>
+          </a:xfrm>
+          <a:prstGeom prst="rect">
+            <a:avLst/>
+          </a:prstGeom>
+        </p:spPr>
+        <p:txBody>
+          <a:bodyPr vert="horz" lIns="91440" tIns="45720" rIns="91440" bIns="45720" rtlCol="0" anchor="b"/>
+          <a:lstStyle>
+            <a:lvl1pPr algn="r">
+              <a:defRPr sz="1200"/>
+            </a:lvl1pPr>
+          </a:lstStyle>
+          <a:p>
+            <a:fld id="{9BD7E917-8394-433F-96B5-1F86F1B85784}" type="slidenum">
+              <a:rPr lang="en-IN" smtClean="0"/>
+              <a:t>‹#›</a:t>
+            </a:fld>
+            <a:endParaRPr lang="en-IN"/>
+          </a:p>
+        </p:txBody>
+      </p:sp>
+    </p:spTree>
+    <p:extLst>
+      <p:ext uri="{BB962C8B-B14F-4D97-AF65-F5344CB8AC3E}">
+        <p14:creationId xmlns:p14="http://schemas.microsoft.com/office/powerpoint/2010/main" val="167393624"/>
+      </p:ext>
+    </p:extLst>
+  </p:cSld>
+  <p:clrMap bg1="lt1" tx1="dk1" bg2="lt2" tx2="dk2" accent1="accent1" accent2="accent2" accent3="accent3" accent4="accent4" accent5="accent5" accent6="accent6" hlink="hlink" folHlink="folHlink"/>
+  <p:notesStyle>
+    <a:lvl1pPr marL="0" algn="l" defTabSz="914400" rtl="0" eaLnBrk="1" latinLnBrk="0" hangingPunct="1">
+      <a:defRPr sz="1200" kern="1200">
+        <a:solidFill>
+          <a:schemeClr val="tx1"/>
+        </a:solidFill>
+        <a:latin typeface="+mn-lt"/>
+        <a:ea typeface="+mn-ea"/>
+        <a:cs typeface="+mn-cs"/>
+      </a:defRPr>
+    </a:lvl1pPr>
+    <a:lvl2pPr marL="457200" algn="l" defTabSz="914400" rtl="0" eaLnBrk="1" latinLnBrk="0" hangingPunct="1">
+      <a:defRPr sz="1200" kern="1200">
+        <a:solidFill>
+          <a:schemeClr val="tx1"/>
+        </a:solidFill>
+        <a:latin typeface="+mn-lt"/>
+        <a:ea typeface="+mn-ea"/>
+        <a:cs typeface="+mn-cs"/>
+      </a:defRPr>
+    </a:lvl2pPr>
+    <a:lvl3pPr marL="914400" algn="l" defTabSz="914400" rtl="0" eaLnBrk="1" latinLnBrk="0" hangingPunct="1">
+      <a:defRPr sz="1200" kern="1200">
+        <a:solidFill>
+          <a:schemeClr val="tx1"/>
+        </a:solidFill>
+        <a:latin typeface="+mn-lt"/>
+        <a:ea typeface="+mn-ea"/>
+        <a:cs typeface="+mn-cs"/>
+      </a:defRPr>
+    </a:lvl3pPr>
+    <a:lvl4pPr marL="1371600" algn="l" defTabSz="914400" rtl="0" eaLnBrk="1" latinLnBrk="0" hangingPunct="1">
+      <a:defRPr sz="1200" kern="1200">
+        <a:solidFill>
+          <a:schemeClr val="tx1"/>
+        </a:solidFill>
+        <a:latin typeface="+mn-lt"/>
+        <a:ea typeface="+mn-ea"/>
+        <a:cs typeface="+mn-cs"/>
+      </a:defRPr>
+    </a:lvl4pPr>
+    <a:lvl5pPr marL="1828800" algn="l" defTabSz="914400" rtl="0" eaLnBrk="1" latinLnBrk="0" hangingPunct="1">
+      <a:defRPr sz="1200" kern="1200">
+        <a:solidFill>
+          <a:schemeClr val="tx1"/>
+        </a:solidFill>
+        <a:latin typeface="+mn-lt"/>
+        <a:ea typeface="+mn-ea"/>
+        <a:cs typeface="+mn-cs"/>
+      </a:defRPr>
+    </a:lvl5pPr>
+    <a:lvl6pPr marL="2286000" algn="l" defTabSz="914400" rtl="0" eaLnBrk="1" latinLnBrk="0" hangingPunct="1">
+      <a:defRPr sz="1200" kern="1200">
+        <a:solidFill>
+          <a:schemeClr val="tx1"/>
+        </a:solidFill>
+        <a:latin typeface="+mn-lt"/>
+        <a:ea typeface="+mn-ea"/>
+        <a:cs typeface="+mn-cs"/>
+      </a:defRPr>
+    </a:lvl6pPr>
+    <a:lvl7pPr marL="2743200" algn="l" defTabSz="914400" rtl="0" eaLnBrk="1" latinLnBrk="0" hangingPunct="1">
+      <a:defRPr sz="1200" kern="1200">
+        <a:solidFill>
+          <a:schemeClr val="tx1"/>
+        </a:solidFill>
+        <a:latin typeface="+mn-lt"/>
+        <a:ea typeface="+mn-ea"/>
+        <a:cs typeface="+mn-cs"/>
+      </a:defRPr>
+    </a:lvl7pPr>
+    <a:lvl8pPr marL="3200400" algn="l" defTabSz="914400" rtl="0" eaLnBrk="1" latinLnBrk="0" hangingPunct="1">
+      <a:defRPr sz="1200" kern="1200">
+        <a:solidFill>
+          <a:schemeClr val="tx1"/>
+        </a:solidFill>
+        <a:latin typeface="+mn-lt"/>
+        <a:ea typeface="+mn-ea"/>
+        <a:cs typeface="+mn-cs"/>
+      </a:defRPr>
+    </a:lvl8pPr>
+    <a:lvl9pPr marL="3657600" algn="l" defTabSz="914400" rtl="0" eaLnBrk="1" latinLnBrk="0" hangingPunct="1">
+      <a:defRPr sz="1200" kern="1200">
+        <a:solidFill>
+          <a:schemeClr val="tx1"/>
+        </a:solidFill>
+        <a:latin typeface="+mn-lt"/>
+        <a:ea typeface="+mn-ea"/>
+        <a:cs typeface="+mn-cs"/>
+      </a:defRPr>
+    </a:lvl9pPr>
+  </p:notesStyle>
+</p:notesMaster>
+</file>
+
+<file path=ppt/notesSlides/notesSlide1.xml><?xml version="1.0" encoding="utf-8"?>
+<p:notes xmlns:a="http://schemas.openxmlformats.org/drawingml/2006/main" xmlns:r="http://schemas.openxmlformats.org/officeDocument/2006/relationships" xmlns:p="http://schemas.openxmlformats.org/presentationml/2006/main">
+  <p:cSld>
+    <p:spTree>
+      <p:nvGrpSpPr>
+        <p:cNvPr id="1" name=""/>
+        <p:cNvGrpSpPr/>
+        <p:nvPr/>
+      </p:nvGrpSpPr>
+      <p:grpSpPr>
+        <a:xfrm>
+          <a:off x="0" y="0"/>
+          <a:ext cx="0" cy="0"/>
+          <a:chOff x="0" y="0"/>
+          <a:chExt cx="0" cy="0"/>
+        </a:xfrm>
+      </p:grpSpPr>
+      <p:sp>
+        <p:nvSpPr>
+          <p:cNvPr id="2" name="Slide Image Placeholder 1"/>
+          <p:cNvSpPr>
+            <a:spLocks noGrp="1" noRot="1" noChangeAspect="1"/>
+          </p:cNvSpPr>
+          <p:nvPr>
+            <p:ph type="sldImg"/>
+          </p:nvPr>
+        </p:nvSpPr>
+        <p:spPr/>
+      </p:sp>
+      <p:sp>
+        <p:nvSpPr>
+          <p:cNvPr id="3" name="Notes Placeholder 2"/>
+          <p:cNvSpPr>
+            <a:spLocks noGrp="1"/>
+          </p:cNvSpPr>
+          <p:nvPr>
+            <p:ph type="body" idx="1"/>
+          </p:nvPr>
+        </p:nvSpPr>
+        <p:spPr/>
+        <p:txBody>
+          <a:bodyPr/>
+          <a:lstStyle/>
+          <a:p>
+            <a:pPr algn="l"/>
+            <a:r>
+              <a:rPr lang="en-US" b="0" i="0" dirty="0">
+                <a:solidFill>
+                  <a:srgbClr val="292929"/>
+                </a:solidFill>
+                <a:effectLst/>
+                <a:latin typeface="source-serif-pro"/>
+              </a:rPr>
+              <a:t>A microservice is a distributed system made up of numerous smaller services that work together to offer overall application functionality. [1]</a:t>
+            </a:r>
+          </a:p>
+          <a:p>
+            <a:pPr algn="l"/>
+            <a:r>
+              <a:rPr lang="en-US" b="0" i="0" dirty="0">
+                <a:solidFill>
+                  <a:srgbClr val="292929"/>
+                </a:solidFill>
+                <a:effectLst/>
+                <a:latin typeface="source-serif-pro"/>
+              </a:rPr>
+              <a:t>Although this architectural style has many advantages, it also has some drawbacks. One of the biggest issues is determining how to manage a transaction that involves numerous services. [1]</a:t>
+            </a:r>
+          </a:p>
+          <a:p>
+            <a:pPr algn="l"/>
+            <a:r>
+              <a:rPr lang="en-US" b="0" i="0" dirty="0">
+                <a:solidFill>
+                  <a:srgbClr val="292929"/>
+                </a:solidFill>
+                <a:effectLst/>
+                <a:latin typeface="source-serif-pro"/>
+              </a:rPr>
+              <a:t>While the transaction spans numerous services in a distributed transaction scenario, maintaining ACID (atomicity, consistency, isolation, and durability) is always critical. The second difficulty is controlling the transaction isolation level. It determines the quantity of data visible in a transaction when other services access the same data at the same time.</a:t>
+            </a:r>
+          </a:p>
+          <a:p>
+            <a:endParaRPr lang="en-IN" dirty="0"/>
+          </a:p>
+        </p:txBody>
+      </p:sp>
+      <p:sp>
+        <p:nvSpPr>
+          <p:cNvPr id="4" name="Slide Number Placeholder 3"/>
+          <p:cNvSpPr>
+            <a:spLocks noGrp="1"/>
+          </p:cNvSpPr>
+          <p:nvPr>
+            <p:ph type="sldNum" sz="quarter" idx="5"/>
+          </p:nvPr>
+        </p:nvSpPr>
+        <p:spPr/>
+        <p:txBody>
+          <a:bodyPr/>
+          <a:lstStyle/>
+          <a:p>
+            <a:fld id="{9BD7E917-8394-433F-96B5-1F86F1B85784}" type="slidenum">
+              <a:rPr lang="en-IN" smtClean="0"/>
+              <a:t>17</a:t>
+            </a:fld>
+            <a:endParaRPr lang="en-IN"/>
+          </a:p>
+        </p:txBody>
+      </p:sp>
+    </p:spTree>
+    <p:extLst>
+      <p:ext uri="{BB962C8B-B14F-4D97-AF65-F5344CB8AC3E}">
+        <p14:creationId xmlns:p14="http://schemas.microsoft.com/office/powerpoint/2010/main" val="3790991236"/>
+      </p:ext>
+    </p:extLst>
+  </p:cSld>
+  <p:clrMapOvr>
+    <a:masterClrMapping/>
+  </p:clrMapOvr>
+</p:notes>
+</file>
+
+<file path=ppt/notesSlides/notesSlide10.xml><?xml version="1.0" encoding="utf-8"?>
+<p:notes xmlns:a="http://schemas.openxmlformats.org/drawingml/2006/main" xmlns:r="http://schemas.openxmlformats.org/officeDocument/2006/relationships" xmlns:p="http://schemas.openxmlformats.org/presentationml/2006/main">
+  <p:cSld>
+    <p:spTree>
+      <p:nvGrpSpPr>
+        <p:cNvPr id="1" name=""/>
+        <p:cNvGrpSpPr/>
+        <p:nvPr/>
+      </p:nvGrpSpPr>
+      <p:grpSpPr>
+        <a:xfrm>
+          <a:off x="0" y="0"/>
+          <a:ext cx="0" cy="0"/>
+          <a:chOff x="0" y="0"/>
+          <a:chExt cx="0" cy="0"/>
+        </a:xfrm>
+      </p:grpSpPr>
+      <p:sp>
+        <p:nvSpPr>
+          <p:cNvPr id="2" name="Slide Image Placeholder 1"/>
+          <p:cNvSpPr>
+            <a:spLocks noGrp="1" noRot="1" noChangeAspect="1"/>
+          </p:cNvSpPr>
+          <p:nvPr>
+            <p:ph type="sldImg"/>
+          </p:nvPr>
+        </p:nvSpPr>
+        <p:spPr/>
+      </p:sp>
+      <p:sp>
+        <p:nvSpPr>
+          <p:cNvPr id="3" name="Notes Placeholder 2"/>
+          <p:cNvSpPr>
+            <a:spLocks noGrp="1"/>
+          </p:cNvSpPr>
+          <p:nvPr>
+            <p:ph type="body" idx="1"/>
+          </p:nvPr>
+        </p:nvSpPr>
+        <p:spPr/>
+        <p:txBody>
+          <a:bodyPr/>
+          <a:lstStyle/>
+          <a:p>
+            <a:pPr algn="l"/>
+            <a:r>
+              <a:rPr lang="en-US" b="1" i="0" dirty="0">
+                <a:solidFill>
+                  <a:srgbClr val="292929"/>
+                </a:solidFill>
+                <a:effectLst/>
+                <a:latin typeface="source-serif-pro"/>
+              </a:rPr>
+              <a:t>System complexity</a:t>
+            </a:r>
+            <a:r>
+              <a:rPr lang="en-US" b="0" i="0" dirty="0">
+                <a:solidFill>
+                  <a:srgbClr val="292929"/>
+                </a:solidFill>
+                <a:effectLst/>
+                <a:latin typeface="source-serif-pro"/>
+              </a:rPr>
+              <a:t>: The orchestration pattern is appropriate for systems with complicated business logic, where the control flow must be controlled centrally to maintain consistency and compliance with business requirements. The choreography pattern, on the other hand, is better suited for systems with basic business logic, where services can work independently and interact via event-based communication. [3]</a:t>
+            </a:r>
+          </a:p>
+          <a:p>
+            <a:pPr algn="l"/>
+            <a:r>
+              <a:rPr lang="en-US" b="1" i="0" dirty="0">
+                <a:solidFill>
+                  <a:srgbClr val="292929"/>
+                </a:solidFill>
+                <a:effectLst/>
+                <a:latin typeface="source-serif-pro"/>
+              </a:rPr>
+              <a:t>Coordination requirements</a:t>
+            </a:r>
+            <a:r>
+              <a:rPr lang="en-US" b="0" i="0" dirty="0">
+                <a:solidFill>
+                  <a:srgbClr val="292929"/>
+                </a:solidFill>
+                <a:effectLst/>
+                <a:latin typeface="source-serif-pro"/>
+              </a:rPr>
+              <a:t>: The orchestration pattern is beneficial when tight coordination and interaction between services is required, as the orchestrator may handle communication and guarantee that each service completes its duty before moving on to the next. The choreography design, on the other hand, is better suited for loosely connected systems in which each service can work independently and communicate with other services as needed. [3]</a:t>
+            </a:r>
+          </a:p>
+          <a:p>
+            <a:pPr algn="l"/>
+            <a:r>
+              <a:rPr lang="en-US" b="1" i="0" dirty="0">
+                <a:solidFill>
+                  <a:srgbClr val="292929"/>
+                </a:solidFill>
+                <a:effectLst/>
+                <a:latin typeface="source-serif-pro"/>
+              </a:rPr>
+              <a:t>Fault tolerance and scalability</a:t>
+            </a:r>
+            <a:r>
+              <a:rPr lang="en-US" b="0" i="0" dirty="0">
+                <a:solidFill>
+                  <a:srgbClr val="292929"/>
+                </a:solidFill>
+                <a:effectLst/>
+                <a:latin typeface="source-serif-pro"/>
+              </a:rPr>
+              <a:t>: Because the central orchestrator can handle errors and retries and improve system flow, the orchestration pattern can be more fault-tolerant and scalable. Choreography patterns, on the other hand, can be more durable and flexible to changes because each service can react to events and update its behavior without relying on a central component. [3]</a:t>
+            </a:r>
+          </a:p>
+          <a:p>
+            <a:pPr algn="l"/>
+            <a:r>
+              <a:rPr lang="en-US" b="1" i="0" dirty="0">
+                <a:solidFill>
+                  <a:srgbClr val="292929"/>
+                </a:solidFill>
+                <a:effectLst/>
+                <a:latin typeface="source-serif-pro"/>
+              </a:rPr>
+              <a:t>Centralization vs. decentralization trade-offs</a:t>
+            </a:r>
+            <a:r>
+              <a:rPr lang="en-US" b="0" i="0" dirty="0">
+                <a:solidFill>
+                  <a:srgbClr val="292929"/>
+                </a:solidFill>
+                <a:effectLst/>
+                <a:latin typeface="source-serif-pro"/>
+              </a:rPr>
+              <a:t>: The orchestration pattern centralizes control and decision-making, which simplifies system development and management but introduces a single point of failure and a possible bottleneck. The choreography pattern, on the other hand, distributes power and decision-making, which can boost service autonomy and flexibility while also making the system more complex and difficult to operate. [3]</a:t>
+            </a:r>
+          </a:p>
+          <a:p>
+            <a:endParaRPr lang="en-IN" dirty="0"/>
+          </a:p>
+        </p:txBody>
+      </p:sp>
+      <p:sp>
+        <p:nvSpPr>
+          <p:cNvPr id="4" name="Slide Number Placeholder 3"/>
+          <p:cNvSpPr>
+            <a:spLocks noGrp="1"/>
+          </p:cNvSpPr>
+          <p:nvPr>
+            <p:ph type="sldNum" sz="quarter" idx="5"/>
+          </p:nvPr>
+        </p:nvSpPr>
+        <p:spPr/>
+        <p:txBody>
+          <a:bodyPr/>
+          <a:lstStyle/>
+          <a:p>
+            <a:fld id="{9BD7E917-8394-433F-96B5-1F86F1B85784}" type="slidenum">
+              <a:rPr lang="en-IN" smtClean="0"/>
+              <a:t>26</a:t>
+            </a:fld>
+            <a:endParaRPr lang="en-IN"/>
+          </a:p>
+        </p:txBody>
+      </p:sp>
+    </p:spTree>
+    <p:extLst>
+      <p:ext uri="{BB962C8B-B14F-4D97-AF65-F5344CB8AC3E}">
+        <p14:creationId xmlns:p14="http://schemas.microsoft.com/office/powerpoint/2010/main" val="4264254300"/>
+      </p:ext>
+    </p:extLst>
+  </p:cSld>
+  <p:clrMapOvr>
+    <a:masterClrMapping/>
+  </p:clrMapOvr>
+</p:notes>
+</file>
+
+<file path=ppt/notesSlides/notesSlide11.xml><?xml version="1.0" encoding="utf-8"?>
+<p:notes xmlns:a="http://schemas.openxmlformats.org/drawingml/2006/main" xmlns:r="http://schemas.openxmlformats.org/officeDocument/2006/relationships" xmlns:p="http://schemas.openxmlformats.org/presentationml/2006/main">
+  <p:cSld>
+    <p:spTree>
+      <p:nvGrpSpPr>
+        <p:cNvPr id="1" name=""/>
+        <p:cNvGrpSpPr/>
+        <p:nvPr/>
+      </p:nvGrpSpPr>
+      <p:grpSpPr>
+        <a:xfrm>
+          <a:off x="0" y="0"/>
+          <a:ext cx="0" cy="0"/>
+          <a:chOff x="0" y="0"/>
+          <a:chExt cx="0" cy="0"/>
+        </a:xfrm>
+      </p:grpSpPr>
+      <p:sp>
+        <p:nvSpPr>
+          <p:cNvPr id="2" name="Slide Image Placeholder 1"/>
+          <p:cNvSpPr>
+            <a:spLocks noGrp="1" noRot="1" noChangeAspect="1"/>
+          </p:cNvSpPr>
+          <p:nvPr>
+            <p:ph type="sldImg"/>
+          </p:nvPr>
+        </p:nvSpPr>
+        <p:spPr/>
+      </p:sp>
+      <p:sp>
+        <p:nvSpPr>
+          <p:cNvPr id="3" name="Notes Placeholder 2"/>
+          <p:cNvSpPr>
+            <a:spLocks noGrp="1"/>
+          </p:cNvSpPr>
+          <p:nvPr>
+            <p:ph type="body" idx="1"/>
+          </p:nvPr>
+        </p:nvSpPr>
+        <p:spPr/>
+        <p:txBody>
+          <a:bodyPr/>
+          <a:lstStyle/>
+          <a:p>
+            <a:pPr algn="l"/>
+            <a:r>
+              <a:rPr lang="en-US" b="0" i="0" dirty="0">
+                <a:solidFill>
+                  <a:srgbClr val="292929"/>
+                </a:solidFill>
+                <a:effectLst/>
+                <a:latin typeface="source-serif-pro"/>
+              </a:rPr>
+              <a:t>A command to make a new order is received by the “order-service”. This request is executed and raised as an event when an order is created. </a:t>
+            </a:r>
+            <a:r>
+              <a:rPr lang="en-US" b="0" i="0" dirty="0" err="1">
+                <a:solidFill>
+                  <a:srgbClr val="292929"/>
+                </a:solidFill>
+                <a:effectLst/>
+                <a:latin typeface="source-serif-pro"/>
+              </a:rPr>
+              <a:t>OrderCreated</a:t>
+            </a:r>
+            <a:r>
+              <a:rPr lang="en-US" b="0" i="0" dirty="0">
+                <a:solidFill>
+                  <a:srgbClr val="292929"/>
+                </a:solidFill>
+                <a:effectLst/>
+                <a:latin typeface="source-serif-pro"/>
+              </a:rPr>
+              <a:t> event (used past tense because it has already occurred) simply informs “order-service” that a new order request has been received and is being held in the PENDING/CREATED status and it has not yet been fulfilled. </a:t>
+            </a:r>
+          </a:p>
+          <a:p>
+            <a:pPr algn="l"/>
+            <a:r>
+              <a:rPr lang="en-US" b="0" i="0" dirty="0">
+                <a:solidFill>
+                  <a:srgbClr val="292929"/>
+                </a:solidFill>
+                <a:effectLst/>
+                <a:latin typeface="source-serif-pro"/>
+              </a:rPr>
+              <a:t>The payment/inventory service may now be interested in listening to those occurrences and reserving/rejecting payment/inventory. Even these might be considered an event. Payment has been reserved/rejected for the event. Payment reserved/rejected event and Order-service may listen to these events and fulfill/cancel the initial purchase request. </a:t>
+            </a:r>
+          </a:p>
+          <a:p>
+            <a:endParaRPr lang="en-IN" dirty="0"/>
+          </a:p>
+        </p:txBody>
+      </p:sp>
+      <p:sp>
+        <p:nvSpPr>
+          <p:cNvPr id="4" name="Slide Number Placeholder 3"/>
+          <p:cNvSpPr>
+            <a:spLocks noGrp="1"/>
+          </p:cNvSpPr>
+          <p:nvPr>
+            <p:ph type="sldNum" sz="quarter" idx="5"/>
+          </p:nvPr>
+        </p:nvSpPr>
+        <p:spPr/>
+        <p:txBody>
+          <a:bodyPr/>
+          <a:lstStyle/>
+          <a:p>
+            <a:fld id="{9BD7E917-8394-433F-96B5-1F86F1B85784}" type="slidenum">
+              <a:rPr lang="en-IN" smtClean="0"/>
+              <a:t>27</a:t>
+            </a:fld>
+            <a:endParaRPr lang="en-IN"/>
+          </a:p>
+        </p:txBody>
+      </p:sp>
+    </p:spTree>
+    <p:extLst>
+      <p:ext uri="{BB962C8B-B14F-4D97-AF65-F5344CB8AC3E}">
+        <p14:creationId xmlns:p14="http://schemas.microsoft.com/office/powerpoint/2010/main" val="2077604756"/>
+      </p:ext>
+    </p:extLst>
+  </p:cSld>
+  <p:clrMapOvr>
+    <a:masterClrMapping/>
+  </p:clrMapOvr>
+</p:notes>
+</file>
+
+<file path=ppt/notesSlides/notesSlide2.xml><?xml version="1.0" encoding="utf-8"?>
+<p:notes xmlns:a="http://schemas.openxmlformats.org/drawingml/2006/main" xmlns:r="http://schemas.openxmlformats.org/officeDocument/2006/relationships" xmlns:p="http://schemas.openxmlformats.org/presentationml/2006/main">
+  <p:cSld>
+    <p:spTree>
+      <p:nvGrpSpPr>
+        <p:cNvPr id="1" name=""/>
+        <p:cNvGrpSpPr/>
+        <p:nvPr/>
+      </p:nvGrpSpPr>
+      <p:grpSpPr>
+        <a:xfrm>
+          <a:off x="0" y="0"/>
+          <a:ext cx="0" cy="0"/>
+          <a:chOff x="0" y="0"/>
+          <a:chExt cx="0" cy="0"/>
+        </a:xfrm>
+      </p:grpSpPr>
+      <p:sp>
+        <p:nvSpPr>
+          <p:cNvPr id="2" name="Slide Image Placeholder 1"/>
+          <p:cNvSpPr>
+            <a:spLocks noGrp="1" noRot="1" noChangeAspect="1"/>
+          </p:cNvSpPr>
+          <p:nvPr>
+            <p:ph type="sldImg"/>
+          </p:nvPr>
+        </p:nvSpPr>
+        <p:spPr/>
+      </p:sp>
+      <p:sp>
+        <p:nvSpPr>
+          <p:cNvPr id="3" name="Notes Placeholder 2"/>
+          <p:cNvSpPr>
+            <a:spLocks noGrp="1"/>
+          </p:cNvSpPr>
+          <p:nvPr>
+            <p:ph type="body" idx="1"/>
+          </p:nvPr>
+        </p:nvSpPr>
+        <p:spPr/>
+        <p:txBody>
+          <a:bodyPr/>
+          <a:lstStyle/>
+          <a:p>
+            <a:r>
+              <a:rPr lang="en-US" b="0" i="0" dirty="0">
+                <a:solidFill>
+                  <a:srgbClr val="292929"/>
+                </a:solidFill>
+                <a:effectLst/>
+                <a:latin typeface="source-serif-pro"/>
+              </a:rPr>
+              <a:t>There are two phases. In phase one, the coordinator asks the participating nodes if they are ready to commit the transaction and waits for a yes or no response. If all nodes replied yes in phase 1, the coordinator instructs all nodes to commit; otherwise, the coordinator instructs all nodes to roll back.</a:t>
+            </a:r>
+            <a:endParaRPr lang="en-IN" dirty="0"/>
+          </a:p>
+        </p:txBody>
+      </p:sp>
+      <p:sp>
+        <p:nvSpPr>
+          <p:cNvPr id="4" name="Slide Number Placeholder 3"/>
+          <p:cNvSpPr>
+            <a:spLocks noGrp="1"/>
+          </p:cNvSpPr>
+          <p:nvPr>
+            <p:ph type="sldNum" sz="quarter" idx="5"/>
+          </p:nvPr>
+        </p:nvSpPr>
+        <p:spPr/>
+        <p:txBody>
+          <a:bodyPr/>
+          <a:lstStyle/>
+          <a:p>
+            <a:fld id="{9BD7E917-8394-433F-96B5-1F86F1B85784}" type="slidenum">
+              <a:rPr lang="en-IN" smtClean="0"/>
+              <a:t>18</a:t>
+            </a:fld>
+            <a:endParaRPr lang="en-IN"/>
+          </a:p>
+        </p:txBody>
+      </p:sp>
+    </p:spTree>
+    <p:extLst>
+      <p:ext uri="{BB962C8B-B14F-4D97-AF65-F5344CB8AC3E}">
+        <p14:creationId xmlns:p14="http://schemas.microsoft.com/office/powerpoint/2010/main" val="1521431812"/>
+      </p:ext>
+    </p:extLst>
+  </p:cSld>
+  <p:clrMapOvr>
+    <a:masterClrMapping/>
+  </p:clrMapOvr>
+</p:notes>
+</file>
+
+<file path=ppt/notesSlides/notesSlide3.xml><?xml version="1.0" encoding="utf-8"?>
+<p:notes xmlns:a="http://schemas.openxmlformats.org/drawingml/2006/main" xmlns:r="http://schemas.openxmlformats.org/officeDocument/2006/relationships" xmlns:p="http://schemas.openxmlformats.org/presentationml/2006/main">
+  <p:cSld>
+    <p:spTree>
+      <p:nvGrpSpPr>
+        <p:cNvPr id="1" name=""/>
+        <p:cNvGrpSpPr/>
+        <p:nvPr/>
+      </p:nvGrpSpPr>
+      <p:grpSpPr>
+        <a:xfrm>
+          <a:off x="0" y="0"/>
+          <a:ext cx="0" cy="0"/>
+          <a:chOff x="0" y="0"/>
+          <a:chExt cx="0" cy="0"/>
+        </a:xfrm>
+      </p:grpSpPr>
+      <p:sp>
+        <p:nvSpPr>
+          <p:cNvPr id="2" name="Slide Image Placeholder 1"/>
+          <p:cNvSpPr>
+            <a:spLocks noGrp="1" noRot="1" noChangeAspect="1"/>
+          </p:cNvSpPr>
+          <p:nvPr>
+            <p:ph type="sldImg"/>
+          </p:nvPr>
+        </p:nvSpPr>
+        <p:spPr/>
+      </p:sp>
+      <p:sp>
+        <p:nvSpPr>
+          <p:cNvPr id="3" name="Notes Placeholder 2"/>
+          <p:cNvSpPr>
+            <a:spLocks noGrp="1"/>
+          </p:cNvSpPr>
+          <p:nvPr>
+            <p:ph type="body" idx="1"/>
+          </p:nvPr>
+        </p:nvSpPr>
+        <p:spPr/>
+        <p:txBody>
+          <a:bodyPr/>
+          <a:lstStyle/>
+          <a:p>
+            <a:endParaRPr lang="en-IN" dirty="0"/>
+          </a:p>
+        </p:txBody>
+      </p:sp>
+      <p:sp>
+        <p:nvSpPr>
+          <p:cNvPr id="4" name="Slide Number Placeholder 3"/>
+          <p:cNvSpPr>
+            <a:spLocks noGrp="1"/>
+          </p:cNvSpPr>
+          <p:nvPr>
+            <p:ph type="sldNum" sz="quarter" idx="5"/>
+          </p:nvPr>
+        </p:nvSpPr>
+        <p:spPr/>
+        <p:txBody>
+          <a:bodyPr/>
+          <a:lstStyle/>
+          <a:p>
+            <a:fld id="{9BD7E917-8394-433F-96B5-1F86F1B85784}" type="slidenum">
+              <a:rPr lang="en-IN" smtClean="0"/>
+              <a:t>19</a:t>
+            </a:fld>
+            <a:endParaRPr lang="en-IN"/>
+          </a:p>
+        </p:txBody>
+      </p:sp>
+    </p:spTree>
+    <p:extLst>
+      <p:ext uri="{BB962C8B-B14F-4D97-AF65-F5344CB8AC3E}">
+        <p14:creationId xmlns:p14="http://schemas.microsoft.com/office/powerpoint/2010/main" val="2521886758"/>
+      </p:ext>
+    </p:extLst>
+  </p:cSld>
+  <p:clrMapOvr>
+    <a:masterClrMapping/>
+  </p:clrMapOvr>
+</p:notes>
+</file>
+
+<file path=ppt/notesSlides/notesSlide4.xml><?xml version="1.0" encoding="utf-8"?>
+<p:notes xmlns:a="http://schemas.openxmlformats.org/drawingml/2006/main" xmlns:r="http://schemas.openxmlformats.org/officeDocument/2006/relationships" xmlns:p="http://schemas.openxmlformats.org/presentationml/2006/main">
+  <p:cSld>
+    <p:spTree>
+      <p:nvGrpSpPr>
+        <p:cNvPr id="1" name=""/>
+        <p:cNvGrpSpPr/>
+        <p:nvPr/>
+      </p:nvGrpSpPr>
+      <p:grpSpPr>
+        <a:xfrm>
+          <a:off x="0" y="0"/>
+          <a:ext cx="0" cy="0"/>
+          <a:chOff x="0" y="0"/>
+          <a:chExt cx="0" cy="0"/>
+        </a:xfrm>
+      </p:grpSpPr>
+      <p:sp>
+        <p:nvSpPr>
+          <p:cNvPr id="2" name="Slide Image Placeholder 1"/>
+          <p:cNvSpPr>
+            <a:spLocks noGrp="1" noRot="1" noChangeAspect="1"/>
+          </p:cNvSpPr>
+          <p:nvPr>
+            <p:ph type="sldImg"/>
+          </p:nvPr>
+        </p:nvSpPr>
+        <p:spPr/>
+      </p:sp>
+      <p:sp>
+        <p:nvSpPr>
+          <p:cNvPr id="3" name="Notes Placeholder 2"/>
+          <p:cNvSpPr>
+            <a:spLocks noGrp="1"/>
+          </p:cNvSpPr>
+          <p:nvPr>
+            <p:ph type="body" idx="1"/>
+          </p:nvPr>
+        </p:nvSpPr>
+        <p:spPr/>
+        <p:txBody>
+          <a:bodyPr/>
+          <a:lstStyle/>
+          <a:p>
+            <a:endParaRPr lang="en-IN" dirty="0"/>
+          </a:p>
+        </p:txBody>
+      </p:sp>
+      <p:sp>
+        <p:nvSpPr>
+          <p:cNvPr id="4" name="Slide Number Placeholder 3"/>
+          <p:cNvSpPr>
+            <a:spLocks noGrp="1"/>
+          </p:cNvSpPr>
+          <p:nvPr>
+            <p:ph type="sldNum" sz="quarter" idx="5"/>
+          </p:nvPr>
+        </p:nvSpPr>
+        <p:spPr/>
+        <p:txBody>
+          <a:bodyPr/>
+          <a:lstStyle/>
+          <a:p>
+            <a:fld id="{9BD7E917-8394-433F-96B5-1F86F1B85784}" type="slidenum">
+              <a:rPr lang="en-IN" smtClean="0"/>
+              <a:t>20</a:t>
+            </a:fld>
+            <a:endParaRPr lang="en-IN"/>
+          </a:p>
+        </p:txBody>
+      </p:sp>
+    </p:spTree>
+    <p:extLst>
+      <p:ext uri="{BB962C8B-B14F-4D97-AF65-F5344CB8AC3E}">
+        <p14:creationId xmlns:p14="http://schemas.microsoft.com/office/powerpoint/2010/main" val="2119496563"/>
+      </p:ext>
+    </p:extLst>
+  </p:cSld>
+  <p:clrMapOvr>
+    <a:masterClrMapping/>
+  </p:clrMapOvr>
+</p:notes>
+</file>
+
+<file path=ppt/notesSlides/notesSlide5.xml><?xml version="1.0" encoding="utf-8"?>
+<p:notes xmlns:a="http://schemas.openxmlformats.org/drawingml/2006/main" xmlns:r="http://schemas.openxmlformats.org/officeDocument/2006/relationships" xmlns:p="http://schemas.openxmlformats.org/presentationml/2006/main">
+  <p:cSld>
+    <p:spTree>
+      <p:nvGrpSpPr>
+        <p:cNvPr id="1" name=""/>
+        <p:cNvGrpSpPr/>
+        <p:nvPr/>
+      </p:nvGrpSpPr>
+      <p:grpSpPr>
+        <a:xfrm>
+          <a:off x="0" y="0"/>
+          <a:ext cx="0" cy="0"/>
+          <a:chOff x="0" y="0"/>
+          <a:chExt cx="0" cy="0"/>
+        </a:xfrm>
+      </p:grpSpPr>
+      <p:sp>
+        <p:nvSpPr>
+          <p:cNvPr id="2" name="Slide Image Placeholder 1"/>
+          <p:cNvSpPr>
+            <a:spLocks noGrp="1" noRot="1" noChangeAspect="1"/>
+          </p:cNvSpPr>
+          <p:nvPr>
+            <p:ph type="sldImg"/>
+          </p:nvPr>
+        </p:nvSpPr>
+        <p:spPr/>
+      </p:sp>
+      <p:sp>
+        <p:nvSpPr>
+          <p:cNvPr id="3" name="Notes Placeholder 2"/>
+          <p:cNvSpPr>
+            <a:spLocks noGrp="1"/>
+          </p:cNvSpPr>
+          <p:nvPr>
+            <p:ph type="body" idx="1"/>
+          </p:nvPr>
+        </p:nvSpPr>
+        <p:spPr/>
+        <p:txBody>
+          <a:bodyPr/>
+          <a:lstStyle/>
+          <a:p>
+            <a:endParaRPr lang="en-IN" dirty="0"/>
+          </a:p>
+        </p:txBody>
+      </p:sp>
+      <p:sp>
+        <p:nvSpPr>
+          <p:cNvPr id="4" name="Slide Number Placeholder 3"/>
+          <p:cNvSpPr>
+            <a:spLocks noGrp="1"/>
+          </p:cNvSpPr>
+          <p:nvPr>
+            <p:ph type="sldNum" sz="quarter" idx="5"/>
+          </p:nvPr>
+        </p:nvSpPr>
+        <p:spPr/>
+        <p:txBody>
+          <a:bodyPr/>
+          <a:lstStyle/>
+          <a:p>
+            <a:fld id="{9BD7E917-8394-433F-96B5-1F86F1B85784}" type="slidenum">
+              <a:rPr lang="en-IN" smtClean="0"/>
+              <a:t>21</a:t>
+            </a:fld>
+            <a:endParaRPr lang="en-IN"/>
+          </a:p>
+        </p:txBody>
+      </p:sp>
+    </p:spTree>
+    <p:extLst>
+      <p:ext uri="{BB962C8B-B14F-4D97-AF65-F5344CB8AC3E}">
+        <p14:creationId xmlns:p14="http://schemas.microsoft.com/office/powerpoint/2010/main" val="2095182990"/>
+      </p:ext>
+    </p:extLst>
+  </p:cSld>
+  <p:clrMapOvr>
+    <a:masterClrMapping/>
+  </p:clrMapOvr>
+</p:notes>
+</file>
+
+<file path=ppt/notesSlides/notesSlide6.xml><?xml version="1.0" encoding="utf-8"?>
+<p:notes xmlns:a="http://schemas.openxmlformats.org/drawingml/2006/main" xmlns:r="http://schemas.openxmlformats.org/officeDocument/2006/relationships" xmlns:p="http://schemas.openxmlformats.org/presentationml/2006/main">
+  <p:cSld>
+    <p:spTree>
+      <p:nvGrpSpPr>
+        <p:cNvPr id="1" name=""/>
+        <p:cNvGrpSpPr/>
+        <p:nvPr/>
+      </p:nvGrpSpPr>
+      <p:grpSpPr>
+        <a:xfrm>
+          <a:off x="0" y="0"/>
+          <a:ext cx="0" cy="0"/>
+          <a:chOff x="0" y="0"/>
+          <a:chExt cx="0" cy="0"/>
+        </a:xfrm>
+      </p:grpSpPr>
+      <p:sp>
+        <p:nvSpPr>
+          <p:cNvPr id="2" name="Slide Image Placeholder 1"/>
+          <p:cNvSpPr>
+            <a:spLocks noGrp="1" noRot="1" noChangeAspect="1"/>
+          </p:cNvSpPr>
+          <p:nvPr>
+            <p:ph type="sldImg"/>
+          </p:nvPr>
+        </p:nvSpPr>
+        <p:spPr/>
+      </p:sp>
+      <p:sp>
+        <p:nvSpPr>
+          <p:cNvPr id="3" name="Notes Placeholder 2"/>
+          <p:cNvSpPr>
+            <a:spLocks noGrp="1"/>
+          </p:cNvSpPr>
+          <p:nvPr>
+            <p:ph type="body" idx="1"/>
+          </p:nvPr>
+        </p:nvSpPr>
+        <p:spPr/>
+        <p:txBody>
+          <a:bodyPr/>
+          <a:lstStyle/>
+          <a:p>
+            <a:endParaRPr lang="en-IN" dirty="0"/>
+          </a:p>
+        </p:txBody>
+      </p:sp>
+      <p:sp>
+        <p:nvSpPr>
+          <p:cNvPr id="4" name="Slide Number Placeholder 3"/>
+          <p:cNvSpPr>
+            <a:spLocks noGrp="1"/>
+          </p:cNvSpPr>
+          <p:nvPr>
+            <p:ph type="sldNum" sz="quarter" idx="5"/>
+          </p:nvPr>
+        </p:nvSpPr>
+        <p:spPr/>
+        <p:txBody>
+          <a:bodyPr/>
+          <a:lstStyle/>
+          <a:p>
+            <a:fld id="{9BD7E917-8394-433F-96B5-1F86F1B85784}" type="slidenum">
+              <a:rPr lang="en-IN" smtClean="0"/>
+              <a:t>22</a:t>
+            </a:fld>
+            <a:endParaRPr lang="en-IN"/>
+          </a:p>
+        </p:txBody>
+      </p:sp>
+    </p:spTree>
+    <p:extLst>
+      <p:ext uri="{BB962C8B-B14F-4D97-AF65-F5344CB8AC3E}">
+        <p14:creationId xmlns:p14="http://schemas.microsoft.com/office/powerpoint/2010/main" val="3062891347"/>
+      </p:ext>
+    </p:extLst>
+  </p:cSld>
+  <p:clrMapOvr>
+    <a:masterClrMapping/>
+  </p:clrMapOvr>
+</p:notes>
+</file>
+
+<file path=ppt/notesSlides/notesSlide7.xml><?xml version="1.0" encoding="utf-8"?>
+<p:notes xmlns:a="http://schemas.openxmlformats.org/drawingml/2006/main" xmlns:r="http://schemas.openxmlformats.org/officeDocument/2006/relationships" xmlns:p="http://schemas.openxmlformats.org/presentationml/2006/main">
+  <p:cSld>
+    <p:spTree>
+      <p:nvGrpSpPr>
+        <p:cNvPr id="1" name=""/>
+        <p:cNvGrpSpPr/>
+        <p:nvPr/>
+      </p:nvGrpSpPr>
+      <p:grpSpPr>
+        <a:xfrm>
+          <a:off x="0" y="0"/>
+          <a:ext cx="0" cy="0"/>
+          <a:chOff x="0" y="0"/>
+          <a:chExt cx="0" cy="0"/>
+        </a:xfrm>
+      </p:grpSpPr>
+      <p:sp>
+        <p:nvSpPr>
+          <p:cNvPr id="2" name="Slide Image Placeholder 1"/>
+          <p:cNvSpPr>
+            <a:spLocks noGrp="1" noRot="1" noChangeAspect="1"/>
+          </p:cNvSpPr>
+          <p:nvPr>
+            <p:ph type="sldImg"/>
+          </p:nvPr>
+        </p:nvSpPr>
+        <p:spPr/>
+      </p:sp>
+      <p:sp>
+        <p:nvSpPr>
+          <p:cNvPr id="3" name="Notes Placeholder 2"/>
+          <p:cNvSpPr>
+            <a:spLocks noGrp="1"/>
+          </p:cNvSpPr>
+          <p:nvPr>
+            <p:ph type="body" idx="1"/>
+          </p:nvPr>
+        </p:nvSpPr>
+        <p:spPr/>
+        <p:txBody>
+          <a:bodyPr/>
+          <a:lstStyle/>
+          <a:p>
+            <a:endParaRPr lang="en-IN" dirty="0"/>
+          </a:p>
+        </p:txBody>
+      </p:sp>
+      <p:sp>
+        <p:nvSpPr>
+          <p:cNvPr id="4" name="Slide Number Placeholder 3"/>
+          <p:cNvSpPr>
+            <a:spLocks noGrp="1"/>
+          </p:cNvSpPr>
+          <p:nvPr>
+            <p:ph type="sldNum" sz="quarter" idx="5"/>
+          </p:nvPr>
+        </p:nvSpPr>
+        <p:spPr/>
+        <p:txBody>
+          <a:bodyPr/>
+          <a:lstStyle/>
+          <a:p>
+            <a:fld id="{9BD7E917-8394-433F-96B5-1F86F1B85784}" type="slidenum">
+              <a:rPr lang="en-IN" smtClean="0"/>
+              <a:t>23</a:t>
+            </a:fld>
+            <a:endParaRPr lang="en-IN"/>
+          </a:p>
+        </p:txBody>
+      </p:sp>
+    </p:spTree>
+    <p:extLst>
+      <p:ext uri="{BB962C8B-B14F-4D97-AF65-F5344CB8AC3E}">
+        <p14:creationId xmlns:p14="http://schemas.microsoft.com/office/powerpoint/2010/main" val="492397199"/>
+      </p:ext>
+    </p:extLst>
+  </p:cSld>
+  <p:clrMapOvr>
+    <a:masterClrMapping/>
+  </p:clrMapOvr>
+</p:notes>
+</file>
+
+<file path=ppt/notesSlides/notesSlide8.xml><?xml version="1.0" encoding="utf-8"?>
+<p:notes xmlns:a="http://schemas.openxmlformats.org/drawingml/2006/main" xmlns:r="http://schemas.openxmlformats.org/officeDocument/2006/relationships" xmlns:p="http://schemas.openxmlformats.org/presentationml/2006/main">
+  <p:cSld>
+    <p:spTree>
+      <p:nvGrpSpPr>
+        <p:cNvPr id="1" name=""/>
+        <p:cNvGrpSpPr/>
+        <p:nvPr/>
+      </p:nvGrpSpPr>
+      <p:grpSpPr>
+        <a:xfrm>
+          <a:off x="0" y="0"/>
+          <a:ext cx="0" cy="0"/>
+          <a:chOff x="0" y="0"/>
+          <a:chExt cx="0" cy="0"/>
+        </a:xfrm>
+      </p:grpSpPr>
+      <p:sp>
+        <p:nvSpPr>
+          <p:cNvPr id="2" name="Slide Image Placeholder 1"/>
+          <p:cNvSpPr>
+            <a:spLocks noGrp="1" noRot="1" noChangeAspect="1"/>
+          </p:cNvSpPr>
+          <p:nvPr>
+            <p:ph type="sldImg"/>
+          </p:nvPr>
+        </p:nvSpPr>
+        <p:spPr/>
+      </p:sp>
+      <p:sp>
+        <p:nvSpPr>
+          <p:cNvPr id="3" name="Notes Placeholder 2"/>
+          <p:cNvSpPr>
+            <a:spLocks noGrp="1"/>
+          </p:cNvSpPr>
+          <p:nvPr>
+            <p:ph type="body" idx="1"/>
+          </p:nvPr>
+        </p:nvSpPr>
+        <p:spPr/>
+        <p:txBody>
+          <a:bodyPr/>
+          <a:lstStyle/>
+          <a:p>
+            <a:endParaRPr lang="en-IN" dirty="0"/>
+          </a:p>
+        </p:txBody>
+      </p:sp>
+      <p:sp>
+        <p:nvSpPr>
+          <p:cNvPr id="4" name="Slide Number Placeholder 3"/>
+          <p:cNvSpPr>
+            <a:spLocks noGrp="1"/>
+          </p:cNvSpPr>
+          <p:nvPr>
+            <p:ph type="sldNum" sz="quarter" idx="5"/>
+          </p:nvPr>
+        </p:nvSpPr>
+        <p:spPr/>
+        <p:txBody>
+          <a:bodyPr/>
+          <a:lstStyle/>
+          <a:p>
+            <a:fld id="{9BD7E917-8394-433F-96B5-1F86F1B85784}" type="slidenum">
+              <a:rPr lang="en-IN" smtClean="0"/>
+              <a:t>24</a:t>
+            </a:fld>
+            <a:endParaRPr lang="en-IN"/>
+          </a:p>
+        </p:txBody>
+      </p:sp>
+    </p:spTree>
+    <p:extLst>
+      <p:ext uri="{BB962C8B-B14F-4D97-AF65-F5344CB8AC3E}">
+        <p14:creationId xmlns:p14="http://schemas.microsoft.com/office/powerpoint/2010/main" val="3063566139"/>
+      </p:ext>
+    </p:extLst>
+  </p:cSld>
+  <p:clrMapOvr>
+    <a:masterClrMapping/>
+  </p:clrMapOvr>
+</p:notes>
+</file>
+
+<file path=ppt/notesSlides/notesSlide9.xml><?xml version="1.0" encoding="utf-8"?>
+<p:notes xmlns:a="http://schemas.openxmlformats.org/drawingml/2006/main" xmlns:r="http://schemas.openxmlformats.org/officeDocument/2006/relationships" xmlns:p="http://schemas.openxmlformats.org/presentationml/2006/main">
+  <p:cSld>
+    <p:spTree>
+      <p:nvGrpSpPr>
+        <p:cNvPr id="1" name=""/>
+        <p:cNvGrpSpPr/>
+        <p:nvPr/>
+      </p:nvGrpSpPr>
+      <p:grpSpPr>
+        <a:xfrm>
+          <a:off x="0" y="0"/>
+          <a:ext cx="0" cy="0"/>
+          <a:chOff x="0" y="0"/>
+          <a:chExt cx="0" cy="0"/>
+        </a:xfrm>
+      </p:grpSpPr>
+      <p:sp>
+        <p:nvSpPr>
+          <p:cNvPr id="2" name="Slide Image Placeholder 1"/>
+          <p:cNvSpPr>
+            <a:spLocks noGrp="1" noRot="1" noChangeAspect="1"/>
+          </p:cNvSpPr>
+          <p:nvPr>
+            <p:ph type="sldImg"/>
+          </p:nvPr>
+        </p:nvSpPr>
+        <p:spPr/>
+      </p:sp>
+      <p:sp>
+        <p:nvSpPr>
+          <p:cNvPr id="3" name="Notes Placeholder 2"/>
+          <p:cNvSpPr>
+            <a:spLocks noGrp="1"/>
+          </p:cNvSpPr>
+          <p:nvPr>
+            <p:ph type="body" idx="1"/>
+          </p:nvPr>
+        </p:nvSpPr>
+        <p:spPr/>
+        <p:txBody>
+          <a:bodyPr/>
+          <a:lstStyle/>
+          <a:p>
+            <a:endParaRPr lang="en-IN" dirty="0"/>
+          </a:p>
+        </p:txBody>
+      </p:sp>
+      <p:sp>
+        <p:nvSpPr>
+          <p:cNvPr id="4" name="Slide Number Placeholder 3"/>
+          <p:cNvSpPr>
+            <a:spLocks noGrp="1"/>
+          </p:cNvSpPr>
+          <p:nvPr>
+            <p:ph type="sldNum" sz="quarter" idx="5"/>
+          </p:nvPr>
+        </p:nvSpPr>
+        <p:spPr/>
+        <p:txBody>
+          <a:bodyPr/>
+          <a:lstStyle/>
+          <a:p>
+            <a:fld id="{9BD7E917-8394-433F-96B5-1F86F1B85784}" type="slidenum">
+              <a:rPr lang="en-IN" smtClean="0"/>
+              <a:t>25</a:t>
+            </a:fld>
+            <a:endParaRPr lang="en-IN"/>
+          </a:p>
+        </p:txBody>
+      </p:sp>
+    </p:spTree>
+    <p:extLst>
+      <p:ext uri="{BB962C8B-B14F-4D97-AF65-F5344CB8AC3E}">
+        <p14:creationId xmlns:p14="http://schemas.microsoft.com/office/powerpoint/2010/main" val="2968846843"/>
+      </p:ext>
+    </p:extLst>
+  </p:cSld>
+  <p:clrMapOvr>
+    <a:masterClrMapping/>
+  </p:clrMapOvr>
+</p:notes>
 </file>
 
 <file path=ppt/slideLayouts/slideLayout1.xml><?xml version="1.0" encoding="utf-8"?>
@@ -170,10 +1661,9 @@
           <a:lstStyle/>
           <a:p>
             <a:r>
-              <a:rPr lang="en-US" smtClean="0"/>
+              <a:rPr lang="en-US"/>
               <a:t>Click to edit Master title style</a:t>
             </a:r>
-            <a:endParaRPr lang="en-US"/>
           </a:p>
         </p:txBody>
       </p:sp>
@@ -289,10 +1779,9 @@
           </a:lstStyle>
           <a:p>
             <a:r>
-              <a:rPr lang="en-US" smtClean="0"/>
+              <a:rPr lang="en-US"/>
               <a:t>Click to edit Master subtitle style</a:t>
             </a:r>
-            <a:endParaRPr lang="en-US"/>
           </a:p>
         </p:txBody>
       </p:sp>
@@ -313,7 +1802,7 @@
           <a:p>
             <a:fld id="{30A3986D-CCD2-4D39-883A-01078D9363A9}" type="datetimeFigureOut">
               <a:rPr lang="en-US" smtClean="0"/>
-              <a:t>1/22/2021</a:t>
+              <a:t>5/23/2023</a:t>
             </a:fld>
             <a:endParaRPr lang="en-US"/>
           </a:p>
@@ -402,10 +1891,9 @@
           <a:lstStyle/>
           <a:p>
             <a:r>
-              <a:rPr lang="en-US" smtClean="0"/>
+              <a:rPr lang="en-US"/>
               <a:t>Click to edit Master title style</a:t>
             </a:r>
-            <a:endParaRPr lang="en-US"/>
           </a:p>
         </p:txBody>
       </p:sp>
@@ -426,38 +1914,37 @@
           <a:p>
             <a:pPr lvl="0"/>
             <a:r>
-              <a:rPr lang="en-US" smtClean="0"/>
+              <a:rPr lang="en-US"/>
               <a:t>Click to edit Master text styles</a:t>
             </a:r>
           </a:p>
           <a:p>
             <a:pPr lvl="1"/>
             <a:r>
-              <a:rPr lang="en-US" smtClean="0"/>
+              <a:rPr lang="en-US"/>
               <a:t>Second level</a:t>
             </a:r>
           </a:p>
           <a:p>
             <a:pPr lvl="2"/>
             <a:r>
-              <a:rPr lang="en-US" smtClean="0"/>
+              <a:rPr lang="en-US"/>
               <a:t>Third level</a:t>
             </a:r>
           </a:p>
           <a:p>
             <a:pPr lvl="3"/>
             <a:r>
-              <a:rPr lang="en-US" smtClean="0"/>
+              <a:rPr lang="en-US"/>
               <a:t>Fourth level</a:t>
             </a:r>
           </a:p>
           <a:p>
             <a:pPr lvl="4"/>
             <a:r>
-              <a:rPr lang="en-US" smtClean="0"/>
+              <a:rPr lang="en-US"/>
               <a:t>Fifth level</a:t>
             </a:r>
-            <a:endParaRPr lang="en-US"/>
           </a:p>
         </p:txBody>
       </p:sp>
@@ -478,7 +1965,7 @@
           <a:p>
             <a:fld id="{30A3986D-CCD2-4D39-883A-01078D9363A9}" type="datetimeFigureOut">
               <a:rPr lang="en-US" smtClean="0"/>
-              <a:t>1/22/2021</a:t>
+              <a:t>5/23/2023</a:t>
             </a:fld>
             <a:endParaRPr lang="en-US"/>
           </a:p>
@@ -572,10 +2059,9 @@
           <a:lstStyle/>
           <a:p>
             <a:r>
-              <a:rPr lang="en-US" smtClean="0"/>
+              <a:rPr lang="en-US"/>
               <a:t>Click to edit Master title style</a:t>
             </a:r>
-            <a:endParaRPr lang="en-US"/>
           </a:p>
         </p:txBody>
       </p:sp>
@@ -601,38 +2087,37 @@
           <a:p>
             <a:pPr lvl="0"/>
             <a:r>
-              <a:rPr lang="en-US" smtClean="0"/>
+              <a:rPr lang="en-US"/>
               <a:t>Click to edit Master text styles</a:t>
             </a:r>
           </a:p>
           <a:p>
             <a:pPr lvl="1"/>
             <a:r>
-              <a:rPr lang="en-US" smtClean="0"/>
+              <a:rPr lang="en-US"/>
               <a:t>Second level</a:t>
             </a:r>
           </a:p>
           <a:p>
             <a:pPr lvl="2"/>
             <a:r>
-              <a:rPr lang="en-US" smtClean="0"/>
+              <a:rPr lang="en-US"/>
               <a:t>Third level</a:t>
             </a:r>
           </a:p>
           <a:p>
             <a:pPr lvl="3"/>
             <a:r>
-              <a:rPr lang="en-US" smtClean="0"/>
+              <a:rPr lang="en-US"/>
               <a:t>Fourth level</a:t>
             </a:r>
           </a:p>
           <a:p>
             <a:pPr lvl="4"/>
             <a:r>
-              <a:rPr lang="en-US" smtClean="0"/>
+              <a:rPr lang="en-US"/>
               <a:t>Fifth level</a:t>
             </a:r>
-            <a:endParaRPr lang="en-US"/>
           </a:p>
         </p:txBody>
       </p:sp>
@@ -653,7 +2138,7 @@
           <a:p>
             <a:fld id="{30A3986D-CCD2-4D39-883A-01078D9363A9}" type="datetimeFigureOut">
               <a:rPr lang="en-US" smtClean="0"/>
-              <a:t>1/22/2021</a:t>
+              <a:t>5/23/2023</a:t>
             </a:fld>
             <a:endParaRPr lang="en-US"/>
           </a:p>
@@ -742,10 +2227,9 @@
           <a:lstStyle/>
           <a:p>
             <a:r>
-              <a:rPr lang="en-US" smtClean="0"/>
+              <a:rPr lang="en-US"/>
               <a:t>Click to edit Master title style</a:t>
             </a:r>
-            <a:endParaRPr lang="en-US"/>
           </a:p>
         </p:txBody>
       </p:sp>
@@ -766,38 +2250,37 @@
           <a:p>
             <a:pPr lvl="0"/>
             <a:r>
-              <a:rPr lang="en-US" smtClean="0"/>
+              <a:rPr lang="en-US"/>
               <a:t>Click to edit Master text styles</a:t>
             </a:r>
           </a:p>
           <a:p>
             <a:pPr lvl="1"/>
             <a:r>
-              <a:rPr lang="en-US" smtClean="0"/>
+              <a:rPr lang="en-US"/>
               <a:t>Second level</a:t>
             </a:r>
           </a:p>
           <a:p>
             <a:pPr lvl="2"/>
             <a:r>
-              <a:rPr lang="en-US" smtClean="0"/>
+              <a:rPr lang="en-US"/>
               <a:t>Third level</a:t>
             </a:r>
           </a:p>
           <a:p>
             <a:pPr lvl="3"/>
             <a:r>
-              <a:rPr lang="en-US" smtClean="0"/>
+              <a:rPr lang="en-US"/>
               <a:t>Fourth level</a:t>
             </a:r>
           </a:p>
           <a:p>
             <a:pPr lvl="4"/>
             <a:r>
-              <a:rPr lang="en-US" smtClean="0"/>
+              <a:rPr lang="en-US"/>
               <a:t>Fifth level</a:t>
             </a:r>
-            <a:endParaRPr lang="en-US"/>
           </a:p>
         </p:txBody>
       </p:sp>
@@ -818,7 +2301,7 @@
           <a:p>
             <a:fld id="{30A3986D-CCD2-4D39-883A-01078D9363A9}" type="datetimeFigureOut">
               <a:rPr lang="en-US" smtClean="0"/>
-              <a:t>1/22/2021</a:t>
+              <a:t>5/23/2023</a:t>
             </a:fld>
             <a:endParaRPr lang="en-US"/>
           </a:p>
@@ -916,10 +2399,9 @@
           </a:lstStyle>
           <a:p>
             <a:r>
-              <a:rPr lang="en-US" smtClean="0"/>
+              <a:rPr lang="en-US"/>
               <a:t>Click to edit Master title style</a:t>
             </a:r>
-            <a:endParaRPr lang="en-US"/>
           </a:p>
         </p:txBody>
       </p:sp>
@@ -1036,7 +2518,7 @@
           <a:p>
             <a:pPr lvl="0"/>
             <a:r>
-              <a:rPr lang="en-US" smtClean="0"/>
+              <a:rPr lang="en-US"/>
               <a:t>Click to edit Master text styles</a:t>
             </a:r>
           </a:p>
@@ -1059,7 +2541,7 @@
           <a:p>
             <a:fld id="{30A3986D-CCD2-4D39-883A-01078D9363A9}" type="datetimeFigureOut">
               <a:rPr lang="en-US" smtClean="0"/>
-              <a:t>1/22/2021</a:t>
+              <a:t>5/23/2023</a:t>
             </a:fld>
             <a:endParaRPr lang="en-US"/>
           </a:p>
@@ -1148,10 +2630,9 @@
           <a:lstStyle/>
           <a:p>
             <a:r>
-              <a:rPr lang="en-US" smtClean="0"/>
+              <a:rPr lang="en-US"/>
               <a:t>Click to edit Master title style</a:t>
             </a:r>
-            <a:endParaRPr lang="en-US"/>
           </a:p>
         </p:txBody>
       </p:sp>
@@ -1205,38 +2686,37 @@
           <a:p>
             <a:pPr lvl="0"/>
             <a:r>
-              <a:rPr lang="en-US" smtClean="0"/>
+              <a:rPr lang="en-US"/>
               <a:t>Click to edit Master text styles</a:t>
             </a:r>
           </a:p>
           <a:p>
             <a:pPr lvl="1"/>
             <a:r>
-              <a:rPr lang="en-US" smtClean="0"/>
+              <a:rPr lang="en-US"/>
               <a:t>Second level</a:t>
             </a:r>
           </a:p>
           <a:p>
             <a:pPr lvl="2"/>
             <a:r>
-              <a:rPr lang="en-US" smtClean="0"/>
+              <a:rPr lang="en-US"/>
               <a:t>Third level</a:t>
             </a:r>
           </a:p>
           <a:p>
             <a:pPr lvl="3"/>
             <a:r>
-              <a:rPr lang="en-US" smtClean="0"/>
+              <a:rPr lang="en-US"/>
               <a:t>Fourth level</a:t>
             </a:r>
           </a:p>
           <a:p>
             <a:pPr lvl="4"/>
             <a:r>
-              <a:rPr lang="en-US" smtClean="0"/>
+              <a:rPr lang="en-US"/>
               <a:t>Fifth level</a:t>
             </a:r>
-            <a:endParaRPr lang="en-US"/>
           </a:p>
         </p:txBody>
       </p:sp>
@@ -1290,38 +2770,37 @@
           <a:p>
             <a:pPr lvl="0"/>
             <a:r>
-              <a:rPr lang="en-US" smtClean="0"/>
+              <a:rPr lang="en-US"/>
               <a:t>Click to edit Master text styles</a:t>
             </a:r>
           </a:p>
           <a:p>
             <a:pPr lvl="1"/>
             <a:r>
-              <a:rPr lang="en-US" smtClean="0"/>
+              <a:rPr lang="en-US"/>
               <a:t>Second level</a:t>
             </a:r>
           </a:p>
           <a:p>
             <a:pPr lvl="2"/>
             <a:r>
-              <a:rPr lang="en-US" smtClean="0"/>
+              <a:rPr lang="en-US"/>
               <a:t>Third level</a:t>
             </a:r>
           </a:p>
           <a:p>
             <a:pPr lvl="3"/>
             <a:r>
-              <a:rPr lang="en-US" smtClean="0"/>
+              <a:rPr lang="en-US"/>
               <a:t>Fourth level</a:t>
             </a:r>
           </a:p>
           <a:p>
             <a:pPr lvl="4"/>
             <a:r>
-              <a:rPr lang="en-US" smtClean="0"/>
+              <a:rPr lang="en-US"/>
               <a:t>Fifth level</a:t>
             </a:r>
-            <a:endParaRPr lang="en-US"/>
           </a:p>
         </p:txBody>
       </p:sp>
@@ -1342,7 +2821,7 @@
           <a:p>
             <a:fld id="{30A3986D-CCD2-4D39-883A-01078D9363A9}" type="datetimeFigureOut">
               <a:rPr lang="en-US" smtClean="0"/>
-              <a:t>1/22/2021</a:t>
+              <a:t>5/23/2023</a:t>
             </a:fld>
             <a:endParaRPr lang="en-US"/>
           </a:p>
@@ -1435,10 +2914,9 @@
           </a:lstStyle>
           <a:p>
             <a:r>
-              <a:rPr lang="en-US" smtClean="0"/>
+              <a:rPr lang="en-US"/>
               <a:t>Click to edit Master title style</a:t>
             </a:r>
-            <a:endParaRPr lang="en-US"/>
           </a:p>
         </p:txBody>
       </p:sp>
@@ -1501,7 +2979,7 @@
           <a:p>
             <a:pPr lvl="0"/>
             <a:r>
-              <a:rPr lang="en-US" smtClean="0"/>
+              <a:rPr lang="en-US"/>
               <a:t>Click to edit Master text styles</a:t>
             </a:r>
           </a:p>
@@ -1557,38 +3035,37 @@
           <a:p>
             <a:pPr lvl="0"/>
             <a:r>
-              <a:rPr lang="en-US" smtClean="0"/>
+              <a:rPr lang="en-US"/>
               <a:t>Click to edit Master text styles</a:t>
             </a:r>
           </a:p>
           <a:p>
             <a:pPr lvl="1"/>
             <a:r>
-              <a:rPr lang="en-US" smtClean="0"/>
+              <a:rPr lang="en-US"/>
               <a:t>Second level</a:t>
             </a:r>
           </a:p>
           <a:p>
             <a:pPr lvl="2"/>
             <a:r>
-              <a:rPr lang="en-US" smtClean="0"/>
+              <a:rPr lang="en-US"/>
               <a:t>Third level</a:t>
             </a:r>
           </a:p>
           <a:p>
             <a:pPr lvl="3"/>
             <a:r>
-              <a:rPr lang="en-US" smtClean="0"/>
+              <a:rPr lang="en-US"/>
               <a:t>Fourth level</a:t>
             </a:r>
           </a:p>
           <a:p>
             <a:pPr lvl="4"/>
             <a:r>
-              <a:rPr lang="en-US" smtClean="0"/>
+              <a:rPr lang="en-US"/>
               <a:t>Fifth level</a:t>
             </a:r>
-            <a:endParaRPr lang="en-US"/>
           </a:p>
         </p:txBody>
       </p:sp>
@@ -1651,7 +3128,7 @@
           <a:p>
             <a:pPr lvl="0"/>
             <a:r>
-              <a:rPr lang="en-US" smtClean="0"/>
+              <a:rPr lang="en-US"/>
               <a:t>Click to edit Master text styles</a:t>
             </a:r>
           </a:p>
@@ -1707,38 +3184,37 @@
           <a:p>
             <a:pPr lvl="0"/>
             <a:r>
-              <a:rPr lang="en-US" smtClean="0"/>
+              <a:rPr lang="en-US"/>
               <a:t>Click to edit Master text styles</a:t>
             </a:r>
           </a:p>
           <a:p>
             <a:pPr lvl="1"/>
             <a:r>
-              <a:rPr lang="en-US" smtClean="0"/>
+              <a:rPr lang="en-US"/>
               <a:t>Second level</a:t>
             </a:r>
           </a:p>
           <a:p>
             <a:pPr lvl="2"/>
             <a:r>
-              <a:rPr lang="en-US" smtClean="0"/>
+              <a:rPr lang="en-US"/>
               <a:t>Third level</a:t>
             </a:r>
           </a:p>
           <a:p>
             <a:pPr lvl="3"/>
             <a:r>
-              <a:rPr lang="en-US" smtClean="0"/>
+              <a:rPr lang="en-US"/>
               <a:t>Fourth level</a:t>
             </a:r>
           </a:p>
           <a:p>
             <a:pPr lvl="4"/>
             <a:r>
-              <a:rPr lang="en-US" smtClean="0"/>
+              <a:rPr lang="en-US"/>
               <a:t>Fifth level</a:t>
             </a:r>
-            <a:endParaRPr lang="en-US"/>
           </a:p>
         </p:txBody>
       </p:sp>
@@ -1759,7 +3235,7 @@
           <a:p>
             <a:fld id="{30A3986D-CCD2-4D39-883A-01078D9363A9}" type="datetimeFigureOut">
               <a:rPr lang="en-US" smtClean="0"/>
-              <a:t>1/22/2021</a:t>
+              <a:t>5/23/2023</a:t>
             </a:fld>
             <a:endParaRPr lang="en-US"/>
           </a:p>
@@ -1848,10 +3324,9 @@
           <a:lstStyle/>
           <a:p>
             <a:r>
-              <a:rPr lang="en-US" smtClean="0"/>
+              <a:rPr lang="en-US"/>
               <a:t>Click to edit Master title style</a:t>
             </a:r>
-            <a:endParaRPr lang="en-US"/>
           </a:p>
         </p:txBody>
       </p:sp>
@@ -1872,7 +3347,7 @@
           <a:p>
             <a:fld id="{30A3986D-CCD2-4D39-883A-01078D9363A9}" type="datetimeFigureOut">
               <a:rPr lang="en-US" smtClean="0"/>
-              <a:t>1/22/2021</a:t>
+              <a:t>5/23/2023</a:t>
             </a:fld>
             <a:endParaRPr lang="en-US"/>
           </a:p>
@@ -1962,7 +3437,7 @@
           <a:p>
             <a:fld id="{30A3986D-CCD2-4D39-883A-01078D9363A9}" type="datetimeFigureOut">
               <a:rPr lang="en-US" smtClean="0"/>
-              <a:t>1/22/2021</a:t>
+              <a:t>5/23/2023</a:t>
             </a:fld>
             <a:endParaRPr lang="en-US"/>
           </a:p>
@@ -2060,10 +3535,9 @@
           </a:lstStyle>
           <a:p>
             <a:r>
-              <a:rPr lang="en-US" smtClean="0"/>
+              <a:rPr lang="en-US"/>
               <a:t>Click to edit Master title style</a:t>
             </a:r>
-            <a:endParaRPr lang="en-US"/>
           </a:p>
         </p:txBody>
       </p:sp>
@@ -2117,38 +3591,37 @@
           <a:p>
             <a:pPr lvl="0"/>
             <a:r>
-              <a:rPr lang="en-US" smtClean="0"/>
+              <a:rPr lang="en-US"/>
               <a:t>Click to edit Master text styles</a:t>
             </a:r>
           </a:p>
           <a:p>
             <a:pPr lvl="1"/>
             <a:r>
-              <a:rPr lang="en-US" smtClean="0"/>
+              <a:rPr lang="en-US"/>
               <a:t>Second level</a:t>
             </a:r>
           </a:p>
           <a:p>
             <a:pPr lvl="2"/>
             <a:r>
-              <a:rPr lang="en-US" smtClean="0"/>
+              <a:rPr lang="en-US"/>
               <a:t>Third level</a:t>
             </a:r>
           </a:p>
           <a:p>
             <a:pPr lvl="3"/>
             <a:r>
-              <a:rPr lang="en-US" smtClean="0"/>
+              <a:rPr lang="en-US"/>
               <a:t>Fourth level</a:t>
             </a:r>
           </a:p>
           <a:p>
             <a:pPr lvl="4"/>
             <a:r>
-              <a:rPr lang="en-US" smtClean="0"/>
+              <a:rPr lang="en-US"/>
               <a:t>Fifth level</a:t>
             </a:r>
-            <a:endParaRPr lang="en-US"/>
           </a:p>
         </p:txBody>
       </p:sp>
@@ -2211,7 +3684,7 @@
           <a:p>
             <a:pPr lvl="0"/>
             <a:r>
-              <a:rPr lang="en-US" smtClean="0"/>
+              <a:rPr lang="en-US"/>
               <a:t>Click to edit Master text styles</a:t>
             </a:r>
           </a:p>
@@ -2234,7 +3707,7 @@
           <a:p>
             <a:fld id="{30A3986D-CCD2-4D39-883A-01078D9363A9}" type="datetimeFigureOut">
               <a:rPr lang="en-US" smtClean="0"/>
-              <a:t>1/22/2021</a:t>
+              <a:t>5/23/2023</a:t>
             </a:fld>
             <a:endParaRPr lang="en-US"/>
           </a:p>
@@ -2332,10 +3805,9 @@
           </a:lstStyle>
           <a:p>
             <a:r>
-              <a:rPr lang="en-US" smtClean="0"/>
+              <a:rPr lang="en-US"/>
               <a:t>Click to edit Master title style</a:t>
             </a:r>
-            <a:endParaRPr lang="en-US"/>
           </a:p>
         </p:txBody>
       </p:sp>
@@ -2459,7 +3931,7 @@
           <a:p>
             <a:pPr lvl="0"/>
             <a:r>
-              <a:rPr lang="en-US" smtClean="0"/>
+              <a:rPr lang="en-US"/>
               <a:t>Click to edit Master text styles</a:t>
             </a:r>
           </a:p>
@@ -2482,7 +3954,7 @@
           <a:p>
             <a:fld id="{30A3986D-CCD2-4D39-883A-01078D9363A9}" type="datetimeFigureOut">
               <a:rPr lang="en-US" smtClean="0"/>
-              <a:t>1/22/2021</a:t>
+              <a:t>5/23/2023</a:t>
             </a:fld>
             <a:endParaRPr lang="en-US"/>
           </a:p>
@@ -2586,10 +4058,9 @@
           <a:lstStyle/>
           <a:p>
             <a:r>
-              <a:rPr lang="en-US" smtClean="0"/>
+              <a:rPr lang="en-US"/>
               <a:t>Click to edit Master title style</a:t>
             </a:r>
-            <a:endParaRPr lang="en-US"/>
           </a:p>
         </p:txBody>
       </p:sp>
@@ -2620,38 +4091,37 @@
           <a:p>
             <a:pPr lvl="0"/>
             <a:r>
-              <a:rPr lang="en-US" smtClean="0"/>
+              <a:rPr lang="en-US"/>
               <a:t>Click to edit Master text styles</a:t>
             </a:r>
           </a:p>
           <a:p>
             <a:pPr lvl="1"/>
             <a:r>
-              <a:rPr lang="en-US" smtClean="0"/>
+              <a:rPr lang="en-US"/>
               <a:t>Second level</a:t>
             </a:r>
           </a:p>
           <a:p>
             <a:pPr lvl="2"/>
             <a:r>
-              <a:rPr lang="en-US" smtClean="0"/>
+              <a:rPr lang="en-US"/>
               <a:t>Third level</a:t>
             </a:r>
           </a:p>
           <a:p>
             <a:pPr lvl="3"/>
             <a:r>
-              <a:rPr lang="en-US" smtClean="0"/>
+              <a:rPr lang="en-US"/>
               <a:t>Fourth level</a:t>
             </a:r>
           </a:p>
           <a:p>
             <a:pPr lvl="4"/>
             <a:r>
-              <a:rPr lang="en-US" smtClean="0"/>
+              <a:rPr lang="en-US"/>
               <a:t>Fifth level</a:t>
             </a:r>
-            <a:endParaRPr lang="en-US"/>
           </a:p>
         </p:txBody>
       </p:sp>
@@ -2690,7 +4160,7 @@
           <a:p>
             <a:fld id="{30A3986D-CCD2-4D39-883A-01078D9363A9}" type="datetimeFigureOut">
               <a:rPr lang="en-US" smtClean="0"/>
-              <a:t>1/22/2021</a:t>
+              <a:t>5/23/2023</a:t>
             </a:fld>
             <a:endParaRPr lang="en-US"/>
           </a:p>
@@ -3076,10 +4546,9 @@
           <a:lstStyle/>
           <a:p>
             <a:r>
-              <a:rPr lang="en-US" dirty="0" smtClean="0"/>
+              <a:rPr lang="en-US" dirty="0"/>
               <a:t>Micro services Design Pattern</a:t>
             </a:r>
-            <a:endParaRPr lang="en-US" dirty="0"/>
           </a:p>
         </p:txBody>
       </p:sp>
@@ -3190,17 +4659,16 @@
             <a:pPr>
               <a:buNone/>
             </a:pPr>
-            <a:endParaRPr lang="en-US" b="1" dirty="0" smtClean="0"/>
+            <a:endParaRPr lang="en-US" b="1" dirty="0"/>
           </a:p>
           <a:p>
             <a:pPr>
               <a:buNone/>
             </a:pPr>
             <a:r>
-              <a:rPr lang="en-US" b="1" dirty="0" smtClean="0"/>
+              <a:rPr lang="en-US" b="1" dirty="0"/>
               <a:t>Solution</a:t>
             </a:r>
-            <a:endParaRPr lang="en-US" b="1" dirty="0"/>
           </a:p>
           <a:p>
             <a:r>
@@ -3465,10 +4933,9 @@
           <a:lstStyle/>
           <a:p>
             <a:r>
-              <a:rPr lang="en-US" dirty="0" smtClean="0"/>
+              <a:rPr lang="en-US" dirty="0"/>
               <a:t>Database Pattern</a:t>
             </a:r>
-            <a:endParaRPr lang="en-US" dirty="0"/>
           </a:p>
         </p:txBody>
       </p:sp>
@@ -3649,17 +5116,16 @@
             <a:pPr>
               <a:buNone/>
             </a:pPr>
-            <a:endParaRPr lang="en-US" b="1" dirty="0" smtClean="0"/>
+            <a:endParaRPr lang="en-US" b="1" dirty="0"/>
           </a:p>
           <a:p>
             <a:pPr>
               <a:buNone/>
             </a:pPr>
             <a:r>
-              <a:rPr lang="en-US" b="1" dirty="0" smtClean="0"/>
+              <a:rPr lang="en-US" b="1" dirty="0"/>
               <a:t>Solution</a:t>
             </a:r>
-            <a:endParaRPr lang="en-US" b="1" dirty="0"/>
           </a:p>
           <a:p>
             <a:r>
@@ -4127,7 +5593,13 @@
       </p:grpSpPr>
       <p:sp>
         <p:nvSpPr>
-          <p:cNvPr id="2" name="Title 1"/>
+          <p:cNvPr id="2" name="Title 1">
+            <a:extLst>
+              <a:ext uri="{FF2B5EF4-FFF2-40B4-BE49-F238E27FC236}">
+                <a16:creationId xmlns:a16="http://schemas.microsoft.com/office/drawing/2014/main" id="{413CFF1F-D64A-67C1-4E42-0E1EF4B5FB1C}"/>
+              </a:ext>
+            </a:extLst>
+          </p:cNvPr>
           <p:cNvSpPr>
             <a:spLocks noGrp="1"/>
           </p:cNvSpPr>
@@ -4137,66 +5609,54 @@
         </p:nvSpPr>
         <p:spPr/>
         <p:txBody>
-          <a:bodyPr>
-            <a:normAutofit fontScale="90000"/>
-          </a:bodyPr>
-          <a:lstStyle/>
-          <a:p>
-            <a:r>
-              <a:rPr lang="en-US" b="1" dirty="0"/>
-              <a:t>Observability Patterns</a:t>
-            </a:r>
-            <a:br>
-              <a:rPr lang="en-US" b="1" dirty="0"/>
-            </a:br>
-            <a:endParaRPr lang="en-US" dirty="0"/>
-          </a:p>
-        </p:txBody>
-      </p:sp>
-      <p:sp>
-        <p:nvSpPr>
-          <p:cNvPr id="3" name="Content Placeholder 2"/>
-          <p:cNvSpPr>
-            <a:spLocks noGrp="1"/>
-          </p:cNvSpPr>
+          <a:bodyPr/>
+          <a:lstStyle/>
+          <a:p>
+            <a:r>
+              <a:rPr lang="en-IN" dirty="0"/>
+              <a:t>Saga Pattern</a:t>
+            </a:r>
+          </a:p>
+        </p:txBody>
+      </p:sp>
+      <p:pic>
+        <p:nvPicPr>
+          <p:cNvPr id="4" name="Content Placeholder 3">
+            <a:extLst>
+              <a:ext uri="{FF2B5EF4-FFF2-40B4-BE49-F238E27FC236}">
+                <a16:creationId xmlns:a16="http://schemas.microsoft.com/office/drawing/2014/main" id="{2F8F13D8-E39D-AC63-A988-4C4E0936313F}"/>
+              </a:ext>
+            </a:extLst>
+          </p:cNvPr>
+          <p:cNvPicPr>
+            <a:picLocks noGrp="1" noChangeAspect="1"/>
+          </p:cNvPicPr>
           <p:nvPr>
             <p:ph idx="1"/>
           </p:nvPr>
-        </p:nvSpPr>
-        <p:spPr/>
-        <p:txBody>
-          <a:bodyPr/>
-          <a:lstStyle/>
-          <a:p>
-            <a:r>
-              <a:rPr lang="en-US" b="1" dirty="0"/>
-              <a:t>Log Aggregation</a:t>
-            </a:r>
-          </a:p>
-          <a:p>
-            <a:r>
-              <a:rPr lang="en-US" b="1" dirty="0"/>
-              <a:t>Performance Metrics</a:t>
-            </a:r>
-          </a:p>
-          <a:p>
-            <a:r>
-              <a:rPr lang="en-US" b="1" dirty="0"/>
-              <a:t>Distributed Tracing</a:t>
-            </a:r>
-          </a:p>
-          <a:p>
-            <a:r>
-              <a:rPr lang="en-US" b="1" dirty="0"/>
-              <a:t>Health Check</a:t>
-            </a:r>
-          </a:p>
-          <a:p>
-            <a:endParaRPr lang="en-US" dirty="0"/>
-          </a:p>
-        </p:txBody>
-      </p:sp>
+        </p:nvPicPr>
+        <p:blipFill>
+          <a:blip r:embed="rId3"/>
+          <a:stretch>
+            <a:fillRect/>
+          </a:stretch>
+        </p:blipFill>
+        <p:spPr>
+          <a:xfrm>
+            <a:off x="628650" y="1556792"/>
+            <a:ext cx="8319436" cy="3456384"/>
+          </a:xfrm>
+          <a:prstGeom prst="rect">
+            <a:avLst/>
+          </a:prstGeom>
+        </p:spPr>
+      </p:pic>
     </p:spTree>
+    <p:extLst>
+      <p:ext uri="{BB962C8B-B14F-4D97-AF65-F5344CB8AC3E}">
+        <p14:creationId xmlns:p14="http://schemas.microsoft.com/office/powerpoint/2010/main" val="1313911375"/>
+      </p:ext>
+    </p:extLst>
   </p:cSld>
   <p:clrMapOvr>
     <a:masterClrMapping/>
@@ -4223,7 +5683,13 @@
       </p:grpSpPr>
       <p:sp>
         <p:nvSpPr>
-          <p:cNvPr id="2" name="Title 1"/>
+          <p:cNvPr id="2" name="Title 1">
+            <a:extLst>
+              <a:ext uri="{FF2B5EF4-FFF2-40B4-BE49-F238E27FC236}">
+                <a16:creationId xmlns:a16="http://schemas.microsoft.com/office/drawing/2014/main" id="{C2DE69A1-6B95-DB98-A969-AAD5B6DA7D09}"/>
+              </a:ext>
+            </a:extLst>
+          </p:cNvPr>
           <p:cNvSpPr>
             <a:spLocks noGrp="1"/>
           </p:cNvSpPr>
@@ -4233,90 +5699,151 @@
         </p:nvSpPr>
         <p:spPr/>
         <p:txBody>
+          <a:bodyPr/>
+          <a:lstStyle/>
+          <a:p>
+            <a:r>
+              <a:rPr lang="en-IN" dirty="0"/>
+              <a:t>Saga Pattern – 2PC</a:t>
+            </a:r>
+          </a:p>
+        </p:txBody>
+      </p:sp>
+      <p:sp>
+        <p:nvSpPr>
+          <p:cNvPr id="3" name="Content Placeholder 2">
+            <a:extLst>
+              <a:ext uri="{FF2B5EF4-FFF2-40B4-BE49-F238E27FC236}">
+                <a16:creationId xmlns:a16="http://schemas.microsoft.com/office/drawing/2014/main" id="{D0CA7738-1513-76FC-60A1-F64A1999E15B}"/>
+              </a:ext>
+            </a:extLst>
+          </p:cNvPr>
+          <p:cNvSpPr>
+            <a:spLocks noGrp="1"/>
+          </p:cNvSpPr>
+          <p:nvPr>
+            <p:ph idx="1"/>
+          </p:nvPr>
+        </p:nvSpPr>
+        <p:spPr>
+          <a:xfrm>
+            <a:off x="509587" y="1450107"/>
+            <a:ext cx="8229600" cy="4525963"/>
+          </a:xfrm>
+        </p:spPr>
+        <p:txBody>
           <a:bodyPr>
-            <a:normAutofit fontScale="90000"/>
+            <a:normAutofit/>
           </a:bodyPr>
           <a:lstStyle/>
           <a:p>
-            <a:r>
-              <a:rPr lang="en-US" b="1" dirty="0"/>
-              <a:t>Log Aggregation</a:t>
-            </a:r>
-            <a:br>
-              <a:rPr lang="en-US" b="1" dirty="0"/>
-            </a:br>
-            <a:endParaRPr lang="en-US" dirty="0"/>
-          </a:p>
-        </p:txBody>
-      </p:sp>
-      <p:sp>
-        <p:nvSpPr>
-          <p:cNvPr id="3" name="Content Placeholder 2"/>
-          <p:cNvSpPr>
-            <a:spLocks noGrp="1"/>
-          </p:cNvSpPr>
-          <p:nvPr>
-            <p:ph idx="1"/>
-          </p:nvPr>
-        </p:nvSpPr>
-        <p:spPr/>
-        <p:txBody>
-          <a:bodyPr>
-            <a:normAutofit fontScale="70000" lnSpcReduction="20000"/>
-          </a:bodyPr>
-          <a:lstStyle/>
-          <a:p>
-            <a:pPr>
+            <a:pPr marL="0" indent="0">
               <a:buNone/>
             </a:pPr>
             <a:r>
-              <a:rPr lang="en-US" b="1" dirty="0"/>
-              <a:t>Problem</a:t>
-            </a:r>
-          </a:p>
-          <a:p>
-            <a:r>
-              <a:rPr lang="en-US" dirty="0"/>
-              <a:t>Consider a use case where an application consists of multiple service instances that are running on multiple machines. Requests often span multiple service instances. Each service instance generates a log file in a standardized format. How can we understand the application behavior through logs for a particular request?</a:t>
-            </a:r>
-          </a:p>
-          <a:p>
-            <a:pPr>
-              <a:buNone/>
+              <a:rPr lang="en-US" sz="1600" dirty="0"/>
+              <a:t>Two Phase </a:t>
+            </a:r>
+            <a:r>
+              <a:rPr lang="en-US" sz="1600" dirty="0" err="1"/>
+              <a:t>Commiting</a:t>
+            </a:r>
+            <a:r>
+              <a:rPr lang="en-US" sz="1600" dirty="0"/>
+              <a:t> Protocol (2PC)</a:t>
+            </a:r>
+          </a:p>
+          <a:p>
+            <a:pPr lvl="1">
+              <a:buFont typeface="Arial" panose="020B0604020202020204" pitchFamily="34" charset="0"/>
+              <a:buChar char="•"/>
             </a:pPr>
             <a:r>
-              <a:rPr lang="en-US" b="1" dirty="0"/>
-              <a:t>Solution</a:t>
-            </a:r>
-          </a:p>
-          <a:p>
-            <a:r>
-              <a:rPr lang="en-US" dirty="0"/>
-              <a:t>We need a centralized logging service that aggregates logs from each service instance. Users can search and analyze the logs. They can configure alerts that are triggered when certain messages appear in the logs. For example, PCF does have </a:t>
-            </a:r>
-            <a:r>
-              <a:rPr lang="en-US" dirty="0" err="1"/>
-              <a:t>Loggeregator</a:t>
-            </a:r>
-            <a:r>
-              <a:rPr lang="en-US" dirty="0"/>
-              <a:t>, which collects logs from each component (router, controller, </a:t>
-            </a:r>
-            <a:r>
-              <a:rPr lang="en-US" dirty="0" err="1"/>
-              <a:t>diego</a:t>
-            </a:r>
-            <a:r>
-              <a:rPr lang="en-US" dirty="0"/>
-              <a:t>, etc...) of the PCF platform along with applications. AWS Cloud Watch also does the same.</a:t>
-            </a:r>
-          </a:p>
-          <a:p>
-            <a:endParaRPr lang="en-US" dirty="0"/>
-          </a:p>
-        </p:txBody>
-      </p:sp>
+              <a:rPr lang="en-US" sz="1600" dirty="0"/>
+              <a:t>2PC is a popular method for implementing distributed transactions. </a:t>
+            </a:r>
+          </a:p>
+          <a:p>
+            <a:pPr lvl="1">
+              <a:buFont typeface="Arial" panose="020B0604020202020204" pitchFamily="34" charset="0"/>
+              <a:buChar char="•"/>
+            </a:pPr>
+            <a:r>
+              <a:rPr lang="en-US" sz="1600" dirty="0"/>
+              <a:t>There is a coordinator component that is in charge of controlling the transaction and containing the transaction logic. </a:t>
+            </a:r>
+          </a:p>
+          <a:p>
+            <a:pPr lvl="1">
+              <a:buFont typeface="Arial" panose="020B0604020202020204" pitchFamily="34" charset="0"/>
+              <a:buChar char="•"/>
+            </a:pPr>
+            <a:r>
+              <a:rPr lang="en-US" sz="1600" dirty="0"/>
+              <a:t>The participating nodes, which perform their local transactions, are the other component.</a:t>
+            </a:r>
+          </a:p>
+          <a:p>
+            <a:pPr marL="457200" lvl="1" indent="0">
+              <a:buNone/>
+            </a:pPr>
+            <a:endParaRPr lang="en-IN" sz="1600" dirty="0"/>
+          </a:p>
+        </p:txBody>
+      </p:sp>
+      <p:pic>
+        <p:nvPicPr>
+          <p:cNvPr id="1026" name="Picture 2">
+            <a:extLst>
+              <a:ext uri="{FF2B5EF4-FFF2-40B4-BE49-F238E27FC236}">
+                <a16:creationId xmlns:a16="http://schemas.microsoft.com/office/drawing/2014/main" id="{1DD410ED-191B-E860-22F0-8455BBB8807C}"/>
+              </a:ext>
+            </a:extLst>
+          </p:cNvPr>
+          <p:cNvPicPr>
+            <a:picLocks noChangeAspect="1" noChangeArrowheads="1"/>
+          </p:cNvPicPr>
+          <p:nvPr/>
+        </p:nvPicPr>
+        <p:blipFill>
+          <a:blip r:embed="rId3">
+            <a:extLst>
+              <a:ext uri="{28A0092B-C50C-407E-A947-70E740481C1C}">
+                <a14:useLocalDpi xmlns:a14="http://schemas.microsoft.com/office/drawing/2010/main" val="0"/>
+              </a:ext>
+            </a:extLst>
+          </a:blip>
+          <a:srcRect/>
+          <a:stretch>
+            <a:fillRect/>
+          </a:stretch>
+        </p:blipFill>
+        <p:spPr bwMode="auto">
+          <a:xfrm>
+            <a:off x="352425" y="3284389"/>
+            <a:ext cx="8334375" cy="2724150"/>
+          </a:xfrm>
+          <a:prstGeom prst="rect">
+            <a:avLst/>
+          </a:prstGeom>
+          <a:noFill/>
+          <a:extLst>
+            <a:ext uri="{909E8E84-426E-40DD-AFC4-6F175D3DCCD1}">
+              <a14:hiddenFill xmlns:a14="http://schemas.microsoft.com/office/drawing/2010/main">
+                <a:solidFill>
+                  <a:srgbClr val="FFFFFF"/>
+                </a:solidFill>
+              </a14:hiddenFill>
+            </a:ext>
+          </a:extLst>
+        </p:spPr>
+      </p:pic>
     </p:spTree>
+    <p:extLst>
+      <p:ext uri="{BB962C8B-B14F-4D97-AF65-F5344CB8AC3E}">
+        <p14:creationId xmlns:p14="http://schemas.microsoft.com/office/powerpoint/2010/main" val="2706069907"/>
+      </p:ext>
+    </p:extLst>
   </p:cSld>
   <p:clrMapOvr>
     <a:masterClrMapping/>
@@ -4343,7 +5870,13 @@
       </p:grpSpPr>
       <p:sp>
         <p:nvSpPr>
-          <p:cNvPr id="2" name="Title 1"/>
+          <p:cNvPr id="2" name="Title 1">
+            <a:extLst>
+              <a:ext uri="{FF2B5EF4-FFF2-40B4-BE49-F238E27FC236}">
+                <a16:creationId xmlns:a16="http://schemas.microsoft.com/office/drawing/2014/main" id="{C2DE69A1-6B95-DB98-A969-AAD5B6DA7D09}"/>
+              </a:ext>
+            </a:extLst>
+          </p:cNvPr>
           <p:cNvSpPr>
             <a:spLocks noGrp="1"/>
           </p:cNvSpPr>
@@ -4353,115 +5886,116 @@
         </p:nvSpPr>
         <p:spPr/>
         <p:txBody>
+          <a:bodyPr/>
+          <a:lstStyle/>
+          <a:p>
+            <a:r>
+              <a:rPr lang="en-IN" dirty="0"/>
+              <a:t>Saga Pattern – 2PC</a:t>
+            </a:r>
+          </a:p>
+        </p:txBody>
+      </p:sp>
+      <p:sp>
+        <p:nvSpPr>
+          <p:cNvPr id="3" name="Content Placeholder 2">
+            <a:extLst>
+              <a:ext uri="{FF2B5EF4-FFF2-40B4-BE49-F238E27FC236}">
+                <a16:creationId xmlns:a16="http://schemas.microsoft.com/office/drawing/2014/main" id="{D0CA7738-1513-76FC-60A1-F64A1999E15B}"/>
+              </a:ext>
+            </a:extLst>
+          </p:cNvPr>
+          <p:cNvSpPr>
+            <a:spLocks noGrp="1"/>
+          </p:cNvSpPr>
+          <p:nvPr>
+            <p:ph idx="1"/>
+          </p:nvPr>
+        </p:nvSpPr>
+        <p:spPr>
+          <a:xfrm>
+            <a:off x="509587" y="1450107"/>
+            <a:ext cx="8229600" cy="4525963"/>
+          </a:xfrm>
+        </p:spPr>
+        <p:txBody>
           <a:bodyPr>
-            <a:normAutofit fontScale="90000"/>
+            <a:normAutofit/>
           </a:bodyPr>
           <a:lstStyle/>
           <a:p>
-            <a:r>
-              <a:rPr lang="en-US" b="1" dirty="0"/>
-              <a:t>Performance Metrics</a:t>
-            </a:r>
-            <a:br>
-              <a:rPr lang="en-US" b="1" dirty="0"/>
-            </a:br>
-            <a:endParaRPr lang="en-US" dirty="0"/>
-          </a:p>
-        </p:txBody>
-      </p:sp>
-      <p:sp>
-        <p:nvSpPr>
-          <p:cNvPr id="3" name="Content Placeholder 2"/>
-          <p:cNvSpPr>
-            <a:spLocks noGrp="1"/>
-          </p:cNvSpPr>
-          <p:nvPr>
-            <p:ph idx="1"/>
-          </p:nvPr>
-        </p:nvSpPr>
-        <p:spPr/>
-        <p:txBody>
-          <a:bodyPr>
-            <a:normAutofit fontScale="70000" lnSpcReduction="20000"/>
-          </a:bodyPr>
-          <a:lstStyle/>
-          <a:p>
-            <a:pPr>
+            <a:pPr marL="0" indent="0" algn="l">
               <a:buNone/>
             </a:pPr>
             <a:r>
-              <a:rPr lang="en-US" b="1" dirty="0"/>
-              <a:t>Problem</a:t>
-            </a:r>
-          </a:p>
-          <a:p>
-            <a:r>
-              <a:rPr lang="en-US" dirty="0"/>
-              <a:t>When the service portfolio increases due to </a:t>
-            </a:r>
-            <a:r>
-              <a:rPr lang="en-US" dirty="0" err="1"/>
-              <a:t>microservice</a:t>
-            </a:r>
-            <a:r>
-              <a:rPr lang="en-US" dirty="0"/>
-              <a:t> architecture, it becomes critical to keep a watch on the transactions so that patterns can be monitored and alerts sent when an issue happens. How should we collect metrics to monitor application </a:t>
-            </a:r>
-            <a:r>
-              <a:rPr lang="en-US" dirty="0" err="1"/>
-              <a:t>perfomance</a:t>
-            </a:r>
-            <a:r>
-              <a:rPr lang="en-US" dirty="0"/>
-              <a:t>?</a:t>
-            </a:r>
-          </a:p>
-          <a:p>
-            <a:pPr>
-              <a:buNone/>
+              <a:rPr lang="en-US" sz="2000" b="1" i="0" dirty="0">
+                <a:solidFill>
+                  <a:srgbClr val="292929"/>
+                </a:solidFill>
+                <a:effectLst/>
+              </a:rPr>
+              <a:t>The downsides of 2pc protocols are as follows:</a:t>
+            </a:r>
+          </a:p>
+          <a:p>
+            <a:pPr algn="l">
+              <a:buFont typeface="Arial" panose="020B0604020202020204" pitchFamily="34" charset="0"/>
+              <a:buChar char="•"/>
             </a:pPr>
             <a:r>
-              <a:rPr lang="en-US" b="1" dirty="0"/>
-              <a:t>Solution</a:t>
-            </a:r>
-          </a:p>
-          <a:p>
-            <a:r>
-              <a:rPr lang="en-US" dirty="0"/>
-              <a:t>A metrics service is required to gather statistics about individual operations. It should aggregate the metrics of an application service, which provides reporting and alerting. There are two models for aggregating metrics:</a:t>
-            </a:r>
-          </a:p>
-          <a:p>
-            <a:r>
-              <a:rPr lang="en-US" dirty="0"/>
-              <a:t>Push — the service pushes metrics to the metrics service e.g. </a:t>
-            </a:r>
-            <a:r>
-              <a:rPr lang="en-US" dirty="0" err="1"/>
-              <a:t>NewRelic</a:t>
-            </a:r>
-            <a:r>
-              <a:rPr lang="en-US" dirty="0"/>
-              <a:t>, </a:t>
-            </a:r>
-            <a:r>
-              <a:rPr lang="en-US" dirty="0" err="1"/>
-              <a:t>AppDynamics</a:t>
-            </a:r>
-            <a:endParaRPr lang="en-US" dirty="0"/>
-          </a:p>
-          <a:p>
-            <a:r>
-              <a:rPr lang="en-US" dirty="0"/>
-              <a:t>Pull — the metrics services pulls metrics from the service e.g. Prometheus</a:t>
-            </a:r>
-          </a:p>
-          <a:p>
-            <a:endParaRPr lang="en-US" dirty="0"/>
+              <a:rPr lang="en-US" sz="2000" b="0" i="0" dirty="0">
+                <a:solidFill>
+                  <a:srgbClr val="292929"/>
+                </a:solidFill>
+                <a:effectLst/>
+              </a:rPr>
+              <a:t>The coordinator is responsible for all services, which might lead to a single point of failure. </a:t>
+            </a:r>
+          </a:p>
+          <a:p>
+            <a:pPr algn="l">
+              <a:buFont typeface="Arial" panose="020B0604020202020204" pitchFamily="34" charset="0"/>
+              <a:buChar char="•"/>
+            </a:pPr>
+            <a:r>
+              <a:rPr lang="en-US" sz="2000" b="0" i="0" dirty="0">
+                <a:solidFill>
+                  <a:srgbClr val="292929"/>
+                </a:solidFill>
+                <a:effectLst/>
+              </a:rPr>
+              <a:t>Because the controller determines when all services are completed, the entire performance of the operation is bound to the slowest service. [</a:t>
+            </a:r>
+          </a:p>
+          <a:p>
+            <a:pPr algn="l">
+              <a:buFont typeface="Arial" panose="020B0604020202020204" pitchFamily="34" charset="0"/>
+              <a:buChar char="•"/>
+            </a:pPr>
+            <a:r>
+              <a:rPr lang="en-US" sz="2000" b="0" i="0" dirty="0">
+                <a:solidFill>
+                  <a:srgbClr val="292929"/>
+                </a:solidFill>
+                <a:effectLst/>
+              </a:rPr>
+              <a:t>NoSQL databases do not support 2pc. </a:t>
+            </a:r>
+          </a:p>
+          <a:p>
+            <a:pPr marL="457200" lvl="1" indent="0">
+              <a:buNone/>
+            </a:pPr>
+            <a:endParaRPr lang="en-IN" sz="2000" dirty="0"/>
           </a:p>
         </p:txBody>
       </p:sp>
     </p:spTree>
+    <p:extLst>
+      <p:ext uri="{BB962C8B-B14F-4D97-AF65-F5344CB8AC3E}">
+        <p14:creationId xmlns:p14="http://schemas.microsoft.com/office/powerpoint/2010/main" val="1808960164"/>
+      </p:ext>
+    </p:extLst>
   </p:cSld>
   <p:clrMapOvr>
     <a:masterClrMapping/>
@@ -4502,7 +6036,7 @@
           <a:lstStyle/>
           <a:p>
             <a:r>
-              <a:rPr lang="en-US" dirty="0" err="1" smtClean="0"/>
+              <a:rPr lang="en-US" dirty="0" err="1"/>
               <a:t>Microservices</a:t>
             </a:r>
             <a:endParaRPr lang="en-US" dirty="0"/>
@@ -4530,7 +6064,7 @@
               <a:buNone/>
             </a:pPr>
             <a:r>
-              <a:rPr lang="en-US" sz="2800" dirty="0" smtClean="0"/>
+              <a:rPr lang="en-US" sz="2800" dirty="0"/>
               <a:t>An architectural style that structures an application as a collection of small autonomous services, modeled around a business domain. </a:t>
             </a:r>
           </a:p>
@@ -4538,22 +6072,22 @@
             <a:pPr marL="0">
               <a:buNone/>
             </a:pPr>
-            <a:endParaRPr lang="en-US" sz="2800" dirty="0" smtClean="0"/>
+            <a:endParaRPr lang="en-US" sz="2800" dirty="0"/>
           </a:p>
           <a:p>
             <a:pPr marL="0">
               <a:buNone/>
             </a:pPr>
             <a:r>
-              <a:rPr lang="en-US" sz="2800" dirty="0" smtClean="0"/>
+              <a:rPr lang="en-US" sz="2800" dirty="0"/>
               <a:t>In a </a:t>
             </a:r>
             <a:r>
-              <a:rPr lang="en-US" sz="2800" dirty="0" err="1" smtClean="0"/>
+              <a:rPr lang="en-US" sz="2800" dirty="0" err="1"/>
               <a:t>Microservice</a:t>
             </a:r>
             <a:r>
-              <a:rPr lang="en-US" sz="2800" dirty="0" smtClean="0"/>
+              <a:rPr lang="en-US" sz="2800" dirty="0"/>
               <a:t> Architecture, each service is self-contained and implements a single business capability.</a:t>
             </a:r>
           </a:p>
@@ -4592,7 +6126,13 @@
       </p:grpSpPr>
       <p:sp>
         <p:nvSpPr>
-          <p:cNvPr id="2" name="Title 1"/>
+          <p:cNvPr id="2" name="Title 1">
+            <a:extLst>
+              <a:ext uri="{FF2B5EF4-FFF2-40B4-BE49-F238E27FC236}">
+                <a16:creationId xmlns:a16="http://schemas.microsoft.com/office/drawing/2014/main" id="{C2DE69A1-6B95-DB98-A969-AAD5B6DA7D09}"/>
+              </a:ext>
+            </a:extLst>
+          </p:cNvPr>
           <p:cNvSpPr>
             <a:spLocks noGrp="1"/>
           </p:cNvSpPr>
@@ -4602,125 +6142,107 @@
         </p:nvSpPr>
         <p:spPr/>
         <p:txBody>
+          <a:bodyPr/>
+          <a:lstStyle/>
+          <a:p>
+            <a:r>
+              <a:rPr lang="en-IN" dirty="0"/>
+              <a:t>Saga Architecture Pattern</a:t>
+            </a:r>
+          </a:p>
+        </p:txBody>
+      </p:sp>
+      <p:sp>
+        <p:nvSpPr>
+          <p:cNvPr id="3" name="Content Placeholder 2">
+            <a:extLst>
+              <a:ext uri="{FF2B5EF4-FFF2-40B4-BE49-F238E27FC236}">
+                <a16:creationId xmlns:a16="http://schemas.microsoft.com/office/drawing/2014/main" id="{D0CA7738-1513-76FC-60A1-F64A1999E15B}"/>
+              </a:ext>
+            </a:extLst>
+          </p:cNvPr>
+          <p:cNvSpPr>
+            <a:spLocks noGrp="1"/>
+          </p:cNvSpPr>
+          <p:nvPr>
+            <p:ph idx="1"/>
+          </p:nvPr>
+        </p:nvSpPr>
+        <p:spPr>
+          <a:xfrm>
+            <a:off x="509587" y="1450107"/>
+            <a:ext cx="8229600" cy="4525963"/>
+          </a:xfrm>
+        </p:spPr>
+        <p:txBody>
           <a:bodyPr>
-            <a:normAutofit fontScale="90000"/>
+            <a:normAutofit/>
           </a:bodyPr>
           <a:lstStyle/>
           <a:p>
             <a:r>
-              <a:rPr lang="en-US" b="1" dirty="0"/>
-              <a:t>Distributed Tracing</a:t>
-            </a:r>
-            <a:br>
-              <a:rPr lang="en-US" b="1" dirty="0"/>
-            </a:br>
-            <a:endParaRPr lang="en-US" dirty="0"/>
-          </a:p>
-        </p:txBody>
-      </p:sp>
-      <p:sp>
-        <p:nvSpPr>
-          <p:cNvPr id="3" name="Content Placeholder 2"/>
-          <p:cNvSpPr>
-            <a:spLocks noGrp="1"/>
-          </p:cNvSpPr>
-          <p:nvPr>
-            <p:ph idx="1"/>
-          </p:nvPr>
-        </p:nvSpPr>
-        <p:spPr/>
-        <p:txBody>
-          <a:bodyPr>
-            <a:normAutofit fontScale="62500" lnSpcReduction="20000"/>
-          </a:bodyPr>
-          <a:lstStyle/>
-          <a:p>
-            <a:pPr>
-              <a:buNone/>
-            </a:pPr>
-            <a:r>
-              <a:rPr lang="en-US" b="1" dirty="0"/>
-              <a:t>Problem</a:t>
-            </a:r>
-          </a:p>
-          <a:p>
-            <a:r>
-              <a:rPr lang="en-US" dirty="0"/>
-              <a:t>In </a:t>
-            </a:r>
-            <a:r>
-              <a:rPr lang="en-US" dirty="0" err="1"/>
-              <a:t>microservice</a:t>
-            </a:r>
-            <a:r>
-              <a:rPr lang="en-US" dirty="0"/>
-              <a:t> architecture, requests often span multiple services. Each service handles a request by performing one or more operations across multiple services. Then, how do we trace a request end-to-end to troubleshoot the problem?</a:t>
-            </a:r>
-          </a:p>
-          <a:p>
-            <a:pPr>
-              <a:buNone/>
-            </a:pPr>
-            <a:r>
-              <a:rPr lang="en-US" b="1" dirty="0"/>
-              <a:t>Solution</a:t>
-            </a:r>
-          </a:p>
-          <a:p>
-            <a:r>
-              <a:rPr lang="en-US" dirty="0"/>
-              <a:t>We need a service which</a:t>
-            </a:r>
-          </a:p>
-          <a:p>
-            <a:r>
-              <a:rPr lang="en-US" dirty="0"/>
-              <a:t>Assigns each external request a unique external request id.</a:t>
-            </a:r>
-          </a:p>
-          <a:p>
-            <a:r>
-              <a:rPr lang="en-US" dirty="0"/>
-              <a:t>Passes the external request id to all services.</a:t>
-            </a:r>
-          </a:p>
-          <a:p>
-            <a:r>
-              <a:rPr lang="en-US" dirty="0"/>
-              <a:t>Includes the external request id in all log messages.</a:t>
-            </a:r>
-          </a:p>
-          <a:p>
-            <a:r>
-              <a:rPr lang="en-US" dirty="0"/>
-              <a:t>Records information (e.g. start time, end time) about the requests and operations performed when handling an external request in a centralized service.</a:t>
-            </a:r>
-          </a:p>
-          <a:p>
-            <a:r>
-              <a:rPr lang="en-US" dirty="0"/>
-              <a:t>Spring Cloud </a:t>
-            </a:r>
-            <a:r>
-              <a:rPr lang="en-US" dirty="0" err="1"/>
-              <a:t>Slueth</a:t>
-            </a:r>
-            <a:r>
-              <a:rPr lang="en-US" dirty="0"/>
-              <a:t>, along with </a:t>
-            </a:r>
-            <a:r>
-              <a:rPr lang="en-US" dirty="0" err="1"/>
-              <a:t>Zipkin</a:t>
-            </a:r>
-            <a:r>
-              <a:rPr lang="en-US" dirty="0"/>
-              <a:t> server, is a common implementation.</a:t>
-            </a:r>
+              <a:rPr lang="en-US" sz="2000" b="1" i="0" dirty="0">
+                <a:solidFill>
+                  <a:srgbClr val="292929"/>
+                </a:solidFill>
+                <a:effectLst/>
+              </a:rPr>
+              <a:t>This pattern manages transactions through a series of local transactions.</a:t>
+            </a:r>
+          </a:p>
+          <a:p>
+            <a:r>
+              <a:rPr lang="en-US" sz="2000" b="1" i="0" dirty="0">
+                <a:solidFill>
+                  <a:srgbClr val="292929"/>
+                </a:solidFill>
+                <a:effectLst/>
+              </a:rPr>
+              <a:t>After successfully completing the previous phase, the Saga Pattern triggers the next step with the incoming request. </a:t>
+            </a:r>
+          </a:p>
+          <a:p>
+            <a:r>
+              <a:rPr lang="en-US" sz="2000" b="1" i="0" dirty="0">
+                <a:solidFill>
+                  <a:srgbClr val="292929"/>
+                </a:solidFill>
+                <a:effectLst/>
+              </a:rPr>
+              <a:t>A Saga participant’s work is represented by a local transaction. </a:t>
+            </a:r>
+          </a:p>
+          <a:p>
+            <a:r>
+              <a:rPr lang="en-US" sz="2000" b="1" i="0" dirty="0">
+                <a:solidFill>
+                  <a:srgbClr val="292929"/>
+                </a:solidFill>
+                <a:effectLst/>
+              </a:rPr>
+              <a:t>Every operation in the Saga can be reversed by a compensatory transaction.</a:t>
+            </a:r>
+          </a:p>
+          <a:p>
+            <a:r>
+              <a:rPr lang="en-US" sz="2000" b="1" i="0" dirty="0">
+                <a:solidFill>
+                  <a:srgbClr val="292929"/>
+                </a:solidFill>
+                <a:effectLst/>
+              </a:rPr>
+              <a:t> A compensatory transaction must be reversible and idempotent. </a:t>
+            </a:r>
+            <a:endParaRPr lang="en-IN" sz="2000" dirty="0"/>
           </a:p>
         </p:txBody>
       </p:sp>
     </p:spTree>
+    <p:extLst>
+      <p:ext uri="{BB962C8B-B14F-4D97-AF65-F5344CB8AC3E}">
+        <p14:creationId xmlns:p14="http://schemas.microsoft.com/office/powerpoint/2010/main" val="3482156940"/>
+      </p:ext>
+    </p:extLst>
   </p:cSld>
   <p:clrMapOvr>
     <a:masterClrMapping/>
@@ -4747,7 +6269,13 @@
       </p:grpSpPr>
       <p:sp>
         <p:nvSpPr>
-          <p:cNvPr id="2" name="Title 1"/>
+          <p:cNvPr id="2" name="Title 1">
+            <a:extLst>
+              <a:ext uri="{FF2B5EF4-FFF2-40B4-BE49-F238E27FC236}">
+                <a16:creationId xmlns:a16="http://schemas.microsoft.com/office/drawing/2014/main" id="{C2DE69A1-6B95-DB98-A969-AAD5B6DA7D09}"/>
+              </a:ext>
+            </a:extLst>
+          </p:cNvPr>
           <p:cNvSpPr>
             <a:spLocks noGrp="1"/>
           </p:cNvSpPr>
@@ -4757,88 +6285,89 @@
         </p:nvSpPr>
         <p:spPr/>
         <p:txBody>
+          <a:bodyPr/>
+          <a:lstStyle/>
+          <a:p>
+            <a:r>
+              <a:rPr lang="en-IN" dirty="0"/>
+              <a:t>Saga Architecture Pattern</a:t>
+            </a:r>
+          </a:p>
+        </p:txBody>
+      </p:sp>
+      <p:sp>
+        <p:nvSpPr>
+          <p:cNvPr id="3" name="Content Placeholder 2">
+            <a:extLst>
+              <a:ext uri="{FF2B5EF4-FFF2-40B4-BE49-F238E27FC236}">
+                <a16:creationId xmlns:a16="http://schemas.microsoft.com/office/drawing/2014/main" id="{D0CA7738-1513-76FC-60A1-F64A1999E15B}"/>
+              </a:ext>
+            </a:extLst>
+          </p:cNvPr>
+          <p:cNvSpPr>
+            <a:spLocks noGrp="1"/>
+          </p:cNvSpPr>
+          <p:nvPr>
+            <p:ph idx="1"/>
+          </p:nvPr>
+        </p:nvSpPr>
+        <p:spPr>
+          <a:xfrm>
+            <a:off x="509587" y="1450107"/>
+            <a:ext cx="8229600" cy="4525963"/>
+          </a:xfrm>
+        </p:spPr>
+        <p:txBody>
           <a:bodyPr>
-            <a:normAutofit fontScale="90000"/>
+            <a:normAutofit/>
           </a:bodyPr>
           <a:lstStyle/>
           <a:p>
-            <a:r>
-              <a:rPr lang="en-US" b="1" dirty="0"/>
-              <a:t>Health Check</a:t>
-            </a:r>
-            <a:br>
-              <a:rPr lang="en-US" b="1" dirty="0"/>
-            </a:br>
-            <a:endParaRPr lang="en-US" dirty="0"/>
-          </a:p>
-        </p:txBody>
-      </p:sp>
-      <p:sp>
-        <p:nvSpPr>
-          <p:cNvPr id="3" name="Content Placeholder 2"/>
-          <p:cNvSpPr>
-            <a:spLocks noGrp="1"/>
-          </p:cNvSpPr>
-          <p:nvPr>
-            <p:ph idx="1"/>
-          </p:nvPr>
-        </p:nvSpPr>
-        <p:spPr/>
-        <p:txBody>
-          <a:bodyPr>
-            <a:normAutofit fontScale="77500" lnSpcReduction="20000"/>
-          </a:bodyPr>
-          <a:lstStyle/>
-          <a:p>
-            <a:pPr>
+            <a:pPr marL="0" indent="0">
               <a:buNone/>
             </a:pPr>
             <a:r>
-              <a:rPr lang="en-US" b="1" dirty="0"/>
-              <a:t>Problem</a:t>
-            </a:r>
-          </a:p>
-          <a:p>
-            <a:r>
-              <a:rPr lang="en-US" dirty="0"/>
-              <a:t>When </a:t>
-            </a:r>
-            <a:r>
-              <a:rPr lang="en-US" dirty="0" err="1"/>
-              <a:t>microservice</a:t>
-            </a:r>
-            <a:r>
-              <a:rPr lang="en-US" dirty="0"/>
-              <a:t> architecture has been implemented, there is a chance that a service might be up but not able to handle transactions. In that case, how do you ensure a request doesn't go to those failed instances? With a load balancing pattern implementation.</a:t>
-            </a:r>
-          </a:p>
-          <a:p>
-            <a:pPr>
-              <a:buNone/>
-            </a:pPr>
-            <a:r>
-              <a:rPr lang="en-US" b="1" dirty="0"/>
-              <a:t>Solution</a:t>
-            </a:r>
-          </a:p>
-          <a:p>
-            <a:r>
-              <a:rPr lang="en-US" dirty="0"/>
-              <a:t>Each service needs to have an endpoint which can be used to check the health of the application, such as /health. This API should o check the status of the host, the connection to other services/infrastructure, and any specific logic.</a:t>
-            </a:r>
-          </a:p>
-          <a:p>
-            <a:r>
-              <a:rPr lang="en-US" dirty="0"/>
-              <a:t>Spring Boot Actuator does implement a /health endpoint and the implementation can be customized, as well.</a:t>
-            </a:r>
-          </a:p>
-          <a:p>
-            <a:endParaRPr lang="en-US" dirty="0"/>
+              <a:rPr lang="en-IN" sz="2000" dirty="0"/>
+              <a:t>The Saga Execution Coordinator</a:t>
+            </a:r>
+          </a:p>
+          <a:p>
+            <a:pPr lvl="1"/>
+            <a:r>
+              <a:rPr lang="en-US" sz="1600" dirty="0"/>
+              <a:t>The Saga Execution Coordinator is the key component in putting a Saga flow into action. It includes a Saga log, which records the sequence of events in a distributed transaction. </a:t>
+            </a:r>
+          </a:p>
+          <a:p>
+            <a:pPr lvl="1"/>
+            <a:r>
+              <a:rPr lang="en-US" sz="1600" dirty="0"/>
+              <a:t>In the event of a failure, the SEC component examines the Saga log to determine which components are affected and the order in which compensating transactions should be executed. </a:t>
+            </a:r>
+          </a:p>
+          <a:p>
+            <a:pPr lvl="1"/>
+            <a:r>
+              <a:rPr lang="en-US" sz="1600" dirty="0"/>
+              <a:t>If there is a failure in the SEC component, it can read the Saga log when it restarts. It can then determine which transactions were successfully rolled back and which are still pending, and take appropriate action.</a:t>
+            </a:r>
+          </a:p>
+          <a:p>
+            <a:pPr lvl="1"/>
+            <a:r>
+              <a:rPr lang="en-US" sz="1600" dirty="0"/>
+              <a:t>The Saga pattern can be implemented in two ways: choreography and orchestration.</a:t>
+            </a:r>
+            <a:endParaRPr lang="en-IN" sz="1600" dirty="0"/>
           </a:p>
         </p:txBody>
       </p:sp>
     </p:spTree>
+    <p:extLst>
+      <p:ext uri="{BB962C8B-B14F-4D97-AF65-F5344CB8AC3E}">
+        <p14:creationId xmlns:p14="http://schemas.microsoft.com/office/powerpoint/2010/main" val="2893825760"/>
+      </p:ext>
+    </p:extLst>
   </p:cSld>
   <p:clrMapOvr>
     <a:masterClrMapping/>
@@ -4865,7 +6394,13 @@
       </p:grpSpPr>
       <p:sp>
         <p:nvSpPr>
-          <p:cNvPr id="2" name="Title 1"/>
+          <p:cNvPr id="2" name="Title 1">
+            <a:extLst>
+              <a:ext uri="{FF2B5EF4-FFF2-40B4-BE49-F238E27FC236}">
+                <a16:creationId xmlns:a16="http://schemas.microsoft.com/office/drawing/2014/main" id="{C2DE69A1-6B95-DB98-A969-AAD5B6DA7D09}"/>
+              </a:ext>
+            </a:extLst>
+          </p:cNvPr>
           <p:cNvSpPr>
             <a:spLocks noGrp="1"/>
           </p:cNvSpPr>
@@ -4875,66 +6410,153 @@
         </p:nvSpPr>
         <p:spPr/>
         <p:txBody>
+          <a:bodyPr/>
+          <a:lstStyle/>
+          <a:p>
+            <a:r>
+              <a:rPr lang="en-IN" dirty="0"/>
+              <a:t>Saga Architecture Pattern</a:t>
+            </a:r>
+          </a:p>
+        </p:txBody>
+      </p:sp>
+      <p:sp>
+        <p:nvSpPr>
+          <p:cNvPr id="3" name="Content Placeholder 2">
+            <a:extLst>
+              <a:ext uri="{FF2B5EF4-FFF2-40B4-BE49-F238E27FC236}">
+                <a16:creationId xmlns:a16="http://schemas.microsoft.com/office/drawing/2014/main" id="{D0CA7738-1513-76FC-60A1-F64A1999E15B}"/>
+              </a:ext>
+            </a:extLst>
+          </p:cNvPr>
+          <p:cNvSpPr>
+            <a:spLocks noGrp="1"/>
+          </p:cNvSpPr>
+          <p:nvPr>
+            <p:ph idx="1"/>
+          </p:nvPr>
+        </p:nvSpPr>
+        <p:spPr>
+          <a:xfrm>
+            <a:off x="509587" y="1450107"/>
+            <a:ext cx="8229600" cy="4525963"/>
+          </a:xfrm>
+        </p:spPr>
+        <p:txBody>
           <a:bodyPr>
-            <a:normAutofit fontScale="90000"/>
+            <a:normAutofit/>
           </a:bodyPr>
           <a:lstStyle/>
           <a:p>
-            <a:r>
-              <a:rPr lang="en-US" b="1" dirty="0"/>
-              <a:t>Cross-Cutting Concern Patterns</a:t>
-            </a:r>
-            <a:br>
-              <a:rPr lang="en-US" b="1" dirty="0"/>
-            </a:br>
-            <a:endParaRPr lang="en-US" dirty="0"/>
-          </a:p>
-        </p:txBody>
-      </p:sp>
-      <p:sp>
-        <p:nvSpPr>
-          <p:cNvPr id="3" name="Content Placeholder 2"/>
-          <p:cNvSpPr>
-            <a:spLocks noGrp="1"/>
-          </p:cNvSpPr>
-          <p:nvPr>
-            <p:ph idx="1"/>
-          </p:nvPr>
-        </p:nvSpPr>
-        <p:spPr/>
-        <p:txBody>
-          <a:bodyPr/>
-          <a:lstStyle/>
-          <a:p>
-            <a:r>
-              <a:rPr lang="en-US" b="1" dirty="0"/>
-              <a:t>External Configuration</a:t>
-            </a:r>
-          </a:p>
-          <a:p>
-            <a:r>
-              <a:rPr lang="en-US" b="1" dirty="0"/>
-              <a:t>Service Discovery Pattern</a:t>
-            </a:r>
-          </a:p>
-          <a:p>
-            <a:r>
-              <a:rPr lang="en-US" b="1" dirty="0"/>
-              <a:t>Circuit Breaker Pattern</a:t>
-            </a:r>
-          </a:p>
-          <a:p>
-            <a:r>
-              <a:rPr lang="en-US" b="1" dirty="0"/>
-              <a:t>Blue-Green Deployment Pattern</a:t>
-            </a:r>
-          </a:p>
-          <a:p>
-            <a:endParaRPr lang="en-US" dirty="0"/>
-          </a:p>
-        </p:txBody>
-      </p:sp>
+            <a:pPr marL="0" indent="0">
+              <a:buNone/>
+            </a:pPr>
+            <a:r>
+              <a:rPr lang="en-IN" sz="1600" dirty="0"/>
+              <a:t>Saga Orchestration Pattern</a:t>
+            </a:r>
+          </a:p>
+          <a:p>
+            <a:pPr lvl="1">
+              <a:buFont typeface="Arial" panose="020B0604020202020204" pitchFamily="34" charset="0"/>
+              <a:buChar char="•"/>
+            </a:pPr>
+            <a:r>
+              <a:rPr lang="en-US" sz="1200" dirty="0"/>
+              <a:t>Microservices are controlled by an orchestrator or conductor. </a:t>
+            </a:r>
+          </a:p>
+          <a:p>
+            <a:pPr lvl="1">
+              <a:buFont typeface="Arial" panose="020B0604020202020204" pitchFamily="34" charset="0"/>
+              <a:buChar char="•"/>
+            </a:pPr>
+            <a:r>
+              <a:rPr lang="en-US" sz="1200" dirty="0"/>
+              <a:t>This allows centralized control of the saga or workflow. </a:t>
+            </a:r>
+          </a:p>
+          <a:p>
+            <a:pPr lvl="1">
+              <a:buFont typeface="Arial" panose="020B0604020202020204" pitchFamily="34" charset="0"/>
+              <a:buChar char="•"/>
+            </a:pPr>
+            <a:r>
+              <a:rPr lang="en-US" sz="1200" dirty="0"/>
+              <a:t>The orchestrator or conductor could be centralized for all the sagas or workflows or could be distributed as individual services for each saga or workflow. </a:t>
+            </a:r>
+          </a:p>
+          <a:p>
+            <a:pPr lvl="1">
+              <a:buFont typeface="Arial" panose="020B0604020202020204" pitchFamily="34" charset="0"/>
+              <a:buChar char="•"/>
+            </a:pPr>
+            <a:r>
+              <a:rPr lang="en-US" sz="1200" dirty="0"/>
+              <a:t>This provides varying levels of independence to each microservice.</a:t>
+            </a:r>
+          </a:p>
+          <a:p>
+            <a:pPr marL="457200" lvl="1" indent="0">
+              <a:buNone/>
+            </a:pPr>
+            <a:endParaRPr lang="en-IN" sz="1400" dirty="0"/>
+          </a:p>
+        </p:txBody>
+      </p:sp>
+      <p:pic>
+        <p:nvPicPr>
+          <p:cNvPr id="2050" name="Picture 2">
+            <a:extLst>
+              <a:ext uri="{FF2B5EF4-FFF2-40B4-BE49-F238E27FC236}">
+                <a16:creationId xmlns:a16="http://schemas.microsoft.com/office/drawing/2014/main" id="{B45B7CD3-F53C-BB73-70A1-C4C670E71A15}"/>
+              </a:ext>
+            </a:extLst>
+          </p:cNvPr>
+          <p:cNvPicPr>
+            <a:picLocks noChangeAspect="1" noChangeArrowheads="1"/>
+          </p:cNvPicPr>
+          <p:nvPr/>
+        </p:nvPicPr>
+        <p:blipFill>
+          <a:blip r:embed="rId3">
+            <a:extLst>
+              <a:ext uri="{28A0092B-C50C-407E-A947-70E740481C1C}">
+                <a14:useLocalDpi xmlns:a14="http://schemas.microsoft.com/office/drawing/2010/main" val="0"/>
+              </a:ext>
+            </a:extLst>
+          </a:blip>
+          <a:srcRect/>
+          <a:stretch>
+            <a:fillRect/>
+          </a:stretch>
+        </p:blipFill>
+        <p:spPr bwMode="auto">
+          <a:xfrm>
+            <a:off x="2627784" y="2852936"/>
+            <a:ext cx="4824536" cy="3924416"/>
+          </a:xfrm>
+          <a:prstGeom prst="rect">
+            <a:avLst/>
+          </a:prstGeom>
+          <a:noFill/>
+          <a:extLst>
+            <a:ext uri="{909E8E84-426E-40DD-AFC4-6F175D3DCCD1}">
+              <a14:hiddenFill xmlns:a14="http://schemas.microsoft.com/office/drawing/2010/main">
+                <a:solidFill>
+                  <a:srgbClr val="FFFFFF"/>
+                </a:solidFill>
+              </a14:hiddenFill>
+            </a:ext>
+          </a:extLst>
+        </p:spPr>
+      </p:pic>
     </p:spTree>
+    <p:extLst>
+      <p:ext uri="{BB962C8B-B14F-4D97-AF65-F5344CB8AC3E}">
+        <p14:creationId xmlns:p14="http://schemas.microsoft.com/office/powerpoint/2010/main" val="903339425"/>
+      </p:ext>
+    </p:extLst>
   </p:cSld>
   <p:clrMapOvr>
     <a:masterClrMapping/>
@@ -4961,7 +6583,13 @@
       </p:grpSpPr>
       <p:sp>
         <p:nvSpPr>
-          <p:cNvPr id="2" name="Title 1"/>
+          <p:cNvPr id="2" name="Title 1">
+            <a:extLst>
+              <a:ext uri="{FF2B5EF4-FFF2-40B4-BE49-F238E27FC236}">
+                <a16:creationId xmlns:a16="http://schemas.microsoft.com/office/drawing/2014/main" id="{C2DE69A1-6B95-DB98-A969-AAD5B6DA7D09}"/>
+              </a:ext>
+            </a:extLst>
+          </p:cNvPr>
           <p:cNvSpPr>
             <a:spLocks noGrp="1"/>
           </p:cNvSpPr>
@@ -4971,96 +6599,212 @@
         </p:nvSpPr>
         <p:spPr/>
         <p:txBody>
+          <a:bodyPr/>
+          <a:lstStyle/>
+          <a:p>
+            <a:r>
+              <a:rPr lang="en-IN" dirty="0"/>
+              <a:t>Saga Architecture Pattern</a:t>
+            </a:r>
+          </a:p>
+        </p:txBody>
+      </p:sp>
+      <p:sp>
+        <p:nvSpPr>
+          <p:cNvPr id="3" name="Content Placeholder 2">
+            <a:extLst>
+              <a:ext uri="{FF2B5EF4-FFF2-40B4-BE49-F238E27FC236}">
+                <a16:creationId xmlns:a16="http://schemas.microsoft.com/office/drawing/2014/main" id="{D0CA7738-1513-76FC-60A1-F64A1999E15B}"/>
+              </a:ext>
+            </a:extLst>
+          </p:cNvPr>
+          <p:cNvSpPr>
+            <a:spLocks noGrp="1"/>
+          </p:cNvSpPr>
+          <p:nvPr>
+            <p:ph idx="1"/>
+          </p:nvPr>
+        </p:nvSpPr>
+        <p:spPr>
+          <a:xfrm>
+            <a:off x="509587" y="1450107"/>
+            <a:ext cx="8229600" cy="4525963"/>
+          </a:xfrm>
+        </p:spPr>
+        <p:txBody>
           <a:bodyPr>
-            <a:normAutofit fontScale="90000"/>
+            <a:normAutofit/>
           </a:bodyPr>
           <a:lstStyle/>
           <a:p>
-            <a:r>
-              <a:rPr lang="en-US" b="1" dirty="0"/>
-              <a:t>External Configuration</a:t>
-            </a:r>
-            <a:br>
-              <a:rPr lang="en-US" b="1" dirty="0"/>
-            </a:br>
-            <a:endParaRPr lang="en-US" dirty="0"/>
-          </a:p>
-        </p:txBody>
-      </p:sp>
-      <p:sp>
-        <p:nvSpPr>
-          <p:cNvPr id="3" name="Content Placeholder 2"/>
-          <p:cNvSpPr>
-            <a:spLocks noGrp="1"/>
-          </p:cNvSpPr>
-          <p:nvPr>
-            <p:ph idx="1"/>
-          </p:nvPr>
-        </p:nvSpPr>
-        <p:spPr/>
-        <p:txBody>
-          <a:bodyPr>
-            <a:normAutofit fontScale="70000" lnSpcReduction="20000"/>
-          </a:bodyPr>
-          <a:lstStyle/>
-          <a:p>
-            <a:pPr>
+            <a:pPr marL="0" indent="0">
               <a:buNone/>
             </a:pPr>
             <a:r>
-              <a:rPr lang="en-US" b="1" dirty="0"/>
-              <a:t>Problem</a:t>
-            </a:r>
-          </a:p>
-          <a:p>
-            <a:r>
-              <a:rPr lang="en-US" dirty="0"/>
-              <a:t>A service typically calls other services and databases as well. For each environment like dev, QA, UAT, prod, the endpoint URL or some configuration properties might be different. A change in any of those properties might require a re-build and re-deploy of the service. How do we avoid code modification for configuration changes?</a:t>
-            </a:r>
-          </a:p>
-          <a:p>
-            <a:pPr>
-              <a:buNone/>
+              <a:rPr lang="en-US" sz="1600" dirty="0"/>
+              <a:t>Saga Orchestration Pattern’s Benefits</a:t>
+            </a:r>
+          </a:p>
+          <a:p>
+            <a:pPr lvl="1">
+              <a:buFont typeface="Arial" panose="020B0604020202020204" pitchFamily="34" charset="0"/>
+              <a:buChar char="•"/>
             </a:pPr>
             <a:r>
-              <a:rPr lang="en-US" b="1" dirty="0"/>
-              <a:t>Solution</a:t>
-            </a:r>
-          </a:p>
-          <a:p>
-            <a:r>
-              <a:rPr lang="en-US" dirty="0"/>
-              <a:t>Externalize all the configuration, including endpoint URLs and credentials. The application should load them either at startup or on the fly.</a:t>
-            </a:r>
-          </a:p>
-          <a:p>
-            <a:r>
-              <a:rPr lang="en-US" dirty="0"/>
-              <a:t>Spring Cloud </a:t>
-            </a:r>
-            <a:r>
-              <a:rPr lang="en-US" dirty="0" err="1"/>
-              <a:t>config</a:t>
-            </a:r>
-            <a:r>
-              <a:rPr lang="en-US" dirty="0"/>
-              <a:t> server provides the option to externalize the properties to </a:t>
-            </a:r>
-            <a:r>
-              <a:rPr lang="en-US" dirty="0" err="1"/>
-              <a:t>GitHub</a:t>
-            </a:r>
-            <a:r>
-              <a:rPr lang="en-US" dirty="0"/>
-              <a:t> and load them as environment properties. These can be accessed by the application on startup or can be refreshed without a server restart.</a:t>
-            </a:r>
-          </a:p>
-          <a:p>
-            <a:endParaRPr lang="en-US" dirty="0"/>
+              <a:rPr lang="en-US" sz="1600" b="0" i="0" dirty="0">
+                <a:solidFill>
+                  <a:srgbClr val="292929"/>
+                </a:solidFill>
+                <a:effectLst/>
+                <a:latin typeface="source-serif-pro"/>
+              </a:rPr>
+              <a:t>Centralizes the handling of scattered transactions. </a:t>
+            </a:r>
+          </a:p>
+          <a:p>
+            <a:pPr lvl="1">
+              <a:buFont typeface="Arial" panose="020B0604020202020204" pitchFamily="34" charset="0"/>
+              <a:buChar char="•"/>
+            </a:pPr>
+            <a:r>
+              <a:rPr lang="en-US" sz="1600" b="0" i="0" dirty="0">
+                <a:solidFill>
+                  <a:srgbClr val="292929"/>
+                </a:solidFill>
+                <a:effectLst/>
+                <a:latin typeface="source-serif-pro"/>
+              </a:rPr>
+              <a:t>Simple to set up and test. </a:t>
+            </a:r>
+          </a:p>
+          <a:p>
+            <a:pPr lvl="1">
+              <a:buFont typeface="Arial" panose="020B0604020202020204" pitchFamily="34" charset="0"/>
+              <a:buChar char="•"/>
+            </a:pPr>
+            <a:r>
+              <a:rPr lang="en-US" sz="1600" b="0" i="0" dirty="0">
+                <a:solidFill>
+                  <a:srgbClr val="292929"/>
+                </a:solidFill>
+                <a:effectLst/>
+                <a:latin typeface="source-serif-pro"/>
+              </a:rPr>
+              <a:t>Easy rollback administration. </a:t>
+            </a:r>
+          </a:p>
+          <a:p>
+            <a:pPr lvl="1">
+              <a:buFont typeface="Arial" panose="020B0604020202020204" pitchFamily="34" charset="0"/>
+              <a:buChar char="•"/>
+            </a:pPr>
+            <a:r>
+              <a:rPr lang="en-US" sz="1600" b="0" i="0" dirty="0">
+                <a:solidFill>
+                  <a:srgbClr val="292929"/>
+                </a:solidFill>
+                <a:effectLst/>
+                <a:latin typeface="source-serif-pro"/>
+              </a:rPr>
+              <a:t>As new steps are added, the process becomes less complex than the choreographic technique.</a:t>
+            </a:r>
+          </a:p>
+          <a:p>
+            <a:pPr lvl="1">
+              <a:buFont typeface="Arial" panose="020B0604020202020204" pitchFamily="34" charset="0"/>
+              <a:buChar char="•"/>
+            </a:pPr>
+            <a:r>
+              <a:rPr lang="en-US" sz="1600" dirty="0">
+                <a:solidFill>
+                  <a:srgbClr val="292929"/>
+                </a:solidFill>
+                <a:latin typeface="source-serif-pro"/>
+              </a:rPr>
+              <a:t>We</a:t>
+            </a:r>
+            <a:r>
+              <a:rPr lang="en-US" sz="1600" b="0" i="0" dirty="0">
+                <a:solidFill>
+                  <a:srgbClr val="292929"/>
+                </a:solidFill>
+                <a:effectLst/>
+                <a:latin typeface="source-serif-pro"/>
+              </a:rPr>
+              <a:t> have the ability to manage pending transactions. </a:t>
+            </a:r>
+          </a:p>
+          <a:p>
+            <a:pPr lvl="1">
+              <a:buFont typeface="Arial" panose="020B0604020202020204" pitchFamily="34" charset="0"/>
+              <a:buChar char="•"/>
+            </a:pPr>
+            <a:endParaRPr lang="en-US" sz="1600" dirty="0">
+              <a:solidFill>
+                <a:srgbClr val="292929"/>
+              </a:solidFill>
+              <a:latin typeface="source-serif-pro"/>
+            </a:endParaRPr>
+          </a:p>
+          <a:p>
+            <a:pPr lvl="1">
+              <a:buFont typeface="Arial" panose="020B0604020202020204" pitchFamily="34" charset="0"/>
+              <a:buChar char="•"/>
+            </a:pPr>
+            <a:endParaRPr lang="en-US" sz="1600" b="0" i="0" dirty="0">
+              <a:solidFill>
+                <a:srgbClr val="292929"/>
+              </a:solidFill>
+              <a:effectLst/>
+              <a:latin typeface="source-serif-pro"/>
+            </a:endParaRPr>
+          </a:p>
+          <a:p>
+            <a:pPr lvl="1">
+              <a:buFont typeface="Arial" panose="020B0604020202020204" pitchFamily="34" charset="0"/>
+              <a:buChar char="•"/>
+            </a:pPr>
+            <a:endParaRPr lang="en-US" sz="1600" b="0" i="0" dirty="0">
+              <a:solidFill>
+                <a:srgbClr val="292929"/>
+              </a:solidFill>
+              <a:effectLst/>
+              <a:latin typeface="source-serif-pro"/>
+            </a:endParaRPr>
+          </a:p>
+          <a:p>
+            <a:pPr marL="0" indent="0">
+              <a:buNone/>
+            </a:pPr>
+            <a:r>
+              <a:rPr lang="en-US" sz="1600" dirty="0"/>
+              <a:t>Saga Orchestration Pattern’s Drawbacks</a:t>
+            </a:r>
+          </a:p>
+          <a:p>
+            <a:pPr marL="0" indent="0">
+              <a:buNone/>
+            </a:pPr>
+            <a:r>
+              <a:rPr lang="en-US" sz="1600" b="0" i="0" dirty="0">
+                <a:solidFill>
+                  <a:srgbClr val="292929"/>
+                </a:solidFill>
+                <a:effectLst/>
+                <a:latin typeface="source-serif-pro"/>
+              </a:rPr>
+              <a:t>	The complexity of your infrastructure grows when you manage an additional saga orchestrator service. </a:t>
+            </a:r>
+            <a:endParaRPr lang="en-IN" sz="1600" dirty="0"/>
           </a:p>
         </p:txBody>
       </p:sp>
     </p:spTree>
+    <p:extLst>
+      <p:ext uri="{BB962C8B-B14F-4D97-AF65-F5344CB8AC3E}">
+        <p14:creationId xmlns:p14="http://schemas.microsoft.com/office/powerpoint/2010/main" val="4120805443"/>
+      </p:ext>
+    </p:extLst>
   </p:cSld>
   <p:clrMapOvr>
     <a:masterClrMapping/>
@@ -5087,7 +6831,13 @@
       </p:grpSpPr>
       <p:sp>
         <p:nvSpPr>
-          <p:cNvPr id="2" name="Title 1"/>
+          <p:cNvPr id="2" name="Title 1">
+            <a:extLst>
+              <a:ext uri="{FF2B5EF4-FFF2-40B4-BE49-F238E27FC236}">
+                <a16:creationId xmlns:a16="http://schemas.microsoft.com/office/drawing/2014/main" id="{C2DE69A1-6B95-DB98-A969-AAD5B6DA7D09}"/>
+              </a:ext>
+            </a:extLst>
+          </p:cNvPr>
           <p:cNvSpPr>
             <a:spLocks noGrp="1"/>
           </p:cNvSpPr>
@@ -5097,25 +6847,25 @@
         </p:nvSpPr>
         <p:spPr/>
         <p:txBody>
-          <a:bodyPr>
-            <a:normAutofit fontScale="90000"/>
-          </a:bodyPr>
-          <a:lstStyle/>
-          <a:p>
-            <a:r>
-              <a:rPr lang="en-US" b="1" dirty="0"/>
-              <a:t>Service Discovery Pattern</a:t>
-            </a:r>
-            <a:br>
-              <a:rPr lang="en-US" b="1" dirty="0"/>
-            </a:br>
-            <a:endParaRPr lang="en-US" dirty="0"/>
-          </a:p>
-        </p:txBody>
-      </p:sp>
-      <p:sp>
-        <p:nvSpPr>
-          <p:cNvPr id="3" name="Content Placeholder 2"/>
+          <a:bodyPr/>
+          <a:lstStyle/>
+          <a:p>
+            <a:r>
+              <a:rPr lang="en-IN" dirty="0"/>
+              <a:t>Saga Architecture Pattern</a:t>
+            </a:r>
+          </a:p>
+        </p:txBody>
+      </p:sp>
+      <p:sp>
+        <p:nvSpPr>
+          <p:cNvPr id="3" name="Content Placeholder 2">
+            <a:extLst>
+              <a:ext uri="{FF2B5EF4-FFF2-40B4-BE49-F238E27FC236}">
+                <a16:creationId xmlns:a16="http://schemas.microsoft.com/office/drawing/2014/main" id="{D0CA7738-1513-76FC-60A1-F64A1999E15B}"/>
+              </a:ext>
+            </a:extLst>
+          </p:cNvPr>
           <p:cNvSpPr>
             <a:spLocks noGrp="1"/>
           </p:cNvSpPr>
@@ -5125,87 +6875,123 @@
         </p:nvSpPr>
         <p:spPr>
           <a:xfrm>
-            <a:off x="457200" y="1600200"/>
-            <a:ext cx="8507288" cy="4493095"/>
+            <a:off x="509587" y="1450107"/>
+            <a:ext cx="8229600" cy="4525963"/>
           </a:xfrm>
         </p:spPr>
         <p:txBody>
           <a:bodyPr>
-            <a:normAutofit fontScale="47500" lnSpcReduction="20000"/>
+            <a:normAutofit/>
           </a:bodyPr>
           <a:lstStyle/>
           <a:p>
-            <a:pPr>
+            <a:pPr marL="0" indent="0">
               <a:buNone/>
             </a:pPr>
             <a:r>
-              <a:rPr lang="en-US" b="1" dirty="0"/>
-              <a:t>Problem</a:t>
-            </a:r>
-          </a:p>
-          <a:p>
-            <a:r>
-              <a:rPr lang="en-US" dirty="0"/>
-              <a:t>When </a:t>
-            </a:r>
-            <a:r>
-              <a:rPr lang="en-US" dirty="0" err="1"/>
-              <a:t>microservices</a:t>
-            </a:r>
-            <a:r>
-              <a:rPr lang="en-US" dirty="0"/>
-              <a:t> come into the picture, we need to address a few issues in terms of calling services:</a:t>
-            </a:r>
-          </a:p>
-          <a:p>
-            <a:r>
-              <a:rPr lang="en-US" dirty="0"/>
-              <a:t>With container technology, IP addresses are dynamically allocated to the service instances. Every time the address changes, a consumer service can break and need manual changes.</a:t>
-            </a:r>
-          </a:p>
-          <a:p>
-            <a:r>
-              <a:rPr lang="en-US" dirty="0"/>
-              <a:t>Each service URL has to be remembered by the consumer and become tightly coupled.</a:t>
-            </a:r>
-          </a:p>
-          <a:p>
-            <a:r>
-              <a:rPr lang="en-US" dirty="0"/>
-              <a:t>So how does the consumer or router know all the available service instances and locations</a:t>
-            </a:r>
-            <a:r>
-              <a:rPr lang="en-US" dirty="0" smtClean="0"/>
-              <a:t>?</a:t>
-            </a:r>
-          </a:p>
-          <a:p>
-            <a:endParaRPr lang="en-US" dirty="0"/>
-          </a:p>
-          <a:p>
-            <a:endParaRPr lang="en-US" dirty="0"/>
-          </a:p>
-          <a:p>
-            <a:pPr>
-              <a:buNone/>
+              <a:rPr lang="en-US" sz="1600" dirty="0"/>
+              <a:t>Saga Choreography Pattern</a:t>
+            </a:r>
+            <a:endParaRPr lang="en-US" sz="1600" dirty="0">
+              <a:solidFill>
+                <a:srgbClr val="292929"/>
+              </a:solidFill>
+              <a:latin typeface="source-serif-pro"/>
+            </a:endParaRPr>
+          </a:p>
+          <a:p>
+            <a:pPr lvl="1">
+              <a:buFont typeface="Arial" panose="020B0604020202020204" pitchFamily="34" charset="0"/>
+              <a:buChar char="•"/>
             </a:pPr>
             <a:r>
-              <a:rPr lang="en-US" b="1" dirty="0"/>
-              <a:t>Solution</a:t>
-            </a:r>
-          </a:p>
-          <a:p>
-            <a:r>
-              <a:rPr lang="en-US" dirty="0"/>
-              <a:t>A service registry needs to be created which will keep the metadata of each producer service. A service instance should register to the registry when starting and should de-register when shutting down. The consumer or router should query the registry and find out the location of the service. The registry also needs to do a health check of the producer service to ensure that only working instances of the services are available to be consumed through it. There are two types of service discovery: client-side and server-side. An example of client-side discovery is Netflix Eureka and an example of server-side discovery is AWS ALB.</a:t>
-            </a:r>
-          </a:p>
-          <a:p>
-            <a:endParaRPr lang="en-US" dirty="0"/>
-          </a:p>
-        </p:txBody>
-      </p:sp>
+              <a:rPr lang="en-US" sz="1100" b="0" i="0" dirty="0">
+                <a:solidFill>
+                  <a:srgbClr val="292929"/>
+                </a:solidFill>
+                <a:effectLst/>
+                <a:latin typeface="source-serif-pro"/>
+              </a:rPr>
+              <a:t>Microservices work independently but coordinate with each other using cues or events. </a:t>
+            </a:r>
+          </a:p>
+          <a:p>
+            <a:pPr lvl="1">
+              <a:buFont typeface="Arial" panose="020B0604020202020204" pitchFamily="34" charset="0"/>
+              <a:buChar char="•"/>
+            </a:pPr>
+            <a:r>
+              <a:rPr lang="en-US" sz="1100" b="0" i="0" dirty="0">
+                <a:solidFill>
+                  <a:srgbClr val="292929"/>
+                </a:solidFill>
+                <a:effectLst/>
+                <a:latin typeface="source-serif-pro"/>
+              </a:rPr>
+              <a:t>The method of control of the saga or workflow is determined by a predefined set of cues or events.</a:t>
+            </a:r>
+          </a:p>
+          <a:p>
+            <a:pPr marL="457200" lvl="1" indent="0">
+              <a:buNone/>
+            </a:pPr>
+            <a:endParaRPr lang="en-IN" sz="1600" dirty="0"/>
+          </a:p>
+        </p:txBody>
+      </p:sp>
+      <p:pic>
+        <p:nvPicPr>
+          <p:cNvPr id="3074" name="Picture 2">
+            <a:extLst>
+              <a:ext uri="{FF2B5EF4-FFF2-40B4-BE49-F238E27FC236}">
+                <a16:creationId xmlns:a16="http://schemas.microsoft.com/office/drawing/2014/main" id="{3D50553D-0B41-ECCB-E815-7D5944163404}"/>
+              </a:ext>
+            </a:extLst>
+          </p:cNvPr>
+          <p:cNvPicPr>
+            <a:picLocks noChangeAspect="1" noChangeArrowheads="1"/>
+          </p:cNvPicPr>
+          <p:nvPr/>
+        </p:nvPicPr>
+        <p:blipFill>
+          <a:blip r:embed="rId3">
+            <a:extLst>
+              <a:ext uri="{28A0092B-C50C-407E-A947-70E740481C1C}">
+                <a14:useLocalDpi xmlns:a14="http://schemas.microsoft.com/office/drawing/2010/main" val="0"/>
+              </a:ext>
+            </a:extLst>
+          </a:blip>
+          <a:srcRect/>
+          <a:stretch>
+            <a:fillRect/>
+          </a:stretch>
+        </p:blipFill>
+        <p:spPr bwMode="auto">
+          <a:xfrm>
+            <a:off x="1619672" y="2780928"/>
+            <a:ext cx="5823371" cy="3926616"/>
+          </a:xfrm>
+          <a:prstGeom prst="rect">
+            <a:avLst/>
+          </a:prstGeom>
+          <a:noFill/>
+          <a:extLst>
+            <a:ext uri="{909E8E84-426E-40DD-AFC4-6F175D3DCCD1}">
+              <a14:hiddenFill xmlns:a14="http://schemas.microsoft.com/office/drawing/2010/main">
+                <a:solidFill>
+                  <a:srgbClr val="FFFFFF"/>
+                </a:solidFill>
+              </a14:hiddenFill>
+            </a:ext>
+          </a:extLst>
+        </p:spPr>
+      </p:pic>
     </p:spTree>
+    <p:extLst>
+      <p:ext uri="{BB962C8B-B14F-4D97-AF65-F5344CB8AC3E}">
+        <p14:creationId xmlns:p14="http://schemas.microsoft.com/office/powerpoint/2010/main" val="2417884393"/>
+      </p:ext>
+    </p:extLst>
   </p:cSld>
   <p:clrMapOvr>
     <a:masterClrMapping/>
@@ -5232,7 +7018,13 @@
       </p:grpSpPr>
       <p:sp>
         <p:nvSpPr>
-          <p:cNvPr id="2" name="Title 1"/>
+          <p:cNvPr id="2" name="Title 1">
+            <a:extLst>
+              <a:ext uri="{FF2B5EF4-FFF2-40B4-BE49-F238E27FC236}">
+                <a16:creationId xmlns:a16="http://schemas.microsoft.com/office/drawing/2014/main" id="{C2DE69A1-6B95-DB98-A969-AAD5B6DA7D09}"/>
+              </a:ext>
+            </a:extLst>
+          </p:cNvPr>
           <p:cNvSpPr>
             <a:spLocks noGrp="1"/>
           </p:cNvSpPr>
@@ -5242,95 +7034,215 @@
         </p:nvSpPr>
         <p:spPr/>
         <p:txBody>
+          <a:bodyPr/>
+          <a:lstStyle/>
+          <a:p>
+            <a:r>
+              <a:rPr lang="en-IN" dirty="0"/>
+              <a:t>Saga Architecture Pattern</a:t>
+            </a:r>
+          </a:p>
+        </p:txBody>
+      </p:sp>
+      <p:sp>
+        <p:nvSpPr>
+          <p:cNvPr id="3" name="Content Placeholder 2">
+            <a:extLst>
+              <a:ext uri="{FF2B5EF4-FFF2-40B4-BE49-F238E27FC236}">
+                <a16:creationId xmlns:a16="http://schemas.microsoft.com/office/drawing/2014/main" id="{D0CA7738-1513-76FC-60A1-F64A1999E15B}"/>
+              </a:ext>
+            </a:extLst>
+          </p:cNvPr>
+          <p:cNvSpPr>
+            <a:spLocks noGrp="1"/>
+          </p:cNvSpPr>
+          <p:nvPr>
+            <p:ph idx="1"/>
+          </p:nvPr>
+        </p:nvSpPr>
+        <p:spPr>
+          <a:xfrm>
+            <a:off x="509587" y="1450107"/>
+            <a:ext cx="8229600" cy="4525963"/>
+          </a:xfrm>
+        </p:spPr>
+        <p:txBody>
           <a:bodyPr>
-            <a:normAutofit fontScale="90000"/>
+            <a:normAutofit lnSpcReduction="10000"/>
           </a:bodyPr>
           <a:lstStyle/>
           <a:p>
-            <a:r>
-              <a:rPr lang="en-US" b="1" dirty="0"/>
-              <a:t>Circuit Breaker Pattern</a:t>
-            </a:r>
-            <a:br>
-              <a:rPr lang="en-US" b="1" dirty="0"/>
-            </a:br>
-            <a:endParaRPr lang="en-US" dirty="0"/>
-          </a:p>
-        </p:txBody>
-      </p:sp>
-      <p:sp>
-        <p:nvSpPr>
-          <p:cNvPr id="3" name="Content Placeholder 2"/>
-          <p:cNvSpPr>
-            <a:spLocks noGrp="1"/>
-          </p:cNvSpPr>
-          <p:nvPr>
-            <p:ph idx="1"/>
-          </p:nvPr>
-        </p:nvSpPr>
-        <p:spPr/>
-        <p:txBody>
-          <a:bodyPr>
-            <a:normAutofit fontScale="47500" lnSpcReduction="20000"/>
-          </a:bodyPr>
-          <a:lstStyle/>
-          <a:p>
-            <a:pPr>
+            <a:pPr marL="457200" lvl="1" indent="0">
               <a:buNone/>
             </a:pPr>
             <a:r>
-              <a:rPr lang="en-US" b="1" dirty="0"/>
-              <a:t>Problem</a:t>
-            </a:r>
-          </a:p>
-          <a:p>
-            <a:r>
-              <a:rPr lang="en-US" dirty="0"/>
-              <a:t>A service generally calls other services to retrieve data, and there is the chance that the downstream service may be down. There are two problems with this: first, the request will keep going to the down service, exhausting network resources and slowing performance. Second, the user experience will be bad and unpredictable. How do we avoid cascading service failures and handle failures gracefully?</a:t>
-            </a:r>
-          </a:p>
-          <a:p>
-            <a:pPr>
+              <a:rPr lang="en-US" sz="1600" b="1" i="0" dirty="0">
+                <a:solidFill>
+                  <a:srgbClr val="292929"/>
+                </a:solidFill>
+                <a:effectLst/>
+              </a:rPr>
+              <a:t>Saga Choreography Pattern </a:t>
+            </a:r>
+          </a:p>
+          <a:p>
+            <a:pPr marL="457200" lvl="1" indent="0">
               <a:buNone/>
             </a:pPr>
-            <a:endParaRPr lang="en-US" b="1" dirty="0" smtClean="0"/>
-          </a:p>
-          <a:p>
-            <a:pPr>
-              <a:buNone/>
+            <a:r>
+              <a:rPr lang="en-US" sz="1600" b="1" i="0" dirty="0">
+                <a:solidFill>
+                  <a:srgbClr val="292929"/>
+                </a:solidFill>
+                <a:effectLst/>
+              </a:rPr>
+              <a:t>Benefits :</a:t>
+            </a:r>
+          </a:p>
+          <a:p>
+            <a:pPr lvl="1">
+              <a:buFont typeface="Arial" panose="020B0604020202020204" pitchFamily="34" charset="0"/>
+              <a:buChar char="•"/>
             </a:pPr>
             <a:r>
-              <a:rPr lang="en-US" b="1" dirty="0" smtClean="0"/>
-              <a:t>Solution</a:t>
-            </a:r>
-            <a:endParaRPr lang="en-US" b="1" dirty="0"/>
-          </a:p>
-          <a:p>
-            <a:r>
-              <a:rPr lang="en-US" dirty="0"/>
-              <a:t>The consumer should invoke a remote service via a proxy that behaves in a similar fashion to an electrical circuit breaker. When the number of consecutive failures crosses a threshold, the circuit breaker trips, and for the duration of a timeout period, all attempts to invoke the remote service will fail immediately. After the timeout expires the circuit breaker allows a limited number of test requests to pass through. If those requests succeed, the circuit breaker resumes normal operation. Otherwise, if there is a failure, the timeout period begins again.</a:t>
-            </a:r>
-          </a:p>
-          <a:p>
-            <a:r>
-              <a:rPr lang="en-US" dirty="0"/>
-              <a:t>Netflix </a:t>
-            </a:r>
-            <a:r>
-              <a:rPr lang="en-US" dirty="0" err="1"/>
-              <a:t>Hystrix</a:t>
-            </a:r>
-            <a:r>
-              <a:rPr lang="en-US" dirty="0"/>
-              <a:t> is a good implementation of the circuit breaker pattern. It also helps you to define a fallback mechanism which can be used when the circuit breaker trips. That provides a better user experience.</a:t>
-            </a:r>
-          </a:p>
-          <a:p>
-            <a:endParaRPr lang="en-US" dirty="0"/>
+              <a:rPr lang="en-US" sz="1600" b="0" i="0" dirty="0">
+                <a:solidFill>
+                  <a:srgbClr val="292929"/>
+                </a:solidFill>
+                <a:effectLst/>
+              </a:rPr>
+              <a:t>Simple to understand and install into an existing system because the services that trigger the event are distinct from each other. </a:t>
+            </a:r>
+          </a:p>
+          <a:p>
+            <a:pPr lvl="1">
+              <a:buFont typeface="Arial" panose="020B0604020202020204" pitchFamily="34" charset="0"/>
+              <a:buChar char="•"/>
+            </a:pPr>
+            <a:r>
+              <a:rPr lang="en-US" sz="1600" b="0" i="0" dirty="0">
+                <a:solidFill>
+                  <a:srgbClr val="292929"/>
+                </a:solidFill>
+                <a:effectLst/>
+              </a:rPr>
+              <a:t>It can be quite useful if your procedure has two to four steps. </a:t>
+            </a:r>
+          </a:p>
+          <a:p>
+            <a:pPr marL="457200" lvl="1" indent="0">
+              <a:buNone/>
+            </a:pPr>
+            <a:r>
+              <a:rPr lang="en-US" sz="1600" b="1" i="0" dirty="0">
+                <a:solidFill>
+                  <a:srgbClr val="292929"/>
+                </a:solidFill>
+                <a:effectLst/>
+              </a:rPr>
+              <a:t>Drawbacks :</a:t>
+            </a:r>
+          </a:p>
+          <a:p>
+            <a:pPr lvl="1">
+              <a:buFont typeface="Arial" panose="020B0604020202020204" pitchFamily="34" charset="0"/>
+              <a:buChar char="•"/>
+            </a:pPr>
+            <a:r>
+              <a:rPr lang="en-US" sz="1600" b="0" i="0" dirty="0">
+                <a:solidFill>
+                  <a:srgbClr val="292929"/>
+                </a:solidFill>
+                <a:effectLst/>
+              </a:rPr>
+              <a:t>However, keeping track of which service is listening to which events can grow more complex as the flow becomes more complex.</a:t>
+            </a:r>
+          </a:p>
+          <a:p>
+            <a:pPr lvl="1">
+              <a:buFont typeface="Arial" panose="020B0604020202020204" pitchFamily="34" charset="0"/>
+              <a:buChar char="•"/>
+            </a:pPr>
+            <a:r>
+              <a:rPr lang="en-US" sz="1600" b="0" i="0" dirty="0">
+                <a:solidFill>
+                  <a:srgbClr val="292929"/>
+                </a:solidFill>
+                <a:effectLst/>
+              </a:rPr>
+              <a:t>As services must subscribe to one another, there may be cyclical dependencies. </a:t>
+            </a:r>
+          </a:p>
+          <a:p>
+            <a:pPr lvl="1">
+              <a:buFont typeface="Arial" panose="020B0604020202020204" pitchFamily="34" charset="0"/>
+              <a:buChar char="•"/>
+            </a:pPr>
+            <a:r>
+              <a:rPr lang="en-US" sz="1600" b="0" i="0" dirty="0">
+                <a:solidFill>
+                  <a:srgbClr val="292929"/>
+                </a:solidFill>
+                <a:effectLst/>
+              </a:rPr>
+              <a:t>Testing is tough since all services must be operational in order to thoroughly test the system. </a:t>
+            </a:r>
+          </a:p>
+          <a:p>
+            <a:pPr marL="457200" lvl="1" indent="0">
+              <a:buNone/>
+            </a:pPr>
+            <a:endParaRPr lang="en-US" sz="1600" dirty="0">
+              <a:solidFill>
+                <a:srgbClr val="292929"/>
+              </a:solidFill>
+            </a:endParaRPr>
+          </a:p>
+          <a:p>
+            <a:pPr marL="457200" lvl="1" indent="0">
+              <a:buNone/>
+            </a:pPr>
+            <a:endParaRPr lang="en-US" sz="1600" dirty="0">
+              <a:solidFill>
+                <a:srgbClr val="292929"/>
+              </a:solidFill>
+            </a:endParaRPr>
+          </a:p>
+          <a:p>
+            <a:pPr marL="457200" lvl="1" indent="0">
+              <a:buNone/>
+            </a:pPr>
+            <a:r>
+              <a:rPr lang="en-US" sz="1600" b="1" i="1" dirty="0">
+                <a:solidFill>
+                  <a:srgbClr val="292929"/>
+                </a:solidFill>
+              </a:rPr>
+              <a:t>Note:  The Axon Saga framework can be used to implement Saga patterns. </a:t>
+            </a:r>
+          </a:p>
+          <a:p>
+            <a:pPr marL="457200" lvl="1" indent="0">
+              <a:buNone/>
+            </a:pPr>
+            <a:r>
+              <a:rPr lang="en-US" sz="1600" b="1" i="1" dirty="0">
+                <a:solidFill>
+                  <a:srgbClr val="292929"/>
+                </a:solidFill>
+              </a:rPr>
+              <a:t>	   The Axon Saga framework is a Spring Boot-based lightweight saga pattern framework. </a:t>
+            </a:r>
+            <a:endParaRPr lang="en-IN" sz="1600" b="1" i="1" dirty="0"/>
           </a:p>
         </p:txBody>
       </p:sp>
     </p:spTree>
+    <p:extLst>
+      <p:ext uri="{BB962C8B-B14F-4D97-AF65-F5344CB8AC3E}">
+        <p14:creationId xmlns:p14="http://schemas.microsoft.com/office/powerpoint/2010/main" val="1520218481"/>
+      </p:ext>
+    </p:extLst>
   </p:cSld>
   <p:clrMapOvr>
     <a:masterClrMapping/>
@@ -5357,6 +7269,385 @@
       </p:grpSpPr>
       <p:sp>
         <p:nvSpPr>
+          <p:cNvPr id="2" name="Title 1">
+            <a:extLst>
+              <a:ext uri="{FF2B5EF4-FFF2-40B4-BE49-F238E27FC236}">
+                <a16:creationId xmlns:a16="http://schemas.microsoft.com/office/drawing/2014/main" id="{C2DE69A1-6B95-DB98-A969-AAD5B6DA7D09}"/>
+              </a:ext>
+            </a:extLst>
+          </p:cNvPr>
+          <p:cNvSpPr>
+            <a:spLocks noGrp="1"/>
+          </p:cNvSpPr>
+          <p:nvPr>
+            <p:ph type="title"/>
+          </p:nvPr>
+        </p:nvSpPr>
+        <p:spPr/>
+        <p:txBody>
+          <a:bodyPr/>
+          <a:lstStyle/>
+          <a:p>
+            <a:r>
+              <a:rPr lang="en-IN" dirty="0"/>
+              <a:t>Saga Architecture Pattern</a:t>
+            </a:r>
+          </a:p>
+        </p:txBody>
+      </p:sp>
+      <p:sp>
+        <p:nvSpPr>
+          <p:cNvPr id="3" name="Content Placeholder 2">
+            <a:extLst>
+              <a:ext uri="{FF2B5EF4-FFF2-40B4-BE49-F238E27FC236}">
+                <a16:creationId xmlns:a16="http://schemas.microsoft.com/office/drawing/2014/main" id="{D0CA7738-1513-76FC-60A1-F64A1999E15B}"/>
+              </a:ext>
+            </a:extLst>
+          </p:cNvPr>
+          <p:cNvSpPr>
+            <a:spLocks noGrp="1"/>
+          </p:cNvSpPr>
+          <p:nvPr>
+            <p:ph idx="1"/>
+          </p:nvPr>
+        </p:nvSpPr>
+        <p:spPr>
+          <a:xfrm>
+            <a:off x="509587" y="1450107"/>
+            <a:ext cx="8229600" cy="4525963"/>
+          </a:xfrm>
+        </p:spPr>
+        <p:txBody>
+          <a:bodyPr>
+            <a:normAutofit/>
+          </a:bodyPr>
+          <a:lstStyle/>
+          <a:p>
+            <a:pPr marL="457200" lvl="1" indent="0">
+              <a:buNone/>
+            </a:pPr>
+            <a:r>
+              <a:rPr lang="en-US" sz="2000" b="1" i="0" dirty="0">
+                <a:solidFill>
+                  <a:srgbClr val="292929"/>
+                </a:solidFill>
+                <a:effectLst/>
+              </a:rPr>
+              <a:t>Which Saga Pattern to use?</a:t>
+            </a:r>
+          </a:p>
+          <a:p>
+            <a:pPr marL="457200" lvl="1" indent="0">
+              <a:buNone/>
+            </a:pPr>
+            <a:endParaRPr lang="en-US" sz="2000" b="1" i="0" dirty="0">
+              <a:solidFill>
+                <a:srgbClr val="292929"/>
+              </a:solidFill>
+              <a:effectLst/>
+            </a:endParaRPr>
+          </a:p>
+          <a:p>
+            <a:pPr lvl="2"/>
+            <a:r>
+              <a:rPr lang="en-US" sz="1800" b="1" i="0" dirty="0">
+                <a:solidFill>
+                  <a:srgbClr val="292929"/>
+                </a:solidFill>
+                <a:effectLst/>
+              </a:rPr>
+              <a:t>System complexity</a:t>
+            </a:r>
+          </a:p>
+          <a:p>
+            <a:pPr lvl="2"/>
+            <a:r>
+              <a:rPr lang="en-US" sz="1800" b="1" i="0" dirty="0">
+                <a:solidFill>
+                  <a:srgbClr val="292929"/>
+                </a:solidFill>
+                <a:effectLst/>
+              </a:rPr>
+              <a:t>Coordination requirements</a:t>
+            </a:r>
+            <a:endParaRPr lang="en-US" sz="1800" b="0" i="0" dirty="0">
+              <a:solidFill>
+                <a:srgbClr val="292929"/>
+              </a:solidFill>
+              <a:effectLst/>
+            </a:endParaRPr>
+          </a:p>
+          <a:p>
+            <a:pPr lvl="2"/>
+            <a:r>
+              <a:rPr lang="en-US" sz="1800" b="1" i="0" dirty="0">
+                <a:solidFill>
+                  <a:srgbClr val="292929"/>
+                </a:solidFill>
+                <a:effectLst/>
+              </a:rPr>
+              <a:t>Fault tolerance and scalability</a:t>
+            </a:r>
+            <a:endParaRPr lang="en-US" sz="1800" b="0" i="0" dirty="0">
+              <a:solidFill>
+                <a:srgbClr val="292929"/>
+              </a:solidFill>
+              <a:effectLst/>
+            </a:endParaRPr>
+          </a:p>
+          <a:p>
+            <a:pPr lvl="2"/>
+            <a:r>
+              <a:rPr lang="en-US" sz="1800" b="1" i="0" dirty="0">
+                <a:solidFill>
+                  <a:srgbClr val="292929"/>
+                </a:solidFill>
+                <a:effectLst/>
+              </a:rPr>
+              <a:t>Centralization vs. decentralization trade-offs</a:t>
+            </a:r>
+            <a:endParaRPr lang="en-IN" sz="1800" b="1" i="1" dirty="0"/>
+          </a:p>
+        </p:txBody>
+      </p:sp>
+    </p:spTree>
+    <p:extLst>
+      <p:ext uri="{BB962C8B-B14F-4D97-AF65-F5344CB8AC3E}">
+        <p14:creationId xmlns:p14="http://schemas.microsoft.com/office/powerpoint/2010/main" val="692138185"/>
+      </p:ext>
+    </p:extLst>
+  </p:cSld>
+  <p:clrMapOvr>
+    <a:masterClrMapping/>
+  </p:clrMapOvr>
+</p:sld>
+</file>
+
+<file path=ppt/slides/slide27.xml><?xml version="1.0" encoding="utf-8"?>
+<p:sld xmlns:a="http://schemas.openxmlformats.org/drawingml/2006/main" xmlns:r="http://schemas.openxmlformats.org/officeDocument/2006/relationships" xmlns:p="http://schemas.openxmlformats.org/presentationml/2006/main">
+  <p:cSld>
+    <p:spTree>
+      <p:nvGrpSpPr>
+        <p:cNvPr id="1" name=""/>
+        <p:cNvGrpSpPr/>
+        <p:nvPr/>
+      </p:nvGrpSpPr>
+      <p:grpSpPr>
+        <a:xfrm>
+          <a:off x="0" y="0"/>
+          <a:ext cx="0" cy="0"/>
+          <a:chOff x="0" y="0"/>
+          <a:chExt cx="0" cy="0"/>
+        </a:xfrm>
+      </p:grpSpPr>
+      <p:sp>
+        <p:nvSpPr>
+          <p:cNvPr id="2" name="Title 1">
+            <a:extLst>
+              <a:ext uri="{FF2B5EF4-FFF2-40B4-BE49-F238E27FC236}">
+                <a16:creationId xmlns:a16="http://schemas.microsoft.com/office/drawing/2014/main" id="{C2DE69A1-6B95-DB98-A969-AAD5B6DA7D09}"/>
+              </a:ext>
+            </a:extLst>
+          </p:cNvPr>
+          <p:cNvSpPr>
+            <a:spLocks noGrp="1"/>
+          </p:cNvSpPr>
+          <p:nvPr>
+            <p:ph type="title"/>
+          </p:nvPr>
+        </p:nvSpPr>
+        <p:spPr/>
+        <p:txBody>
+          <a:bodyPr/>
+          <a:lstStyle/>
+          <a:p>
+            <a:r>
+              <a:rPr lang="en-IN" dirty="0"/>
+              <a:t>Saga Architecture Pattern</a:t>
+            </a:r>
+          </a:p>
+        </p:txBody>
+      </p:sp>
+      <p:sp>
+        <p:nvSpPr>
+          <p:cNvPr id="3" name="Content Placeholder 2">
+            <a:extLst>
+              <a:ext uri="{FF2B5EF4-FFF2-40B4-BE49-F238E27FC236}">
+                <a16:creationId xmlns:a16="http://schemas.microsoft.com/office/drawing/2014/main" id="{D0CA7738-1513-76FC-60A1-F64A1999E15B}"/>
+              </a:ext>
+            </a:extLst>
+          </p:cNvPr>
+          <p:cNvSpPr>
+            <a:spLocks noGrp="1"/>
+          </p:cNvSpPr>
+          <p:nvPr>
+            <p:ph idx="1"/>
+          </p:nvPr>
+        </p:nvSpPr>
+        <p:spPr>
+          <a:xfrm>
+            <a:off x="509587" y="1450107"/>
+            <a:ext cx="8229600" cy="4525963"/>
+          </a:xfrm>
+        </p:spPr>
+        <p:txBody>
+          <a:bodyPr>
+            <a:normAutofit/>
+          </a:bodyPr>
+          <a:lstStyle/>
+          <a:p>
+            <a:pPr marL="457200" lvl="1" indent="0">
+              <a:buNone/>
+            </a:pPr>
+            <a:r>
+              <a:rPr lang="en-US" sz="2000" b="1" i="0" dirty="0">
+                <a:solidFill>
+                  <a:srgbClr val="292929"/>
+                </a:solidFill>
+                <a:effectLst/>
+              </a:rPr>
+              <a:t>Implementing Choreography-based Saga Pattern in Spring Boot</a:t>
+            </a:r>
+          </a:p>
+          <a:p>
+            <a:pPr marL="457200" lvl="1" indent="0">
+              <a:buNone/>
+            </a:pPr>
+            <a:endParaRPr lang="en-US" sz="2000" b="1" dirty="0">
+              <a:solidFill>
+                <a:srgbClr val="292929"/>
+              </a:solidFill>
+            </a:endParaRPr>
+          </a:p>
+          <a:p>
+            <a:pPr marL="457200" lvl="1" indent="0">
+              <a:buNone/>
+            </a:pPr>
+            <a:r>
+              <a:rPr lang="en-IN" sz="1800" b="1" dirty="0"/>
+              <a:t>Event Sourcing</a:t>
+            </a:r>
+          </a:p>
+          <a:p>
+            <a:pPr marL="857250" lvl="2" indent="0">
+              <a:buNone/>
+            </a:pPr>
+            <a:r>
+              <a:rPr lang="en-US" sz="1400" dirty="0"/>
+              <a:t>Every change in an application’s state is recorded as an event. </a:t>
+            </a:r>
+          </a:p>
+          <a:p>
+            <a:pPr marL="857250" lvl="2" indent="0">
+              <a:buNone/>
+            </a:pPr>
+            <a:r>
+              <a:rPr lang="en-US" sz="1400" dirty="0"/>
+              <a:t>This event is saved in the database/event store (for tracking purposes) and is also broadcast on the event bus for consumption by other parties. </a:t>
+            </a:r>
+          </a:p>
+          <a:p>
+            <a:pPr marL="857250" lvl="2" indent="0">
+              <a:buNone/>
+            </a:pPr>
+            <a:endParaRPr lang="en-US" sz="1400" dirty="0"/>
+          </a:p>
+          <a:p>
+            <a:pPr marL="857250" lvl="2" indent="0">
+              <a:buNone/>
+            </a:pPr>
+            <a:r>
+              <a:rPr lang="en-US" sz="1400" b="1" dirty="0"/>
+              <a:t>Example</a:t>
+            </a:r>
+          </a:p>
+          <a:p>
+            <a:pPr marL="857250" lvl="2" indent="0">
+              <a:buNone/>
+            </a:pPr>
+            <a:endParaRPr lang="en-IN" sz="1400" dirty="0"/>
+          </a:p>
+        </p:txBody>
+      </p:sp>
+      <p:pic>
+        <p:nvPicPr>
+          <p:cNvPr id="4098" name="Picture 2">
+            <a:extLst>
+              <a:ext uri="{FF2B5EF4-FFF2-40B4-BE49-F238E27FC236}">
+                <a16:creationId xmlns:a16="http://schemas.microsoft.com/office/drawing/2014/main" id="{4960FAA1-C938-41F6-0333-A9ABB1E204A0}"/>
+              </a:ext>
+            </a:extLst>
+          </p:cNvPr>
+          <p:cNvPicPr>
+            <a:picLocks noChangeAspect="1" noChangeArrowheads="1"/>
+          </p:cNvPicPr>
+          <p:nvPr/>
+        </p:nvPicPr>
+        <p:blipFill>
+          <a:blip r:embed="rId3">
+            <a:extLst>
+              <a:ext uri="{28A0092B-C50C-407E-A947-70E740481C1C}">
+                <a14:useLocalDpi xmlns:a14="http://schemas.microsoft.com/office/drawing/2010/main" val="0"/>
+              </a:ext>
+            </a:extLst>
+          </a:blip>
+          <a:srcRect/>
+          <a:stretch>
+            <a:fillRect/>
+          </a:stretch>
+        </p:blipFill>
+        <p:spPr bwMode="auto">
+          <a:xfrm>
+            <a:off x="1907704" y="3992674"/>
+            <a:ext cx="5786526" cy="2830438"/>
+          </a:xfrm>
+          <a:prstGeom prst="rect">
+            <a:avLst/>
+          </a:prstGeom>
+          <a:noFill/>
+          <a:extLst>
+            <a:ext uri="{909E8E84-426E-40DD-AFC4-6F175D3DCCD1}">
+              <a14:hiddenFill xmlns:a14="http://schemas.microsoft.com/office/drawing/2010/main">
+                <a:solidFill>
+                  <a:srgbClr val="FFFFFF"/>
+                </a:solidFill>
+              </a14:hiddenFill>
+            </a:ext>
+          </a:extLst>
+        </p:spPr>
+      </p:pic>
+    </p:spTree>
+    <p:extLst>
+      <p:ext uri="{BB962C8B-B14F-4D97-AF65-F5344CB8AC3E}">
+        <p14:creationId xmlns:p14="http://schemas.microsoft.com/office/powerpoint/2010/main" val="2138629773"/>
+      </p:ext>
+    </p:extLst>
+  </p:cSld>
+  <p:clrMapOvr>
+    <a:masterClrMapping/>
+  </p:clrMapOvr>
+</p:sld>
+</file>
+
+<file path=ppt/slides/slide28.xml><?xml version="1.0" encoding="utf-8"?>
+<p:sld xmlns:a="http://schemas.openxmlformats.org/drawingml/2006/main" xmlns:r="http://schemas.openxmlformats.org/officeDocument/2006/relationships" xmlns:p="http://schemas.openxmlformats.org/presentationml/2006/main">
+  <p:cSld>
+    <p:spTree>
+      <p:nvGrpSpPr>
+        <p:cNvPr id="1" name=""/>
+        <p:cNvGrpSpPr/>
+        <p:nvPr/>
+      </p:nvGrpSpPr>
+      <p:grpSpPr>
+        <a:xfrm>
+          <a:off x="0" y="0"/>
+          <a:ext cx="0" cy="0"/>
+          <a:chOff x="0" y="0"/>
+          <a:chExt cx="0" cy="0"/>
+        </a:xfrm>
+      </p:grpSpPr>
+      <p:sp>
+        <p:nvSpPr>
           <p:cNvPr id="2" name="Title 1"/>
           <p:cNvSpPr>
             <a:spLocks noGrp="1"/>
@@ -5367,13 +7658,115 @@
         </p:nvSpPr>
         <p:spPr/>
         <p:txBody>
+          <a:bodyPr>
+            <a:normAutofit fontScale="90000"/>
+          </a:bodyPr>
+          <a:lstStyle/>
+          <a:p>
+            <a:r>
+              <a:rPr lang="en-US" b="1" dirty="0"/>
+              <a:t>Observability Patterns</a:t>
+            </a:r>
+            <a:br>
+              <a:rPr lang="en-US" b="1" dirty="0"/>
+            </a:br>
+            <a:endParaRPr lang="en-US" dirty="0"/>
+          </a:p>
+        </p:txBody>
+      </p:sp>
+      <p:sp>
+        <p:nvSpPr>
+          <p:cNvPr id="3" name="Content Placeholder 2"/>
+          <p:cNvSpPr>
+            <a:spLocks noGrp="1"/>
+          </p:cNvSpPr>
+          <p:nvPr>
+            <p:ph idx="1"/>
+          </p:nvPr>
+        </p:nvSpPr>
+        <p:spPr/>
+        <p:txBody>
           <a:bodyPr/>
           <a:lstStyle/>
           <a:p>
             <a:r>
               <a:rPr lang="en-US" b="1" dirty="0"/>
-              <a:t>Blue-Green Deployment Pattern</a:t>
-            </a:r>
+              <a:t>Log Aggregation</a:t>
+            </a:r>
+          </a:p>
+          <a:p>
+            <a:r>
+              <a:rPr lang="en-US" b="1" dirty="0"/>
+              <a:t>Performance Metrics</a:t>
+            </a:r>
+          </a:p>
+          <a:p>
+            <a:r>
+              <a:rPr lang="en-US" b="1" dirty="0"/>
+              <a:t>Distributed Tracing</a:t>
+            </a:r>
+          </a:p>
+          <a:p>
+            <a:r>
+              <a:rPr lang="en-US" b="1" dirty="0"/>
+              <a:t>Health Check</a:t>
+            </a:r>
+          </a:p>
+          <a:p>
+            <a:endParaRPr lang="en-US" dirty="0"/>
+          </a:p>
+        </p:txBody>
+      </p:sp>
+    </p:spTree>
+  </p:cSld>
+  <p:clrMapOvr>
+    <a:masterClrMapping/>
+  </p:clrMapOvr>
+</p:sld>
+</file>
+
+<file path=ppt/slides/slide29.xml><?xml version="1.0" encoding="utf-8"?>
+<p:sld xmlns:a="http://schemas.openxmlformats.org/drawingml/2006/main" xmlns:r="http://schemas.openxmlformats.org/officeDocument/2006/relationships" xmlns:p="http://schemas.openxmlformats.org/presentationml/2006/main">
+  <p:cSld>
+    <p:spTree>
+      <p:nvGrpSpPr>
+        <p:cNvPr id="1" name=""/>
+        <p:cNvGrpSpPr/>
+        <p:nvPr/>
+      </p:nvGrpSpPr>
+      <p:grpSpPr>
+        <a:xfrm>
+          <a:off x="0" y="0"/>
+          <a:ext cx="0" cy="0"/>
+          <a:chOff x="0" y="0"/>
+          <a:chExt cx="0" cy="0"/>
+        </a:xfrm>
+      </p:grpSpPr>
+      <p:sp>
+        <p:nvSpPr>
+          <p:cNvPr id="2" name="Title 1"/>
+          <p:cNvSpPr>
+            <a:spLocks noGrp="1"/>
+          </p:cNvSpPr>
+          <p:nvPr>
+            <p:ph type="title"/>
+          </p:nvPr>
+        </p:nvSpPr>
+        <p:spPr/>
+        <p:txBody>
+          <a:bodyPr>
+            <a:normAutofit fontScale="90000"/>
+          </a:bodyPr>
+          <a:lstStyle/>
+          <a:p>
+            <a:r>
+              <a:rPr lang="en-US" b="1" dirty="0"/>
+              <a:t>Log Aggregation</a:t>
+            </a:r>
+            <a:br>
+              <a:rPr lang="en-US" b="1" dirty="0"/>
+            </a:br>
+            <a:endParaRPr lang="en-US" dirty="0"/>
           </a:p>
         </p:txBody>
       </p:sp>
@@ -5390,7 +7783,7 @@
         <p:spPr/>
         <p:txBody>
           <a:bodyPr>
-            <a:normAutofit fontScale="55000" lnSpcReduction="20000"/>
+            <a:normAutofit fontScale="70000" lnSpcReduction="20000"/>
           </a:bodyPr>
           <a:lstStyle/>
           <a:p>
@@ -5405,23 +7798,7 @@
           <a:p>
             <a:r>
               <a:rPr lang="en-US" dirty="0"/>
-              <a:t>With </a:t>
-            </a:r>
-            <a:r>
-              <a:rPr lang="en-US" dirty="0" err="1"/>
-              <a:t>microservice</a:t>
-            </a:r>
-            <a:r>
-              <a:rPr lang="en-US" dirty="0"/>
-              <a:t> architecture, one application can have many </a:t>
-            </a:r>
-            <a:r>
-              <a:rPr lang="en-US" dirty="0" err="1"/>
-              <a:t>microservices</a:t>
-            </a:r>
-            <a:r>
-              <a:rPr lang="en-US" dirty="0"/>
-              <a:t>. If we stop all the services then deploy an enhanced version, the downtime will be huge and can impact the business. Also, the rollback will be a nightmare. How do we avoid or reduce downtime of the services during deployment?</a:t>
+              <a:t>Consider a use case where an application consists of multiple service instances that are running on multiple machines. Requests often span multiple service instances. Each service instance generates a log file in a standardized format. How can we understand the application behavior through logs for a particular request?</a:t>
             </a:r>
           </a:p>
           <a:p>
@@ -5436,60 +7813,23 @@
           <a:p>
             <a:r>
               <a:rPr lang="en-US" dirty="0"/>
-              <a:t>The blue-green deployment strategy can be implemented to reduce or remove downtime. It achieves this by running two identical production environments, Blue and Green. Let's assume Green is the existing live instance and Blue is the new version of the application. At any time, only one of the environments is live, with the live environment serving all production traffic. All cloud platforms provide options for implementing a blue-green deployment. </a:t>
-            </a:r>
-            <a:endParaRPr lang="en-US" dirty="0" smtClean="0"/>
-          </a:p>
-          <a:p>
-            <a:pPr>
-              <a:buNone/>
-            </a:pPr>
-            <a:endParaRPr lang="en-US" dirty="0"/>
-          </a:p>
-          <a:p>
-            <a:r>
-              <a:rPr lang="en-US" dirty="0"/>
-              <a:t>There are many other patterns used with </a:t>
+              <a:t>We need a centralized logging service that aggregates logs from each service instance. Users can search and analyze the logs. They can configure alerts that are triggered when certain messages appear in the logs. For example, PCF does have </a:t>
             </a:r>
             <a:r>
               <a:rPr lang="en-US" dirty="0" err="1"/>
-              <a:t>microservice</a:t>
-            </a:r>
-            <a:r>
-              <a:rPr lang="en-US" dirty="0"/>
-              <a:t> architecture, like Sidecar, Chained </a:t>
+              <a:t>Loggeregator</a:t>
+            </a:r>
+            <a:r>
+              <a:rPr lang="en-US" dirty="0"/>
+              <a:t>, which collects logs from each component (router, controller, </a:t>
             </a:r>
             <a:r>
               <a:rPr lang="en-US" dirty="0" err="1"/>
-              <a:t>Microservice</a:t>
-            </a:r>
-            <a:r>
-              <a:rPr lang="en-US" dirty="0"/>
-              <a:t>, Branch </a:t>
-            </a:r>
-            <a:r>
-              <a:rPr lang="en-US" dirty="0" err="1"/>
-              <a:t>Microservice</a:t>
-            </a:r>
-            <a:r>
-              <a:rPr lang="en-US" dirty="0"/>
-              <a:t>, Event Sourcing Pattern, Continuous Delivery Patterns, and more. The list keeps growing as we get more experience with </a:t>
-            </a:r>
-            <a:r>
-              <a:rPr lang="en-US" dirty="0" err="1"/>
-              <a:t>microservices</a:t>
-            </a:r>
-            <a:r>
-              <a:rPr lang="en-US" dirty="0"/>
-              <a:t>. I am stopping now to hear back from you on what </a:t>
-            </a:r>
-            <a:r>
-              <a:rPr lang="en-US" dirty="0" err="1"/>
-              <a:t>microservice</a:t>
-            </a:r>
-            <a:r>
-              <a:rPr lang="en-US" dirty="0"/>
-              <a:t> patterns you are using.</a:t>
+              <a:t>diego</a:t>
+            </a:r>
+            <a:r>
+              <a:rPr lang="en-US" dirty="0"/>
+              <a:t>, etc...) of the PCF platform along with applications. AWS Cloud Watch also does the same.</a:t>
             </a:r>
           </a:p>
           <a:p>
@@ -5540,18 +7880,17 @@
           <a:lstStyle/>
           <a:p>
             <a:r>
-              <a:rPr lang="en-US" dirty="0" smtClean="0"/>
+              <a:rPr lang="en-US" dirty="0"/>
               <a:t>Principles Used to Design </a:t>
             </a:r>
             <a:r>
-              <a:rPr lang="en-US" dirty="0" err="1" smtClean="0"/>
+              <a:rPr lang="en-US" dirty="0" err="1"/>
               <a:t>Microservice</a:t>
             </a:r>
             <a:r>
-              <a:rPr lang="en-US" dirty="0" smtClean="0"/>
+              <a:rPr lang="en-US" dirty="0"/>
               <a:t> Architecture</a:t>
             </a:r>
-            <a:endParaRPr lang="en-US" dirty="0"/>
           </a:p>
         </p:txBody>
       </p:sp>
@@ -5651,6 +7990,1077 @@
             <a:r>
               <a:rPr lang="en-US" dirty="0"/>
               <a:t>Auto -Provisioning</a:t>
+            </a:r>
+          </a:p>
+          <a:p>
+            <a:endParaRPr lang="en-US" dirty="0"/>
+          </a:p>
+        </p:txBody>
+      </p:sp>
+    </p:spTree>
+  </p:cSld>
+  <p:clrMapOvr>
+    <a:masterClrMapping/>
+  </p:clrMapOvr>
+</p:sld>
+</file>
+
+<file path=ppt/slides/slide30.xml><?xml version="1.0" encoding="utf-8"?>
+<p:sld xmlns:a="http://schemas.openxmlformats.org/drawingml/2006/main" xmlns:r="http://schemas.openxmlformats.org/officeDocument/2006/relationships" xmlns:p="http://schemas.openxmlformats.org/presentationml/2006/main">
+  <p:cSld>
+    <p:spTree>
+      <p:nvGrpSpPr>
+        <p:cNvPr id="1" name=""/>
+        <p:cNvGrpSpPr/>
+        <p:nvPr/>
+      </p:nvGrpSpPr>
+      <p:grpSpPr>
+        <a:xfrm>
+          <a:off x="0" y="0"/>
+          <a:ext cx="0" cy="0"/>
+          <a:chOff x="0" y="0"/>
+          <a:chExt cx="0" cy="0"/>
+        </a:xfrm>
+      </p:grpSpPr>
+      <p:sp>
+        <p:nvSpPr>
+          <p:cNvPr id="2" name="Title 1"/>
+          <p:cNvSpPr>
+            <a:spLocks noGrp="1"/>
+          </p:cNvSpPr>
+          <p:nvPr>
+            <p:ph type="title"/>
+          </p:nvPr>
+        </p:nvSpPr>
+        <p:spPr/>
+        <p:txBody>
+          <a:bodyPr>
+            <a:normAutofit fontScale="90000"/>
+          </a:bodyPr>
+          <a:lstStyle/>
+          <a:p>
+            <a:r>
+              <a:rPr lang="en-US" b="1" dirty="0"/>
+              <a:t>Performance Metrics</a:t>
+            </a:r>
+            <a:br>
+              <a:rPr lang="en-US" b="1" dirty="0"/>
+            </a:br>
+            <a:endParaRPr lang="en-US" dirty="0"/>
+          </a:p>
+        </p:txBody>
+      </p:sp>
+      <p:sp>
+        <p:nvSpPr>
+          <p:cNvPr id="3" name="Content Placeholder 2"/>
+          <p:cNvSpPr>
+            <a:spLocks noGrp="1"/>
+          </p:cNvSpPr>
+          <p:nvPr>
+            <p:ph idx="1"/>
+          </p:nvPr>
+        </p:nvSpPr>
+        <p:spPr/>
+        <p:txBody>
+          <a:bodyPr>
+            <a:normAutofit fontScale="70000" lnSpcReduction="20000"/>
+          </a:bodyPr>
+          <a:lstStyle/>
+          <a:p>
+            <a:pPr>
+              <a:buNone/>
+            </a:pPr>
+            <a:r>
+              <a:rPr lang="en-US" b="1" dirty="0"/>
+              <a:t>Problem</a:t>
+            </a:r>
+          </a:p>
+          <a:p>
+            <a:r>
+              <a:rPr lang="en-US" dirty="0"/>
+              <a:t>When the service portfolio increases due to </a:t>
+            </a:r>
+            <a:r>
+              <a:rPr lang="en-US" dirty="0" err="1"/>
+              <a:t>microservice</a:t>
+            </a:r>
+            <a:r>
+              <a:rPr lang="en-US" dirty="0"/>
+              <a:t> architecture, it becomes critical to keep a watch on the transactions so that patterns can be monitored and alerts sent when an issue happens. How should we collect metrics to monitor application </a:t>
+            </a:r>
+            <a:r>
+              <a:rPr lang="en-US" dirty="0" err="1"/>
+              <a:t>perfomance</a:t>
+            </a:r>
+            <a:r>
+              <a:rPr lang="en-US" dirty="0"/>
+              <a:t>?</a:t>
+            </a:r>
+          </a:p>
+          <a:p>
+            <a:pPr>
+              <a:buNone/>
+            </a:pPr>
+            <a:r>
+              <a:rPr lang="en-US" b="1" dirty="0"/>
+              <a:t>Solution</a:t>
+            </a:r>
+          </a:p>
+          <a:p>
+            <a:r>
+              <a:rPr lang="en-US" dirty="0"/>
+              <a:t>A metrics service is required to gather statistics about individual operations. It should aggregate the metrics of an application service, which provides reporting and alerting. There are two models for aggregating metrics:</a:t>
+            </a:r>
+          </a:p>
+          <a:p>
+            <a:r>
+              <a:rPr lang="en-US" dirty="0"/>
+              <a:t>Push — the service pushes metrics to the metrics service e.g. </a:t>
+            </a:r>
+            <a:r>
+              <a:rPr lang="en-US" dirty="0" err="1"/>
+              <a:t>NewRelic</a:t>
+            </a:r>
+            <a:r>
+              <a:rPr lang="en-US" dirty="0"/>
+              <a:t>, </a:t>
+            </a:r>
+            <a:r>
+              <a:rPr lang="en-US" dirty="0" err="1"/>
+              <a:t>AppDynamics</a:t>
+            </a:r>
+            <a:endParaRPr lang="en-US" dirty="0"/>
+          </a:p>
+          <a:p>
+            <a:r>
+              <a:rPr lang="en-US" dirty="0"/>
+              <a:t>Pull — the metrics services pulls metrics from the service e.g. Prometheus</a:t>
+            </a:r>
+          </a:p>
+          <a:p>
+            <a:endParaRPr lang="en-US" dirty="0"/>
+          </a:p>
+        </p:txBody>
+      </p:sp>
+    </p:spTree>
+  </p:cSld>
+  <p:clrMapOvr>
+    <a:masterClrMapping/>
+  </p:clrMapOvr>
+</p:sld>
+</file>
+
+<file path=ppt/slides/slide31.xml><?xml version="1.0" encoding="utf-8"?>
+<p:sld xmlns:a="http://schemas.openxmlformats.org/drawingml/2006/main" xmlns:r="http://schemas.openxmlformats.org/officeDocument/2006/relationships" xmlns:p="http://schemas.openxmlformats.org/presentationml/2006/main">
+  <p:cSld>
+    <p:spTree>
+      <p:nvGrpSpPr>
+        <p:cNvPr id="1" name=""/>
+        <p:cNvGrpSpPr/>
+        <p:nvPr/>
+      </p:nvGrpSpPr>
+      <p:grpSpPr>
+        <a:xfrm>
+          <a:off x="0" y="0"/>
+          <a:ext cx="0" cy="0"/>
+          <a:chOff x="0" y="0"/>
+          <a:chExt cx="0" cy="0"/>
+        </a:xfrm>
+      </p:grpSpPr>
+      <p:sp>
+        <p:nvSpPr>
+          <p:cNvPr id="2" name="Title 1"/>
+          <p:cNvSpPr>
+            <a:spLocks noGrp="1"/>
+          </p:cNvSpPr>
+          <p:nvPr>
+            <p:ph type="title"/>
+          </p:nvPr>
+        </p:nvSpPr>
+        <p:spPr/>
+        <p:txBody>
+          <a:bodyPr>
+            <a:normAutofit fontScale="90000"/>
+          </a:bodyPr>
+          <a:lstStyle/>
+          <a:p>
+            <a:r>
+              <a:rPr lang="en-US" b="1" dirty="0"/>
+              <a:t>Distributed Tracing</a:t>
+            </a:r>
+            <a:br>
+              <a:rPr lang="en-US" b="1" dirty="0"/>
+            </a:br>
+            <a:endParaRPr lang="en-US" dirty="0"/>
+          </a:p>
+        </p:txBody>
+      </p:sp>
+      <p:sp>
+        <p:nvSpPr>
+          <p:cNvPr id="3" name="Content Placeholder 2"/>
+          <p:cNvSpPr>
+            <a:spLocks noGrp="1"/>
+          </p:cNvSpPr>
+          <p:nvPr>
+            <p:ph idx="1"/>
+          </p:nvPr>
+        </p:nvSpPr>
+        <p:spPr/>
+        <p:txBody>
+          <a:bodyPr>
+            <a:normAutofit fontScale="62500" lnSpcReduction="20000"/>
+          </a:bodyPr>
+          <a:lstStyle/>
+          <a:p>
+            <a:pPr>
+              <a:buNone/>
+            </a:pPr>
+            <a:r>
+              <a:rPr lang="en-US" b="1" dirty="0"/>
+              <a:t>Problem</a:t>
+            </a:r>
+          </a:p>
+          <a:p>
+            <a:r>
+              <a:rPr lang="en-US" dirty="0"/>
+              <a:t>In </a:t>
+            </a:r>
+            <a:r>
+              <a:rPr lang="en-US" dirty="0" err="1"/>
+              <a:t>microservice</a:t>
+            </a:r>
+            <a:r>
+              <a:rPr lang="en-US" dirty="0"/>
+              <a:t> architecture, requests often span multiple services. Each service handles a request by performing one or more operations across multiple services. Then, how do we trace a request end-to-end to troubleshoot the problem?</a:t>
+            </a:r>
+          </a:p>
+          <a:p>
+            <a:pPr>
+              <a:buNone/>
+            </a:pPr>
+            <a:r>
+              <a:rPr lang="en-US" b="1" dirty="0"/>
+              <a:t>Solution</a:t>
+            </a:r>
+          </a:p>
+          <a:p>
+            <a:r>
+              <a:rPr lang="en-US" dirty="0"/>
+              <a:t>We need a service which</a:t>
+            </a:r>
+          </a:p>
+          <a:p>
+            <a:r>
+              <a:rPr lang="en-US" dirty="0"/>
+              <a:t>Assigns each external request a unique external request id.</a:t>
+            </a:r>
+          </a:p>
+          <a:p>
+            <a:r>
+              <a:rPr lang="en-US" dirty="0"/>
+              <a:t>Passes the external request id to all services.</a:t>
+            </a:r>
+          </a:p>
+          <a:p>
+            <a:r>
+              <a:rPr lang="en-US" dirty="0"/>
+              <a:t>Includes the external request id in all log messages.</a:t>
+            </a:r>
+          </a:p>
+          <a:p>
+            <a:r>
+              <a:rPr lang="en-US" dirty="0"/>
+              <a:t>Records information (e.g. start time, end time) about the requests and operations performed when handling an external request in a centralized service.</a:t>
+            </a:r>
+          </a:p>
+          <a:p>
+            <a:r>
+              <a:rPr lang="en-US" dirty="0"/>
+              <a:t>Spring Cloud </a:t>
+            </a:r>
+            <a:r>
+              <a:rPr lang="en-US" dirty="0" err="1"/>
+              <a:t>Slueth</a:t>
+            </a:r>
+            <a:r>
+              <a:rPr lang="en-US" dirty="0"/>
+              <a:t>, along with </a:t>
+            </a:r>
+            <a:r>
+              <a:rPr lang="en-US" dirty="0" err="1"/>
+              <a:t>Zipkin</a:t>
+            </a:r>
+            <a:r>
+              <a:rPr lang="en-US" dirty="0"/>
+              <a:t> server, is a common implementation.</a:t>
+            </a:r>
+          </a:p>
+        </p:txBody>
+      </p:sp>
+    </p:spTree>
+  </p:cSld>
+  <p:clrMapOvr>
+    <a:masterClrMapping/>
+  </p:clrMapOvr>
+</p:sld>
+</file>
+
+<file path=ppt/slides/slide32.xml><?xml version="1.0" encoding="utf-8"?>
+<p:sld xmlns:a="http://schemas.openxmlformats.org/drawingml/2006/main" xmlns:r="http://schemas.openxmlformats.org/officeDocument/2006/relationships" xmlns:p="http://schemas.openxmlformats.org/presentationml/2006/main">
+  <p:cSld>
+    <p:spTree>
+      <p:nvGrpSpPr>
+        <p:cNvPr id="1" name=""/>
+        <p:cNvGrpSpPr/>
+        <p:nvPr/>
+      </p:nvGrpSpPr>
+      <p:grpSpPr>
+        <a:xfrm>
+          <a:off x="0" y="0"/>
+          <a:ext cx="0" cy="0"/>
+          <a:chOff x="0" y="0"/>
+          <a:chExt cx="0" cy="0"/>
+        </a:xfrm>
+      </p:grpSpPr>
+      <p:sp>
+        <p:nvSpPr>
+          <p:cNvPr id="2" name="Title 1"/>
+          <p:cNvSpPr>
+            <a:spLocks noGrp="1"/>
+          </p:cNvSpPr>
+          <p:nvPr>
+            <p:ph type="title"/>
+          </p:nvPr>
+        </p:nvSpPr>
+        <p:spPr/>
+        <p:txBody>
+          <a:bodyPr>
+            <a:normAutofit fontScale="90000"/>
+          </a:bodyPr>
+          <a:lstStyle/>
+          <a:p>
+            <a:r>
+              <a:rPr lang="en-US" b="1" dirty="0"/>
+              <a:t>Health Check</a:t>
+            </a:r>
+            <a:br>
+              <a:rPr lang="en-US" b="1" dirty="0"/>
+            </a:br>
+            <a:endParaRPr lang="en-US" dirty="0"/>
+          </a:p>
+        </p:txBody>
+      </p:sp>
+      <p:sp>
+        <p:nvSpPr>
+          <p:cNvPr id="3" name="Content Placeholder 2"/>
+          <p:cNvSpPr>
+            <a:spLocks noGrp="1"/>
+          </p:cNvSpPr>
+          <p:nvPr>
+            <p:ph idx="1"/>
+          </p:nvPr>
+        </p:nvSpPr>
+        <p:spPr/>
+        <p:txBody>
+          <a:bodyPr>
+            <a:normAutofit fontScale="77500" lnSpcReduction="20000"/>
+          </a:bodyPr>
+          <a:lstStyle/>
+          <a:p>
+            <a:pPr>
+              <a:buNone/>
+            </a:pPr>
+            <a:r>
+              <a:rPr lang="en-US" b="1" dirty="0"/>
+              <a:t>Problem</a:t>
+            </a:r>
+          </a:p>
+          <a:p>
+            <a:r>
+              <a:rPr lang="en-US" dirty="0"/>
+              <a:t>When </a:t>
+            </a:r>
+            <a:r>
+              <a:rPr lang="en-US" dirty="0" err="1"/>
+              <a:t>microservice</a:t>
+            </a:r>
+            <a:r>
+              <a:rPr lang="en-US" dirty="0"/>
+              <a:t> architecture has been implemented, there is a chance that a service might be up but not able to handle transactions. In that case, how do you ensure a request doesn't go to those failed instances? With a load balancing pattern implementation.</a:t>
+            </a:r>
+          </a:p>
+          <a:p>
+            <a:pPr>
+              <a:buNone/>
+            </a:pPr>
+            <a:r>
+              <a:rPr lang="en-US" b="1" dirty="0"/>
+              <a:t>Solution</a:t>
+            </a:r>
+          </a:p>
+          <a:p>
+            <a:r>
+              <a:rPr lang="en-US" dirty="0"/>
+              <a:t>Each service needs to have an endpoint which can be used to check the health of the application, such as /health. This API should o check the status of the host, the connection to other services/infrastructure, and any specific logic.</a:t>
+            </a:r>
+          </a:p>
+          <a:p>
+            <a:r>
+              <a:rPr lang="en-US" dirty="0"/>
+              <a:t>Spring Boot Actuator does implement a /health endpoint and the implementation can be customized, as well.</a:t>
+            </a:r>
+          </a:p>
+          <a:p>
+            <a:endParaRPr lang="en-US" dirty="0"/>
+          </a:p>
+        </p:txBody>
+      </p:sp>
+    </p:spTree>
+  </p:cSld>
+  <p:clrMapOvr>
+    <a:masterClrMapping/>
+  </p:clrMapOvr>
+</p:sld>
+</file>
+
+<file path=ppt/slides/slide33.xml><?xml version="1.0" encoding="utf-8"?>
+<p:sld xmlns:a="http://schemas.openxmlformats.org/drawingml/2006/main" xmlns:r="http://schemas.openxmlformats.org/officeDocument/2006/relationships" xmlns:p="http://schemas.openxmlformats.org/presentationml/2006/main">
+  <p:cSld>
+    <p:spTree>
+      <p:nvGrpSpPr>
+        <p:cNvPr id="1" name=""/>
+        <p:cNvGrpSpPr/>
+        <p:nvPr/>
+      </p:nvGrpSpPr>
+      <p:grpSpPr>
+        <a:xfrm>
+          <a:off x="0" y="0"/>
+          <a:ext cx="0" cy="0"/>
+          <a:chOff x="0" y="0"/>
+          <a:chExt cx="0" cy="0"/>
+        </a:xfrm>
+      </p:grpSpPr>
+      <p:sp>
+        <p:nvSpPr>
+          <p:cNvPr id="2" name="Title 1"/>
+          <p:cNvSpPr>
+            <a:spLocks noGrp="1"/>
+          </p:cNvSpPr>
+          <p:nvPr>
+            <p:ph type="title"/>
+          </p:nvPr>
+        </p:nvSpPr>
+        <p:spPr/>
+        <p:txBody>
+          <a:bodyPr>
+            <a:normAutofit fontScale="90000"/>
+          </a:bodyPr>
+          <a:lstStyle/>
+          <a:p>
+            <a:r>
+              <a:rPr lang="en-US" b="1" dirty="0"/>
+              <a:t>Cross-Cutting Concern Patterns</a:t>
+            </a:r>
+            <a:br>
+              <a:rPr lang="en-US" b="1" dirty="0"/>
+            </a:br>
+            <a:endParaRPr lang="en-US" dirty="0"/>
+          </a:p>
+        </p:txBody>
+      </p:sp>
+      <p:sp>
+        <p:nvSpPr>
+          <p:cNvPr id="3" name="Content Placeholder 2"/>
+          <p:cNvSpPr>
+            <a:spLocks noGrp="1"/>
+          </p:cNvSpPr>
+          <p:nvPr>
+            <p:ph idx="1"/>
+          </p:nvPr>
+        </p:nvSpPr>
+        <p:spPr/>
+        <p:txBody>
+          <a:bodyPr/>
+          <a:lstStyle/>
+          <a:p>
+            <a:r>
+              <a:rPr lang="en-US" b="1" dirty="0"/>
+              <a:t>External Configuration</a:t>
+            </a:r>
+          </a:p>
+          <a:p>
+            <a:r>
+              <a:rPr lang="en-US" b="1" dirty="0"/>
+              <a:t>Service Discovery Pattern</a:t>
+            </a:r>
+          </a:p>
+          <a:p>
+            <a:r>
+              <a:rPr lang="en-US" b="1" dirty="0"/>
+              <a:t>Circuit Breaker Pattern</a:t>
+            </a:r>
+          </a:p>
+          <a:p>
+            <a:r>
+              <a:rPr lang="en-US" b="1" dirty="0"/>
+              <a:t>Blue-Green Deployment Pattern</a:t>
+            </a:r>
+          </a:p>
+          <a:p>
+            <a:endParaRPr lang="en-US" dirty="0"/>
+          </a:p>
+        </p:txBody>
+      </p:sp>
+    </p:spTree>
+  </p:cSld>
+  <p:clrMapOvr>
+    <a:masterClrMapping/>
+  </p:clrMapOvr>
+</p:sld>
+</file>
+
+<file path=ppt/slides/slide34.xml><?xml version="1.0" encoding="utf-8"?>
+<p:sld xmlns:a="http://schemas.openxmlformats.org/drawingml/2006/main" xmlns:r="http://schemas.openxmlformats.org/officeDocument/2006/relationships" xmlns:p="http://schemas.openxmlformats.org/presentationml/2006/main">
+  <p:cSld>
+    <p:spTree>
+      <p:nvGrpSpPr>
+        <p:cNvPr id="1" name=""/>
+        <p:cNvGrpSpPr/>
+        <p:nvPr/>
+      </p:nvGrpSpPr>
+      <p:grpSpPr>
+        <a:xfrm>
+          <a:off x="0" y="0"/>
+          <a:ext cx="0" cy="0"/>
+          <a:chOff x="0" y="0"/>
+          <a:chExt cx="0" cy="0"/>
+        </a:xfrm>
+      </p:grpSpPr>
+      <p:sp>
+        <p:nvSpPr>
+          <p:cNvPr id="2" name="Title 1"/>
+          <p:cNvSpPr>
+            <a:spLocks noGrp="1"/>
+          </p:cNvSpPr>
+          <p:nvPr>
+            <p:ph type="title"/>
+          </p:nvPr>
+        </p:nvSpPr>
+        <p:spPr/>
+        <p:txBody>
+          <a:bodyPr>
+            <a:normAutofit fontScale="90000"/>
+          </a:bodyPr>
+          <a:lstStyle/>
+          <a:p>
+            <a:r>
+              <a:rPr lang="en-US" b="1" dirty="0"/>
+              <a:t>External Configuration</a:t>
+            </a:r>
+            <a:br>
+              <a:rPr lang="en-US" b="1" dirty="0"/>
+            </a:br>
+            <a:endParaRPr lang="en-US" dirty="0"/>
+          </a:p>
+        </p:txBody>
+      </p:sp>
+      <p:sp>
+        <p:nvSpPr>
+          <p:cNvPr id="3" name="Content Placeholder 2"/>
+          <p:cNvSpPr>
+            <a:spLocks noGrp="1"/>
+          </p:cNvSpPr>
+          <p:nvPr>
+            <p:ph idx="1"/>
+          </p:nvPr>
+        </p:nvSpPr>
+        <p:spPr/>
+        <p:txBody>
+          <a:bodyPr>
+            <a:normAutofit fontScale="70000" lnSpcReduction="20000"/>
+          </a:bodyPr>
+          <a:lstStyle/>
+          <a:p>
+            <a:pPr>
+              <a:buNone/>
+            </a:pPr>
+            <a:r>
+              <a:rPr lang="en-US" b="1" dirty="0"/>
+              <a:t>Problem</a:t>
+            </a:r>
+          </a:p>
+          <a:p>
+            <a:r>
+              <a:rPr lang="en-US" dirty="0"/>
+              <a:t>A service typically calls other services and databases as well. For each environment like dev, QA, UAT, prod, the endpoint URL or some configuration properties might be different. A change in any of those properties might require a re-build and re-deploy of the service. How do we avoid code modification for configuration changes?</a:t>
+            </a:r>
+          </a:p>
+          <a:p>
+            <a:pPr>
+              <a:buNone/>
+            </a:pPr>
+            <a:r>
+              <a:rPr lang="en-US" b="1" dirty="0"/>
+              <a:t>Solution</a:t>
+            </a:r>
+          </a:p>
+          <a:p>
+            <a:r>
+              <a:rPr lang="en-US" dirty="0"/>
+              <a:t>Externalize all the configuration, including endpoint URLs and credentials. The application should load them either at startup or on the fly.</a:t>
+            </a:r>
+          </a:p>
+          <a:p>
+            <a:r>
+              <a:rPr lang="en-US" dirty="0"/>
+              <a:t>Spring Cloud </a:t>
+            </a:r>
+            <a:r>
+              <a:rPr lang="en-US" dirty="0" err="1"/>
+              <a:t>config</a:t>
+            </a:r>
+            <a:r>
+              <a:rPr lang="en-US" dirty="0"/>
+              <a:t> server provides the option to externalize the properties to </a:t>
+            </a:r>
+            <a:r>
+              <a:rPr lang="en-US" dirty="0" err="1"/>
+              <a:t>GitHub</a:t>
+            </a:r>
+            <a:r>
+              <a:rPr lang="en-US" dirty="0"/>
+              <a:t> and load them as environment properties. These can be accessed by the application on startup or can be refreshed without a server restart.</a:t>
+            </a:r>
+          </a:p>
+          <a:p>
+            <a:endParaRPr lang="en-US" dirty="0"/>
+          </a:p>
+        </p:txBody>
+      </p:sp>
+    </p:spTree>
+  </p:cSld>
+  <p:clrMapOvr>
+    <a:masterClrMapping/>
+  </p:clrMapOvr>
+</p:sld>
+</file>
+
+<file path=ppt/slides/slide35.xml><?xml version="1.0" encoding="utf-8"?>
+<p:sld xmlns:a="http://schemas.openxmlformats.org/drawingml/2006/main" xmlns:r="http://schemas.openxmlformats.org/officeDocument/2006/relationships" xmlns:p="http://schemas.openxmlformats.org/presentationml/2006/main">
+  <p:cSld>
+    <p:spTree>
+      <p:nvGrpSpPr>
+        <p:cNvPr id="1" name=""/>
+        <p:cNvGrpSpPr/>
+        <p:nvPr/>
+      </p:nvGrpSpPr>
+      <p:grpSpPr>
+        <a:xfrm>
+          <a:off x="0" y="0"/>
+          <a:ext cx="0" cy="0"/>
+          <a:chOff x="0" y="0"/>
+          <a:chExt cx="0" cy="0"/>
+        </a:xfrm>
+      </p:grpSpPr>
+      <p:sp>
+        <p:nvSpPr>
+          <p:cNvPr id="2" name="Title 1"/>
+          <p:cNvSpPr>
+            <a:spLocks noGrp="1"/>
+          </p:cNvSpPr>
+          <p:nvPr>
+            <p:ph type="title"/>
+          </p:nvPr>
+        </p:nvSpPr>
+        <p:spPr/>
+        <p:txBody>
+          <a:bodyPr>
+            <a:normAutofit fontScale="90000"/>
+          </a:bodyPr>
+          <a:lstStyle/>
+          <a:p>
+            <a:r>
+              <a:rPr lang="en-US" b="1" dirty="0"/>
+              <a:t>Service Discovery Pattern</a:t>
+            </a:r>
+            <a:br>
+              <a:rPr lang="en-US" b="1" dirty="0"/>
+            </a:br>
+            <a:endParaRPr lang="en-US" dirty="0"/>
+          </a:p>
+        </p:txBody>
+      </p:sp>
+      <p:sp>
+        <p:nvSpPr>
+          <p:cNvPr id="3" name="Content Placeholder 2"/>
+          <p:cNvSpPr>
+            <a:spLocks noGrp="1"/>
+          </p:cNvSpPr>
+          <p:nvPr>
+            <p:ph idx="1"/>
+          </p:nvPr>
+        </p:nvSpPr>
+        <p:spPr>
+          <a:xfrm>
+            <a:off x="457200" y="1600200"/>
+            <a:ext cx="8507288" cy="4493095"/>
+          </a:xfrm>
+        </p:spPr>
+        <p:txBody>
+          <a:bodyPr>
+            <a:normAutofit fontScale="47500" lnSpcReduction="20000"/>
+          </a:bodyPr>
+          <a:lstStyle/>
+          <a:p>
+            <a:pPr>
+              <a:buNone/>
+            </a:pPr>
+            <a:r>
+              <a:rPr lang="en-US" b="1" dirty="0"/>
+              <a:t>Problem</a:t>
+            </a:r>
+          </a:p>
+          <a:p>
+            <a:r>
+              <a:rPr lang="en-US" dirty="0"/>
+              <a:t>When </a:t>
+            </a:r>
+            <a:r>
+              <a:rPr lang="en-US" dirty="0" err="1"/>
+              <a:t>microservices</a:t>
+            </a:r>
+            <a:r>
+              <a:rPr lang="en-US" dirty="0"/>
+              <a:t> come into the picture, we need to address a few issues in terms of calling services:</a:t>
+            </a:r>
+          </a:p>
+          <a:p>
+            <a:r>
+              <a:rPr lang="en-US" dirty="0"/>
+              <a:t>With container technology, IP addresses are dynamically allocated to the service instances. Every time the address changes, a consumer service can break and need manual changes.</a:t>
+            </a:r>
+          </a:p>
+          <a:p>
+            <a:r>
+              <a:rPr lang="en-US" dirty="0"/>
+              <a:t>Each service URL has to be remembered by the consumer and become tightly coupled.</a:t>
+            </a:r>
+          </a:p>
+          <a:p>
+            <a:r>
+              <a:rPr lang="en-US" dirty="0"/>
+              <a:t>So how does the consumer or router know all the available service instances and locations?</a:t>
+            </a:r>
+          </a:p>
+          <a:p>
+            <a:endParaRPr lang="en-US" dirty="0"/>
+          </a:p>
+          <a:p>
+            <a:endParaRPr lang="en-US" dirty="0"/>
+          </a:p>
+          <a:p>
+            <a:pPr>
+              <a:buNone/>
+            </a:pPr>
+            <a:r>
+              <a:rPr lang="en-US" b="1" dirty="0"/>
+              <a:t>Solution</a:t>
+            </a:r>
+          </a:p>
+          <a:p>
+            <a:r>
+              <a:rPr lang="en-US" dirty="0"/>
+              <a:t>A service registry needs to be created which will keep the metadata of each producer service. A service instance should register to the registry when starting and should de-register when shutting down. The consumer or router should query the registry and find out the location of the service. The registry also needs to do a health check of the producer service to ensure that only working instances of the services are available to be consumed through it. There are two types of service discovery: client-side and server-side. An example of client-side discovery is Netflix Eureka and an example of server-side discovery is AWS ALB.</a:t>
+            </a:r>
+          </a:p>
+          <a:p>
+            <a:endParaRPr lang="en-US" dirty="0"/>
+          </a:p>
+        </p:txBody>
+      </p:sp>
+    </p:spTree>
+  </p:cSld>
+  <p:clrMapOvr>
+    <a:masterClrMapping/>
+  </p:clrMapOvr>
+</p:sld>
+</file>
+
+<file path=ppt/slides/slide36.xml><?xml version="1.0" encoding="utf-8"?>
+<p:sld xmlns:a="http://schemas.openxmlformats.org/drawingml/2006/main" xmlns:r="http://schemas.openxmlformats.org/officeDocument/2006/relationships" xmlns:p="http://schemas.openxmlformats.org/presentationml/2006/main">
+  <p:cSld>
+    <p:spTree>
+      <p:nvGrpSpPr>
+        <p:cNvPr id="1" name=""/>
+        <p:cNvGrpSpPr/>
+        <p:nvPr/>
+      </p:nvGrpSpPr>
+      <p:grpSpPr>
+        <a:xfrm>
+          <a:off x="0" y="0"/>
+          <a:ext cx="0" cy="0"/>
+          <a:chOff x="0" y="0"/>
+          <a:chExt cx="0" cy="0"/>
+        </a:xfrm>
+      </p:grpSpPr>
+      <p:sp>
+        <p:nvSpPr>
+          <p:cNvPr id="2" name="Title 1"/>
+          <p:cNvSpPr>
+            <a:spLocks noGrp="1"/>
+          </p:cNvSpPr>
+          <p:nvPr>
+            <p:ph type="title"/>
+          </p:nvPr>
+        </p:nvSpPr>
+        <p:spPr/>
+        <p:txBody>
+          <a:bodyPr>
+            <a:normAutofit fontScale="90000"/>
+          </a:bodyPr>
+          <a:lstStyle/>
+          <a:p>
+            <a:r>
+              <a:rPr lang="en-US" b="1" dirty="0"/>
+              <a:t>Circuit Breaker Pattern</a:t>
+            </a:r>
+            <a:br>
+              <a:rPr lang="en-US" b="1" dirty="0"/>
+            </a:br>
+            <a:endParaRPr lang="en-US" dirty="0"/>
+          </a:p>
+        </p:txBody>
+      </p:sp>
+      <p:sp>
+        <p:nvSpPr>
+          <p:cNvPr id="3" name="Content Placeholder 2"/>
+          <p:cNvSpPr>
+            <a:spLocks noGrp="1"/>
+          </p:cNvSpPr>
+          <p:nvPr>
+            <p:ph idx="1"/>
+          </p:nvPr>
+        </p:nvSpPr>
+        <p:spPr/>
+        <p:txBody>
+          <a:bodyPr>
+            <a:normAutofit fontScale="47500" lnSpcReduction="20000"/>
+          </a:bodyPr>
+          <a:lstStyle/>
+          <a:p>
+            <a:pPr>
+              <a:buNone/>
+            </a:pPr>
+            <a:r>
+              <a:rPr lang="en-US" b="1" dirty="0"/>
+              <a:t>Problem</a:t>
+            </a:r>
+          </a:p>
+          <a:p>
+            <a:r>
+              <a:rPr lang="en-US" dirty="0"/>
+              <a:t>A service generally calls other services to retrieve data, and there is the chance that the downstream service may be down. There are two problems with this: first, the request will keep going to the down service, exhausting network resources and slowing performance. Second, the user experience will be bad and unpredictable. How do we avoid cascading service failures and handle failures gracefully?</a:t>
+            </a:r>
+          </a:p>
+          <a:p>
+            <a:pPr>
+              <a:buNone/>
+            </a:pPr>
+            <a:endParaRPr lang="en-US" b="1" dirty="0"/>
+          </a:p>
+          <a:p>
+            <a:pPr>
+              <a:buNone/>
+            </a:pPr>
+            <a:r>
+              <a:rPr lang="en-US" b="1" dirty="0"/>
+              <a:t>Solution</a:t>
+            </a:r>
+          </a:p>
+          <a:p>
+            <a:r>
+              <a:rPr lang="en-US" dirty="0"/>
+              <a:t>The consumer should invoke a remote service via a proxy that behaves in a similar fashion to an electrical circuit breaker. When the number of consecutive failures crosses a threshold, the circuit breaker trips, and for the duration of a timeout period, all attempts to invoke the remote service will fail immediately. After the timeout expires the circuit breaker allows a limited number of test requests to pass through. If those requests succeed, the circuit breaker resumes normal operation. Otherwise, if there is a failure, the timeout period begins again.</a:t>
+            </a:r>
+          </a:p>
+          <a:p>
+            <a:r>
+              <a:rPr lang="en-US" dirty="0"/>
+              <a:t>Netflix </a:t>
+            </a:r>
+            <a:r>
+              <a:rPr lang="en-US" dirty="0" err="1"/>
+              <a:t>Hystrix</a:t>
+            </a:r>
+            <a:r>
+              <a:rPr lang="en-US" dirty="0"/>
+              <a:t> is a good implementation of the circuit breaker pattern. It also helps you to define a fallback mechanism which can be used when the circuit breaker trips. That provides a better user experience.</a:t>
+            </a:r>
+          </a:p>
+          <a:p>
+            <a:endParaRPr lang="en-US" dirty="0"/>
+          </a:p>
+        </p:txBody>
+      </p:sp>
+    </p:spTree>
+  </p:cSld>
+  <p:clrMapOvr>
+    <a:masterClrMapping/>
+  </p:clrMapOvr>
+</p:sld>
+</file>
+
+<file path=ppt/slides/slide37.xml><?xml version="1.0" encoding="utf-8"?>
+<p:sld xmlns:a="http://schemas.openxmlformats.org/drawingml/2006/main" xmlns:r="http://schemas.openxmlformats.org/officeDocument/2006/relationships" xmlns:p="http://schemas.openxmlformats.org/presentationml/2006/main">
+  <p:cSld>
+    <p:spTree>
+      <p:nvGrpSpPr>
+        <p:cNvPr id="1" name=""/>
+        <p:cNvGrpSpPr/>
+        <p:nvPr/>
+      </p:nvGrpSpPr>
+      <p:grpSpPr>
+        <a:xfrm>
+          <a:off x="0" y="0"/>
+          <a:ext cx="0" cy="0"/>
+          <a:chOff x="0" y="0"/>
+          <a:chExt cx="0" cy="0"/>
+        </a:xfrm>
+      </p:grpSpPr>
+      <p:sp>
+        <p:nvSpPr>
+          <p:cNvPr id="2" name="Title 1"/>
+          <p:cNvSpPr>
+            <a:spLocks noGrp="1"/>
+          </p:cNvSpPr>
+          <p:nvPr>
+            <p:ph type="title"/>
+          </p:nvPr>
+        </p:nvSpPr>
+        <p:spPr/>
+        <p:txBody>
+          <a:bodyPr/>
+          <a:lstStyle/>
+          <a:p>
+            <a:r>
+              <a:rPr lang="en-US" b="1" dirty="0"/>
+              <a:t>Blue-Green Deployment Pattern</a:t>
+            </a:r>
+          </a:p>
+        </p:txBody>
+      </p:sp>
+      <p:sp>
+        <p:nvSpPr>
+          <p:cNvPr id="3" name="Content Placeholder 2"/>
+          <p:cNvSpPr>
+            <a:spLocks noGrp="1"/>
+          </p:cNvSpPr>
+          <p:nvPr>
+            <p:ph idx="1"/>
+          </p:nvPr>
+        </p:nvSpPr>
+        <p:spPr/>
+        <p:txBody>
+          <a:bodyPr>
+            <a:normAutofit fontScale="55000" lnSpcReduction="20000"/>
+          </a:bodyPr>
+          <a:lstStyle/>
+          <a:p>
+            <a:pPr>
+              <a:buNone/>
+            </a:pPr>
+            <a:r>
+              <a:rPr lang="en-US" b="1" dirty="0"/>
+              <a:t>Problem</a:t>
+            </a:r>
+          </a:p>
+          <a:p>
+            <a:r>
+              <a:rPr lang="en-US" dirty="0"/>
+              <a:t>With </a:t>
+            </a:r>
+            <a:r>
+              <a:rPr lang="en-US" dirty="0" err="1"/>
+              <a:t>microservice</a:t>
+            </a:r>
+            <a:r>
+              <a:rPr lang="en-US" dirty="0"/>
+              <a:t> architecture, one application can have many </a:t>
+            </a:r>
+            <a:r>
+              <a:rPr lang="en-US" dirty="0" err="1"/>
+              <a:t>microservices</a:t>
+            </a:r>
+            <a:r>
+              <a:rPr lang="en-US" dirty="0"/>
+              <a:t>. If we stop all the services then deploy an enhanced version, the downtime will be huge and can impact the business. Also, the rollback will be a nightmare. How do we avoid or reduce downtime of the services during deployment?</a:t>
+            </a:r>
+          </a:p>
+          <a:p>
+            <a:pPr>
+              <a:buNone/>
+            </a:pPr>
+            <a:r>
+              <a:rPr lang="en-US" b="1" dirty="0"/>
+              <a:t>Solution</a:t>
+            </a:r>
+          </a:p>
+          <a:p>
+            <a:r>
+              <a:rPr lang="en-US" dirty="0"/>
+              <a:t>The blue-green deployment strategy can be implemented to reduce or remove downtime. It achieves this by running two identical production environments, Blue and Green. Let's assume Green is the existing live instance and Blue is the new version of the application. At any time, only one of the environments is live, with the live environment serving all production traffic. All cloud platforms provide options for implementing a blue-green deployment. </a:t>
+            </a:r>
+          </a:p>
+          <a:p>
+            <a:pPr>
+              <a:buNone/>
+            </a:pPr>
+            <a:endParaRPr lang="en-US" dirty="0"/>
+          </a:p>
+          <a:p>
+            <a:r>
+              <a:rPr lang="en-US" dirty="0"/>
+              <a:t>There are many other patterns used with </a:t>
+            </a:r>
+            <a:r>
+              <a:rPr lang="en-US" dirty="0" err="1"/>
+              <a:t>microservice</a:t>
+            </a:r>
+            <a:r>
+              <a:rPr lang="en-US" dirty="0"/>
+              <a:t> architecture, like Sidecar, Chained </a:t>
+            </a:r>
+            <a:r>
+              <a:rPr lang="en-US" dirty="0" err="1"/>
+              <a:t>Microservice</a:t>
+            </a:r>
+            <a:r>
+              <a:rPr lang="en-US" dirty="0"/>
+              <a:t>, Branch </a:t>
+            </a:r>
+            <a:r>
+              <a:rPr lang="en-US" dirty="0" err="1"/>
+              <a:t>Microservice</a:t>
+            </a:r>
+            <a:r>
+              <a:rPr lang="en-US" dirty="0"/>
+              <a:t>, Event Sourcing Pattern, Continuous Delivery Patterns, and more. The list keeps growing as we get more experience with </a:t>
+            </a:r>
+            <a:r>
+              <a:rPr lang="en-US" dirty="0" err="1"/>
+              <a:t>microservices</a:t>
+            </a:r>
+            <a:r>
+              <a:rPr lang="en-US" dirty="0"/>
+              <a:t>. I am stopping now to hear back from you on what </a:t>
+            </a:r>
+            <a:r>
+              <a:rPr lang="en-US" dirty="0" err="1"/>
+              <a:t>microservice</a:t>
+            </a:r>
+            <a:r>
+              <a:rPr lang="en-US" dirty="0"/>
+              <a:t> patterns you are using.</a:t>
             </a:r>
           </a:p>
           <a:p>
@@ -5699,11 +9109,11 @@
           <a:lstStyle/>
           <a:p>
             <a:r>
-              <a:rPr lang="en-US" dirty="0" smtClean="0"/>
+              <a:rPr lang="en-US" dirty="0"/>
               <a:t>Design Patterns of </a:t>
             </a:r>
             <a:r>
-              <a:rPr lang="en-US" dirty="0" err="1" smtClean="0"/>
+              <a:rPr lang="en-US" dirty="0" err="1"/>
               <a:t>Microservices</a:t>
             </a:r>
             <a:endParaRPr lang="en-US" dirty="0"/>
@@ -5727,37 +9137,32 @@
           <a:p>
             <a:r>
               <a:rPr lang="en-US" b="1" dirty="0"/>
-              <a:t>Decomposition </a:t>
-            </a:r>
-            <a:r>
-              <a:rPr lang="en-US" b="1" dirty="0" smtClean="0"/>
-              <a:t>Patterns</a:t>
-            </a:r>
-          </a:p>
-          <a:p>
-            <a:r>
-              <a:rPr lang="en-US" b="1" dirty="0" smtClean="0"/>
+              <a:t>Decomposition Patterns</a:t>
+            </a:r>
+          </a:p>
+          <a:p>
+            <a:r>
+              <a:rPr lang="en-US" b="1" dirty="0"/>
               <a:t>Integrator Patterns</a:t>
             </a:r>
           </a:p>
           <a:p>
             <a:r>
-              <a:rPr lang="en-US" b="1" dirty="0" smtClean="0"/>
+              <a:rPr lang="en-US" b="1" dirty="0"/>
               <a:t>Database Patterns</a:t>
             </a:r>
           </a:p>
           <a:p>
             <a:r>
-              <a:rPr lang="en-US" b="1" dirty="0" smtClean="0"/>
+              <a:rPr lang="en-US" b="1" dirty="0"/>
               <a:t>Observability Patterns</a:t>
             </a:r>
           </a:p>
           <a:p>
             <a:r>
-              <a:rPr lang="en-US" b="1" dirty="0" smtClean="0"/>
+              <a:rPr lang="en-US" b="1" dirty="0"/>
               <a:t>Cross-Cutting Concern Patterns</a:t>
             </a:r>
-            <a:endParaRPr lang="en-US" b="1" dirty="0"/>
           </a:p>
           <a:p>
             <a:endParaRPr lang="en-US" dirty="0"/>
@@ -5949,12 +9354,8 @@
           <a:lstStyle/>
           <a:p>
             <a:r>
-              <a:rPr lang="en-US" sz="1600" b="1" dirty="0" smtClean="0"/>
-              <a:t>Decompose </a:t>
-            </a:r>
-            <a:r>
               <a:rPr lang="en-US" sz="1600" b="1" dirty="0"/>
-              <a:t>by </a:t>
+              <a:t>Decompose by </a:t>
             </a:r>
             <a:r>
               <a:rPr lang="en-US" sz="1600" b="1" dirty="0" err="1"/>
@@ -5981,17 +9382,16 @@
             <a:pPr>
               <a:buNone/>
             </a:pPr>
-            <a:endParaRPr lang="en-US" sz="1600" b="1" dirty="0" smtClean="0"/>
+            <a:endParaRPr lang="en-US" sz="1600" b="1" dirty="0"/>
           </a:p>
           <a:p>
             <a:pPr>
               <a:buNone/>
             </a:pPr>
             <a:r>
-              <a:rPr lang="en-US" sz="1600" b="1" dirty="0" smtClean="0"/>
+              <a:rPr lang="en-US" sz="1600" b="1" dirty="0"/>
               <a:t>Solution</a:t>
             </a:r>
-            <a:endParaRPr lang="en-US" sz="1600" b="1" dirty="0"/>
           </a:p>
           <a:p>
             <a:r>
@@ -6163,17 +9563,16 @@
             <a:pPr>
               <a:buNone/>
             </a:pPr>
-            <a:endParaRPr lang="en-US" b="1" dirty="0" smtClean="0"/>
+            <a:endParaRPr lang="en-US" b="1" dirty="0"/>
           </a:p>
           <a:p>
             <a:pPr>
               <a:buNone/>
             </a:pPr>
             <a:r>
-              <a:rPr lang="en-US" b="1" dirty="0" smtClean="0"/>
+              <a:rPr lang="en-US" b="1" dirty="0"/>
               <a:t>Solution</a:t>
             </a:r>
-            <a:endParaRPr lang="en-US" b="1" dirty="0"/>
           </a:p>
           <a:p>
             <a:r>
@@ -6241,47 +9640,46 @@
           <a:lstStyle/>
           <a:p>
             <a:r>
-              <a:rPr lang="en-US" dirty="0" smtClean="0"/>
+              <a:rPr lang="en-US" dirty="0"/>
               <a:t>Integrator Pattern	</a:t>
             </a:r>
+          </a:p>
+        </p:txBody>
+      </p:sp>
+      <p:sp>
+        <p:nvSpPr>
+          <p:cNvPr id="3" name="Content Placeholder 2"/>
+          <p:cNvSpPr>
+            <a:spLocks noGrp="1"/>
+          </p:cNvSpPr>
+          <p:nvPr>
+            <p:ph idx="1"/>
+          </p:nvPr>
+        </p:nvSpPr>
+        <p:spPr/>
+        <p:txBody>
+          <a:bodyPr/>
+          <a:lstStyle/>
+          <a:p>
+            <a:r>
+              <a:rPr lang="en-US" dirty="0"/>
+              <a:t>API Gateway Pattern</a:t>
+            </a:r>
+          </a:p>
+          <a:p>
+            <a:r>
+              <a:rPr lang="en-US" dirty="0"/>
+              <a:t>Aggregator Pattern</a:t>
+            </a:r>
+          </a:p>
+          <a:p>
+            <a:r>
+              <a:rPr lang="en-US" dirty="0"/>
+              <a:t>Client-Side UI Composition Pattern</a:t>
+            </a:r>
+          </a:p>
+          <a:p>
             <a:endParaRPr lang="en-US" dirty="0"/>
-          </a:p>
-        </p:txBody>
-      </p:sp>
-      <p:sp>
-        <p:nvSpPr>
-          <p:cNvPr id="3" name="Content Placeholder 2"/>
-          <p:cNvSpPr>
-            <a:spLocks noGrp="1"/>
-          </p:cNvSpPr>
-          <p:nvPr>
-            <p:ph idx="1"/>
-          </p:nvPr>
-        </p:nvSpPr>
-        <p:spPr/>
-        <p:txBody>
-          <a:bodyPr/>
-          <a:lstStyle/>
-          <a:p>
-            <a:r>
-              <a:rPr lang="en-US" dirty="0" smtClean="0"/>
-              <a:t>API Gateway Pattern</a:t>
-            </a:r>
-          </a:p>
-          <a:p>
-            <a:r>
-              <a:rPr lang="en-US" dirty="0" smtClean="0"/>
-              <a:t>Aggregator Pattern</a:t>
-            </a:r>
-          </a:p>
-          <a:p>
-            <a:r>
-              <a:rPr lang="en-US" dirty="0" smtClean="0"/>
-              <a:t>Client-Side UI Composition Pattern</a:t>
-            </a:r>
-          </a:p>
-          <a:p>
-            <a:endParaRPr lang="en-US" dirty="0" smtClean="0"/>
           </a:p>
           <a:p>
             <a:endParaRPr lang="en-US" dirty="0"/>
@@ -6329,10 +9727,9 @@
           <a:lstStyle/>
           <a:p>
             <a:r>
-              <a:rPr lang="en-US" dirty="0" smtClean="0"/>
+              <a:rPr lang="en-US" dirty="0"/>
               <a:t>API Gateway Pattern</a:t>
             </a:r>
-            <a:endParaRPr lang="en-US" dirty="0"/>
           </a:p>
         </p:txBody>
       </p:sp>
@@ -6802,4 +10199,299 @@
   <a:objectDefaults/>
   <a:extraClrSchemeLst/>
 </a:theme>
+</file>
+
+<file path=ppt/theme/theme2.xml><?xml version="1.0" encoding="utf-8"?>
+<a:theme xmlns:a="http://schemas.openxmlformats.org/drawingml/2006/main" name="Office Theme">
+  <a:themeElements>
+    <a:clrScheme name="Office">
+      <a:dk1>
+        <a:sysClr val="windowText" lastClr="000000"/>
+      </a:dk1>
+      <a:lt1>
+        <a:sysClr val="window" lastClr="FFFFFF"/>
+      </a:lt1>
+      <a:dk2>
+        <a:srgbClr val="44546A"/>
+      </a:dk2>
+      <a:lt2>
+        <a:srgbClr val="E7E6E6"/>
+      </a:lt2>
+      <a:accent1>
+        <a:srgbClr val="4472C4"/>
+      </a:accent1>
+      <a:accent2>
+        <a:srgbClr val="ED7D31"/>
+      </a:accent2>
+      <a:accent3>
+        <a:srgbClr val="A5A5A5"/>
+      </a:accent3>
+      <a:accent4>
+        <a:srgbClr val="FFC000"/>
+      </a:accent4>
+      <a:accent5>
+        <a:srgbClr val="5B9BD5"/>
+      </a:accent5>
+      <a:accent6>
+        <a:srgbClr val="70AD47"/>
+      </a:accent6>
+      <a:hlink>
+        <a:srgbClr val="0563C1"/>
+      </a:hlink>
+      <a:folHlink>
+        <a:srgbClr val="954F72"/>
+      </a:folHlink>
+    </a:clrScheme>
+    <a:fontScheme name="Office">
+      <a:majorFont>
+        <a:latin typeface="Calibri Light" panose="020F0302020204030204"/>
+        <a:ea typeface=""/>
+        <a:cs typeface=""/>
+        <a:font script="Jpan" typeface="游ゴシック Light"/>
+        <a:font script="Hang" typeface="맑은 고딕"/>
+        <a:font script="Hans" typeface="等线 Light"/>
+        <a:font script="Hant" typeface="新細明體"/>
+        <a:font script="Arab" typeface="Times New Roman"/>
+        <a:font script="Hebr" typeface="Times New Roman"/>
+        <a:font script="Thai" typeface="Angsana New"/>
+        <a:font script="Ethi" typeface="Nyala"/>
+        <a:font script="Beng" typeface="Vrinda"/>
+        <a:font script="Gujr" typeface="Shruti"/>
+        <a:font script="Khmr" typeface="MoolBoran"/>
+        <a:font script="Knda" typeface="Tunga"/>
+        <a:font script="Guru" typeface="Raavi"/>
+        <a:font script="Cans" typeface="Euphemia"/>
+        <a:font script="Cher" typeface="Plantagenet Cherokee"/>
+        <a:font script="Yiii" typeface="Microsoft Yi Baiti"/>
+        <a:font script="Tibt" typeface="Microsoft Himalaya"/>
+        <a:font script="Thaa" typeface="MV Boli"/>
+        <a:font script="Deva" typeface="Mangal"/>
+        <a:font script="Telu" typeface="Gautami"/>
+        <a:font script="Taml" typeface="Latha"/>
+        <a:font script="Syrc" typeface="Estrangelo Edessa"/>
+        <a:font script="Orya" typeface="Kalinga"/>
+        <a:font script="Mlym" typeface="Kartika"/>
+        <a:font script="Laoo" typeface="DokChampa"/>
+        <a:font script="Sinh" typeface="Iskoola Pota"/>
+        <a:font script="Mong" typeface="Mongolian Baiti"/>
+        <a:font script="Viet" typeface="Times New Roman"/>
+        <a:font script="Uigh" typeface="Microsoft Uighur"/>
+        <a:font script="Geor" typeface="Sylfaen"/>
+        <a:font script="Armn" typeface="Arial"/>
+        <a:font script="Bugi" typeface="Leelawadee UI"/>
+        <a:font script="Bopo" typeface="Microsoft JhengHei"/>
+        <a:font script="Java" typeface="Javanese Text"/>
+        <a:font script="Lisu" typeface="Segoe UI"/>
+        <a:font script="Mymr" typeface="Myanmar Text"/>
+        <a:font script="Nkoo" typeface="Ebrima"/>
+        <a:font script="Olck" typeface="Nirmala UI"/>
+        <a:font script="Osma" typeface="Ebrima"/>
+        <a:font script="Phag" typeface="Phagspa"/>
+        <a:font script="Syrn" typeface="Estrangelo Edessa"/>
+        <a:font script="Syrj" typeface="Estrangelo Edessa"/>
+        <a:font script="Syre" typeface="Estrangelo Edessa"/>
+        <a:font script="Sora" typeface="Nirmala UI"/>
+        <a:font script="Tale" typeface="Microsoft Tai Le"/>
+        <a:font script="Talu" typeface="Microsoft New Tai Lue"/>
+        <a:font script="Tfng" typeface="Ebrima"/>
+      </a:majorFont>
+      <a:minorFont>
+        <a:latin typeface="Calibri" panose="020F0502020204030204"/>
+        <a:ea typeface=""/>
+        <a:cs typeface=""/>
+        <a:font script="Jpan" typeface="游ゴシック"/>
+        <a:font script="Hang" typeface="맑은 고딕"/>
+        <a:font script="Hans" typeface="等线"/>
+        <a:font script="Hant" typeface="新細明體"/>
+        <a:font script="Arab" typeface="Arial"/>
+        <a:font script="Hebr" typeface="Arial"/>
+        <a:font script="Thai" typeface="Cordia New"/>
+        <a:font script="Ethi" typeface="Nyala"/>
+        <a:font script="Beng" typeface="Vrinda"/>
+        <a:font script="Gujr" typeface="Shruti"/>
+        <a:font script="Khmr" typeface="DaunPenh"/>
+        <a:font script="Knda" typeface="Tunga"/>
+        <a:font script="Guru" typeface="Raavi"/>
+        <a:font script="Cans" typeface="Euphemia"/>
+        <a:font script="Cher" typeface="Plantagenet Cherokee"/>
+        <a:font script="Yiii" typeface="Microsoft Yi Baiti"/>
+        <a:font script="Tibt" typeface="Microsoft Himalaya"/>
+        <a:font script="Thaa" typeface="MV Boli"/>
+        <a:font script="Deva" typeface="Mangal"/>
+        <a:font script="Telu" typeface="Gautami"/>
+        <a:font script="Taml" typeface="Latha"/>
+        <a:font script="Syrc" typeface="Estrangelo Edessa"/>
+        <a:font script="Orya" typeface="Kalinga"/>
+        <a:font script="Mlym" typeface="Kartika"/>
+        <a:font script="Laoo" typeface="DokChampa"/>
+        <a:font script="Sinh" typeface="Iskoola Pota"/>
+        <a:font script="Mong" typeface="Mongolian Baiti"/>
+        <a:font script="Viet" typeface="Arial"/>
+        <a:font script="Uigh" typeface="Microsoft Uighur"/>
+        <a:font script="Geor" typeface="Sylfaen"/>
+        <a:font script="Armn" typeface="Arial"/>
+        <a:font script="Bugi" typeface="Leelawadee UI"/>
+        <a:font script="Bopo" typeface="Microsoft JhengHei"/>
+        <a:font script="Java" typeface="Javanese Text"/>
+        <a:font script="Lisu" typeface="Segoe UI"/>
+        <a:font script="Mymr" typeface="Myanmar Text"/>
+        <a:font script="Nkoo" typeface="Ebrima"/>
+        <a:font script="Olck" typeface="Nirmala UI"/>
+        <a:font script="Osma" typeface="Ebrima"/>
+        <a:font script="Phag" typeface="Phagspa"/>
+        <a:font script="Syrn" typeface="Estrangelo Edessa"/>
+        <a:font script="Syrj" typeface="Estrangelo Edessa"/>
+        <a:font script="Syre" typeface="Estrangelo Edessa"/>
+        <a:font script="Sora" typeface="Nirmala UI"/>
+        <a:font script="Tale" typeface="Microsoft Tai Le"/>
+        <a:font script="Talu" typeface="Microsoft New Tai Lue"/>
+        <a:font script="Tfng" typeface="Ebrima"/>
+      </a:minorFont>
+    </a:fontScheme>
+    <a:fmtScheme name="Office">
+      <a:fillStyleLst>
+        <a:solidFill>
+          <a:schemeClr val="phClr"/>
+        </a:solidFill>
+        <a:gradFill rotWithShape="1">
+          <a:gsLst>
+            <a:gs pos="0">
+              <a:schemeClr val="phClr">
+                <a:lumMod val="110000"/>
+                <a:satMod val="105000"/>
+                <a:tint val="67000"/>
+              </a:schemeClr>
+            </a:gs>
+            <a:gs pos="50000">
+              <a:schemeClr val="phClr">
+                <a:lumMod val="105000"/>
+                <a:satMod val="103000"/>
+                <a:tint val="73000"/>
+              </a:schemeClr>
+            </a:gs>
+            <a:gs pos="100000">
+              <a:schemeClr val="phClr">
+                <a:lumMod val="105000"/>
+                <a:satMod val="109000"/>
+                <a:tint val="81000"/>
+              </a:schemeClr>
+            </a:gs>
+          </a:gsLst>
+          <a:lin ang="5400000" scaled="0"/>
+        </a:gradFill>
+        <a:gradFill rotWithShape="1">
+          <a:gsLst>
+            <a:gs pos="0">
+              <a:schemeClr val="phClr">
+                <a:satMod val="103000"/>
+                <a:lumMod val="102000"/>
+                <a:tint val="94000"/>
+              </a:schemeClr>
+            </a:gs>
+            <a:gs pos="50000">
+              <a:schemeClr val="phClr">
+                <a:satMod val="110000"/>
+                <a:lumMod val="100000"/>
+                <a:shade val="100000"/>
+              </a:schemeClr>
+            </a:gs>
+            <a:gs pos="100000">
+              <a:schemeClr val="phClr">
+                <a:lumMod val="99000"/>
+                <a:satMod val="120000"/>
+                <a:shade val="78000"/>
+              </a:schemeClr>
+            </a:gs>
+          </a:gsLst>
+          <a:lin ang="5400000" scaled="0"/>
+        </a:gradFill>
+      </a:fillStyleLst>
+      <a:lnStyleLst>
+        <a:ln w="6350" cap="flat" cmpd="sng" algn="ctr">
+          <a:solidFill>
+            <a:schemeClr val="phClr"/>
+          </a:solidFill>
+          <a:prstDash val="solid"/>
+          <a:miter lim="800000"/>
+        </a:ln>
+        <a:ln w="12700" cap="flat" cmpd="sng" algn="ctr">
+          <a:solidFill>
+            <a:schemeClr val="phClr"/>
+          </a:solidFill>
+          <a:prstDash val="solid"/>
+          <a:miter lim="800000"/>
+        </a:ln>
+        <a:ln w="19050" cap="flat" cmpd="sng" algn="ctr">
+          <a:solidFill>
+            <a:schemeClr val="phClr"/>
+          </a:solidFill>
+          <a:prstDash val="solid"/>
+          <a:miter lim="800000"/>
+        </a:ln>
+      </a:lnStyleLst>
+      <a:effectStyleLst>
+        <a:effectStyle>
+          <a:effectLst/>
+        </a:effectStyle>
+        <a:effectStyle>
+          <a:effectLst/>
+        </a:effectStyle>
+        <a:effectStyle>
+          <a:effectLst>
+            <a:outerShdw blurRad="57150" dist="19050" dir="5400000" algn="ctr" rotWithShape="0">
+              <a:srgbClr val="000000">
+                <a:alpha val="63000"/>
+              </a:srgbClr>
+            </a:outerShdw>
+          </a:effectLst>
+        </a:effectStyle>
+      </a:effectStyleLst>
+      <a:bgFillStyleLst>
+        <a:solidFill>
+          <a:schemeClr val="phClr"/>
+        </a:solidFill>
+        <a:solidFill>
+          <a:schemeClr val="phClr">
+            <a:tint val="95000"/>
+            <a:satMod val="170000"/>
+          </a:schemeClr>
+        </a:solidFill>
+        <a:gradFill rotWithShape="1">
+          <a:gsLst>
+            <a:gs pos="0">
+              <a:schemeClr val="phClr">
+                <a:tint val="93000"/>
+                <a:satMod val="150000"/>
+                <a:shade val="98000"/>
+                <a:lumMod val="102000"/>
+              </a:schemeClr>
+            </a:gs>
+            <a:gs pos="50000">
+              <a:schemeClr val="phClr">
+                <a:tint val="98000"/>
+                <a:satMod val="130000"/>
+                <a:shade val="90000"/>
+                <a:lumMod val="103000"/>
+              </a:schemeClr>
+            </a:gs>
+            <a:gs pos="100000">
+              <a:schemeClr val="phClr">
+                <a:shade val="63000"/>
+                <a:satMod val="120000"/>
+              </a:schemeClr>
+            </a:gs>
+          </a:gsLst>
+          <a:lin ang="5400000" scaled="0"/>
+        </a:gradFill>
+      </a:bgFillStyleLst>
+    </a:fmtScheme>
+  </a:themeElements>
+  <a:objectDefaults/>
+  <a:extraClrSchemeLst/>
+  <a:extLst>
+    <a:ext uri="{05A4C25C-085E-4340-85A3-A5531E510DB2}">
+      <thm15:themeFamily xmlns:thm15="http://schemas.microsoft.com/office/thememl/2012/main" name="Office Theme" id="{62F939B6-93AF-4DB8-9C6B-D6C7DFDC589F}" vid="{4A3C46E8-61CC-4603-A589-7422A47A8E4A}"/>
+    </a:ext>
+  </a:extLst>
+</a:theme>
 </file>